--- a/Day4/Day4-NoSQL.pptx
+++ b/Day4/Day4-NoSQL.pptx
@@ -8032,7 +8032,7 @@
         <p:spPr>
           <a:xfrm>
             <a:off x="2011500" y="1682114"/>
-            <a:ext cx="5121000" cy="2037240"/>
+            <a:ext cx="5121000" cy="2060649"/>
           </a:xfrm>
           <a:prstGeom prst="rect">
             <a:avLst/>
@@ -8129,7 +8129,27 @@
                 <a:latin typeface="Courier New"/>
                 <a:ea typeface="MS PGothic"/>
               </a:rPr>
-              <a:t> describe keyspaces</a:t>
+              <a:t> describe </a:t>
+            </a:r>
+            <a:r>
+              <a:rPr lang="en-US" sz="1600" b="1" strike="noStrike" spc="-1" dirty="0" err="1">
+                <a:solidFill>
+                  <a:srgbClr val="000000"/>
+                </a:solidFill>
+                <a:latin typeface="Courier New"/>
+                <a:ea typeface="MS PGothic"/>
+              </a:rPr>
+              <a:t>keyspaces</a:t>
+            </a:r>
+            <a:r>
+              <a:rPr lang="en-US" sz="1600" b="1" strike="noStrike" spc="-1" dirty="0">
+                <a:solidFill>
+                  <a:srgbClr val="000000"/>
+                </a:solidFill>
+                <a:latin typeface="Courier New"/>
+                <a:ea typeface="MS PGothic"/>
+              </a:rPr>
+              <a:t>;</a:t>
             </a:r>
             <a:endParaRPr lang="en-US" sz="1600" b="0" strike="noStrike" spc="-1" dirty="0">
               <a:latin typeface="Arial"/>
@@ -8169,7 +8189,27 @@
                 <a:latin typeface="Courier New"/>
                 <a:ea typeface="MS PGothic"/>
               </a:rPr>
-              <a:t> describe keyspace classroom</a:t>
+              <a:t> describe </a:t>
+            </a:r>
+            <a:r>
+              <a:rPr lang="en-US" sz="1600" b="1" strike="noStrike" spc="-1" dirty="0" err="1">
+                <a:solidFill>
+                  <a:srgbClr val="000000"/>
+                </a:solidFill>
+                <a:latin typeface="Courier New"/>
+                <a:ea typeface="MS PGothic"/>
+              </a:rPr>
+              <a:t>keyspace</a:t>
+            </a:r>
+            <a:r>
+              <a:rPr lang="en-US" sz="1600" b="1" strike="noStrike" spc="-1" dirty="0">
+                <a:solidFill>
+                  <a:srgbClr val="000000"/>
+                </a:solidFill>
+                <a:latin typeface="Courier New"/>
+                <a:ea typeface="MS PGothic"/>
+              </a:rPr>
+              <a:t> classroom;</a:t>
             </a:r>
             <a:endParaRPr lang="en-US" sz="1600" b="0" strike="noStrike" spc="-1" dirty="0">
               <a:latin typeface="Arial"/>
@@ -18022,20 +18062,6 @@
 </file>
 
 <file path=customXml/item1.xml><?xml version="1.0" encoding="utf-8"?>
-<p:properties xmlns:p="http://schemas.microsoft.com/office/2006/metadata/properties" xmlns:xsi="http://www.w3.org/2001/XMLSchema-instance" xmlns:pc="http://schemas.microsoft.com/office/infopath/2007/PartnerControls">
-  <documentManagement>
-    <_dlc_DocId xmlns="037063e9-a85e-4c78-8627-f1a9315663e5">EVEA5JW6U4JV-6-9119</_dlc_DocId>
-    <_dlc_DocIdUrl xmlns="037063e9-a85e-4c78-8627-f1a9315663e5">
-      <Url>https://portal.roitraining.com/Courses/_layouts/DocIdRedir.aspx?ID=EVEA5JW6U4JV-6-9119</Url>
-      <Description>EVEA5JW6U4JV-6-9119</Description>
-    </_dlc_DocIdUrl>
-    <Date_x0020_last_x0020_used xmlns="027ed24f-5970-4294-be5c-0919c5aaa214" xsi:nil="true"/>
-    <Customization_x0020_Information xmlns="027ed24f-5970-4294-be5c-0919c5aaa214" xsi:nil="true"/>
-  </documentManagement>
-</p:properties>
-</file>
-
-<file path=customXml/item2.xml><?xml version="1.0" encoding="utf-8"?>
 <ct:contentTypeSchema xmlns:ct="http://schemas.microsoft.com/office/2006/metadata/contentType" xmlns:ma="http://schemas.microsoft.com/office/2006/metadata/properties/metaAttributes" ct:_="" ma:_="" ma:contentTypeName="Document" ma:contentTypeID="0x0101006B08A054FD435346B287BB258D6D8C2A" ma:contentTypeVersion="2" ma:contentTypeDescription="Create a new document." ma:contentTypeScope="" ma:versionID="6146b90b4382322d8952632f355192b7">
   <xsd:schema xmlns:xsd="http://www.w3.org/2001/XMLSchema" xmlns:xs="http://www.w3.org/2001/XMLSchema" xmlns:p="http://schemas.microsoft.com/office/2006/metadata/properties" xmlns:ns2="027ed24f-5970-4294-be5c-0919c5aaa214" xmlns:ns3="037063e9-a85e-4c78-8627-f1a9315663e5" targetNamespace="http://schemas.microsoft.com/office/2006/metadata/properties" ma:root="true" ma:fieldsID="b5d91f802dafd2e22aeea528efbe2d3e" ns2:_="" ns3:_="">
     <xsd:import namespace="027ed24f-5970-4294-be5c-0919c5aaa214"/>
@@ -18201,16 +18227,21 @@
 </ct:contentTypeSchema>
 </file>
 
-<file path=customXml/item3.xml><?xml version="1.0" encoding="utf-8"?>
-<?mso-contentType ?>
-<FormTemplates xmlns="http://schemas.microsoft.com/sharepoint/v3/contenttype/forms">
-  <Display>DocumentLibraryForm</Display>
-  <Edit>DocumentLibraryForm</Edit>
-  <New>DocumentLibraryForm</New>
-</FormTemplates>
+<file path=customXml/item2.xml><?xml version="1.0" encoding="utf-8"?>
+<p:properties xmlns:p="http://schemas.microsoft.com/office/2006/metadata/properties" xmlns:xsi="http://www.w3.org/2001/XMLSchema-instance" xmlns:pc="http://schemas.microsoft.com/office/infopath/2007/PartnerControls">
+  <documentManagement>
+    <_dlc_DocId xmlns="037063e9-a85e-4c78-8627-f1a9315663e5">EVEA5JW6U4JV-6-9119</_dlc_DocId>
+    <_dlc_DocIdUrl xmlns="037063e9-a85e-4c78-8627-f1a9315663e5">
+      <Url>https://portal.roitraining.com/Courses/_layouts/DocIdRedir.aspx?ID=EVEA5JW6U4JV-6-9119</Url>
+      <Description>EVEA5JW6U4JV-6-9119</Description>
+    </_dlc_DocIdUrl>
+    <Date_x0020_last_x0020_used xmlns="027ed24f-5970-4294-be5c-0919c5aaa214" xsi:nil="true"/>
+    <Customization_x0020_Information xmlns="027ed24f-5970-4294-be5c-0919c5aaa214" xsi:nil="true"/>
+  </documentManagement>
+</p:properties>
 </file>
 
-<file path=customXml/item4.xml><?xml version="1.0" encoding="utf-8"?>
+<file path=customXml/item3.xml><?xml version="1.0" encoding="utf-8"?>
 <?mso-contentType ?>
 <spe:Receivers xmlns:spe="http://schemas.microsoft.com/sharepoint/events">
   <Receiver>
@@ -18256,24 +18287,16 @@
 </spe:Receivers>
 </file>
 
-<file path=customXml/itemProps1.xml><?xml version="1.0" encoding="utf-8"?>
-<ds:datastoreItem xmlns:ds="http://schemas.openxmlformats.org/officeDocument/2006/customXml" ds:itemID="{F47B9207-CE5C-49AD-B414-15CBFA246D65}">
-  <ds:schemaRefs>
-    <ds:schemaRef ds:uri="http://schemas.microsoft.com/office/2006/metadata/properties"/>
-    <ds:schemaRef ds:uri="http://purl.org/dc/terms/"/>
-    <ds:schemaRef ds:uri="http://schemas.microsoft.com/office/2006/documentManagement/types"/>
-    <ds:schemaRef ds:uri="037063e9-a85e-4c78-8627-f1a9315663e5"/>
-    <ds:schemaRef ds:uri="http://www.w3.org/XML/1998/namespace"/>
-    <ds:schemaRef ds:uri="http://purl.org/dc/elements/1.1/"/>
-    <ds:schemaRef ds:uri="http://schemas.microsoft.com/office/infopath/2007/PartnerControls"/>
-    <ds:schemaRef ds:uri="http://schemas.openxmlformats.org/package/2006/metadata/core-properties"/>
-    <ds:schemaRef ds:uri="027ed24f-5970-4294-be5c-0919c5aaa214"/>
-    <ds:schemaRef ds:uri="http://purl.org/dc/dcmitype/"/>
-  </ds:schemaRefs>
-</ds:datastoreItem>
+<file path=customXml/item4.xml><?xml version="1.0" encoding="utf-8"?>
+<?mso-contentType ?>
+<FormTemplates xmlns="http://schemas.microsoft.com/sharepoint/v3/contenttype/forms">
+  <Display>DocumentLibraryForm</Display>
+  <Edit>DocumentLibraryForm</Edit>
+  <New>DocumentLibraryForm</New>
+</FormTemplates>
 </file>
 
-<file path=customXml/itemProps2.xml><?xml version="1.0" encoding="utf-8"?>
+<file path=customXml/itemProps1.xml><?xml version="1.0" encoding="utf-8"?>
 <ds:datastoreItem xmlns:ds="http://schemas.openxmlformats.org/officeDocument/2006/customXml" ds:itemID="{99B74BF2-C9AE-43F2-9033-BC16AD17E561}">
   <ds:schemaRefs>
     <ds:schemaRef ds:uri="http://schemas.microsoft.com/office/2006/metadata/contentType"/>
@@ -18292,18 +18315,35 @@
 </ds:datastoreItem>
 </file>
 
+<file path=customXml/itemProps2.xml><?xml version="1.0" encoding="utf-8"?>
+<ds:datastoreItem xmlns:ds="http://schemas.openxmlformats.org/officeDocument/2006/customXml" ds:itemID="{F47B9207-CE5C-49AD-B414-15CBFA246D65}">
+  <ds:schemaRefs>
+    <ds:schemaRef ds:uri="http://schemas.microsoft.com/office/2006/metadata/properties"/>
+    <ds:schemaRef ds:uri="http://purl.org/dc/terms/"/>
+    <ds:schemaRef ds:uri="http://schemas.microsoft.com/office/2006/documentManagement/types"/>
+    <ds:schemaRef ds:uri="037063e9-a85e-4c78-8627-f1a9315663e5"/>
+    <ds:schemaRef ds:uri="http://www.w3.org/XML/1998/namespace"/>
+    <ds:schemaRef ds:uri="http://purl.org/dc/elements/1.1/"/>
+    <ds:schemaRef ds:uri="http://schemas.microsoft.com/office/infopath/2007/PartnerControls"/>
+    <ds:schemaRef ds:uri="http://schemas.openxmlformats.org/package/2006/metadata/core-properties"/>
+    <ds:schemaRef ds:uri="027ed24f-5970-4294-be5c-0919c5aaa214"/>
+    <ds:schemaRef ds:uri="http://purl.org/dc/dcmitype/"/>
+  </ds:schemaRefs>
+</ds:datastoreItem>
+</file>
+
 <file path=customXml/itemProps3.xml><?xml version="1.0" encoding="utf-8"?>
+<ds:datastoreItem xmlns:ds="http://schemas.openxmlformats.org/officeDocument/2006/customXml" ds:itemID="{B9043294-8302-4947-B882-02D6486F929C}">
+  <ds:schemaRefs>
+    <ds:schemaRef ds:uri="http://schemas.microsoft.com/sharepoint/events"/>
+  </ds:schemaRefs>
+</ds:datastoreItem>
+</file>
+
+<file path=customXml/itemProps4.xml><?xml version="1.0" encoding="utf-8"?>
 <ds:datastoreItem xmlns:ds="http://schemas.openxmlformats.org/officeDocument/2006/customXml" ds:itemID="{2DA015F3-603C-4688-A5F3-81D587DAB8C9}">
   <ds:schemaRefs>
     <ds:schemaRef ds:uri="http://schemas.microsoft.com/sharepoint/v3/contenttype/forms"/>
   </ds:schemaRefs>
 </ds:datastoreItem>
-</file>
-
-<file path=customXml/itemProps4.xml><?xml version="1.0" encoding="utf-8"?>
-<ds:datastoreItem xmlns:ds="http://schemas.openxmlformats.org/officeDocument/2006/customXml" ds:itemID="{B9043294-8302-4947-B882-02D6486F929C}">
-  <ds:schemaRefs>
-    <ds:schemaRef ds:uri="http://schemas.microsoft.com/sharepoint/events"/>
-  </ds:schemaRefs>
-</ds:datastoreItem>
 </file>
--- a/Day4/Day4-NoSQL.pptx
+++ b/Day4/Day4-NoSQL.pptx
@@ -5,10 +5,10 @@
     <p:sldMasterId id="2147483684" r:id="rId5"/>
   </p:sldMasterIdLst>
   <p:notesMasterIdLst>
-    <p:notesMasterId r:id="rId32"/>
+    <p:notesMasterId r:id="rId36"/>
   </p:notesMasterIdLst>
   <p:handoutMasterIdLst>
-    <p:handoutMasterId r:id="rId33"/>
+    <p:handoutMasterId r:id="rId37"/>
   </p:handoutMasterIdLst>
   <p:sldIdLst>
     <p:sldId id="257" r:id="rId6"/>
@@ -31,12 +31,16 @@
     <p:sldId id="271" r:id="rId23"/>
     <p:sldId id="272" r:id="rId24"/>
     <p:sldId id="273" r:id="rId25"/>
-    <p:sldId id="277" r:id="rId26"/>
-    <p:sldId id="278" r:id="rId27"/>
-    <p:sldId id="279" r:id="rId28"/>
-    <p:sldId id="284" r:id="rId29"/>
-    <p:sldId id="286" r:id="rId30"/>
-    <p:sldId id="285" r:id="rId31"/>
+    <p:sldId id="291" r:id="rId26"/>
+    <p:sldId id="292" r:id="rId27"/>
+    <p:sldId id="293" r:id="rId28"/>
+    <p:sldId id="294" r:id="rId29"/>
+    <p:sldId id="277" r:id="rId30"/>
+    <p:sldId id="278" r:id="rId31"/>
+    <p:sldId id="279" r:id="rId32"/>
+    <p:sldId id="284" r:id="rId33"/>
+    <p:sldId id="286" r:id="rId34"/>
+    <p:sldId id="285" r:id="rId35"/>
   </p:sldIdLst>
   <p:sldSz cx="9144000" cy="6858000" type="screen4x3"/>
   <p:notesSz cx="7053263" cy="9356725"/>
@@ -2066,7 +2070,46 @@
       </p:grpSpPr>
       <p:sp>
         <p:nvSpPr>
-          <p:cNvPr id="2" name="Slide Image Placeholder 1"/>
+          <p:cNvPr id="453" name="PlaceHolder 1"/>
+          <p:cNvSpPr>
+            <a:spLocks noGrp="1"/>
+          </p:cNvSpPr>
+          <p:nvPr>
+            <p:ph type="body"/>
+          </p:nvPr>
+        </p:nvSpPr>
+        <p:spPr>
+          <a:xfrm>
+            <a:off x="939960" y="4444920"/>
+            <a:ext cx="5173200" cy="4209840"/>
+          </a:xfrm>
+          <a:prstGeom prst="rect">
+            <a:avLst/>
+          </a:prstGeom>
+        </p:spPr>
+        <p:txBody>
+          <a:bodyPr lIns="93600" tIns="46800" rIns="93600" bIns="46800">
+            <a:noAutofit/>
+          </a:bodyPr>
+          <a:lstStyle/>
+          <a:p>
+            <a:pPr marL="216000" indent="-216000">
+              <a:lnSpc>
+                <a:spcPct val="100000"/>
+              </a:lnSpc>
+            </a:pPr>
+            <a:r>
+              <a:rPr lang="en-US" sz="2000" b="0" strike="noStrike" spc="-1">
+                <a:latin typeface="Arial"/>
+              </a:rPr>
+              <a:t>Value for _id in the exclusion list does not matter. It can be any value, but we need to pass a JSON document here.</a:t>
+            </a:r>
+          </a:p>
+        </p:txBody>
+      </p:sp>
+      <p:sp>
+        <p:nvSpPr>
+          <p:cNvPr id="454" name="PlaceHolder 2"/>
           <p:cNvSpPr>
             <a:spLocks noGrp="1" noRot="1" noChangeAspect="1"/>
           </p:cNvSpPr>
@@ -2076,34 +2119,18 @@
         </p:nvSpPr>
         <p:spPr>
           <a:xfrm>
-            <a:off x="1189038" y="701675"/>
-            <a:ext cx="4676775" cy="3508375"/>
+            <a:off x="1189080" y="701640"/>
+            <a:ext cx="4676400" cy="3507840"/>
           </a:xfrm>
+          <a:prstGeom prst="rect">
+            <a:avLst/>
+          </a:prstGeom>
         </p:spPr>
-      </p:sp>
-      <p:sp>
-        <p:nvSpPr>
-          <p:cNvPr id="3" name="Notes Placeholder 2"/>
-          <p:cNvSpPr>
-            <a:spLocks noGrp="1"/>
-          </p:cNvSpPr>
-          <p:nvPr>
-            <p:ph type="body" idx="1"/>
-          </p:nvPr>
-        </p:nvSpPr>
-        <p:spPr/>
-        <p:txBody>
-          <a:bodyPr/>
-          <a:lstStyle/>
-          <a:p>
-            <a:endParaRPr lang="en-US" dirty="0"/>
-          </a:p>
-        </p:txBody>
       </p:sp>
     </p:spTree>
     <p:extLst>
       <p:ext uri="{BB962C8B-B14F-4D97-AF65-F5344CB8AC3E}">
-        <p14:creationId xmlns:p14="http://schemas.microsoft.com/office/powerpoint/2010/main" val="4009403003"/>
+        <p14:creationId xmlns:p14="http://schemas.microsoft.com/office/powerpoint/2010/main" val="1790707900"/>
       </p:ext>
     </p:extLst>
   </p:cSld>
@@ -2132,7 +2159,46 @@
       </p:grpSpPr>
       <p:sp>
         <p:nvSpPr>
-          <p:cNvPr id="2" name="Slide Image Placeholder 1"/>
+          <p:cNvPr id="455" name="PlaceHolder 1"/>
+          <p:cNvSpPr>
+            <a:spLocks noGrp="1"/>
+          </p:cNvSpPr>
+          <p:nvPr>
+            <p:ph type="body"/>
+          </p:nvPr>
+        </p:nvSpPr>
+        <p:spPr>
+          <a:xfrm>
+            <a:off x="939960" y="4444920"/>
+            <a:ext cx="5173200" cy="4209840"/>
+          </a:xfrm>
+          <a:prstGeom prst="rect">
+            <a:avLst/>
+          </a:prstGeom>
+        </p:spPr>
+        <p:txBody>
+          <a:bodyPr lIns="93600" tIns="46800" rIns="93600" bIns="46800">
+            <a:noAutofit/>
+          </a:bodyPr>
+          <a:lstStyle/>
+          <a:p>
+            <a:pPr marL="216000" indent="-216000">
+              <a:lnSpc>
+                <a:spcPct val="100000"/>
+              </a:lnSpc>
+            </a:pPr>
+            <a:r>
+              <a:rPr lang="en-US" sz="2000" b="0" strike="noStrike" spc="-1">
+                <a:latin typeface="Arial"/>
+              </a:rPr>
+              <a:t>There is also a $nin operator which returns documents that do not match the values supplied.</a:t>
+            </a:r>
+          </a:p>
+        </p:txBody>
+      </p:sp>
+      <p:sp>
+        <p:nvSpPr>
+          <p:cNvPr id="456" name="PlaceHolder 2"/>
           <p:cNvSpPr>
             <a:spLocks noGrp="1" noRot="1" noChangeAspect="1"/>
           </p:cNvSpPr>
@@ -2142,34 +2208,18 @@
         </p:nvSpPr>
         <p:spPr>
           <a:xfrm>
-            <a:off x="1189038" y="701675"/>
-            <a:ext cx="4676775" cy="3508375"/>
+            <a:off x="1189080" y="701640"/>
+            <a:ext cx="4676400" cy="3507840"/>
           </a:xfrm>
+          <a:prstGeom prst="rect">
+            <a:avLst/>
+          </a:prstGeom>
         </p:spPr>
-      </p:sp>
-      <p:sp>
-        <p:nvSpPr>
-          <p:cNvPr id="3" name="Notes Placeholder 2"/>
-          <p:cNvSpPr>
-            <a:spLocks noGrp="1"/>
-          </p:cNvSpPr>
-          <p:nvPr>
-            <p:ph type="body" idx="1"/>
-          </p:nvPr>
-        </p:nvSpPr>
-        <p:spPr/>
-        <p:txBody>
-          <a:bodyPr/>
-          <a:lstStyle/>
-          <a:p>
-            <a:endParaRPr lang="en-US" dirty="0"/>
-          </a:p>
-        </p:txBody>
       </p:sp>
     </p:spTree>
     <p:extLst>
       <p:ext uri="{BB962C8B-B14F-4D97-AF65-F5344CB8AC3E}">
-        <p14:creationId xmlns:p14="http://schemas.microsoft.com/office/powerpoint/2010/main" val="1577439018"/>
+        <p14:creationId xmlns:p14="http://schemas.microsoft.com/office/powerpoint/2010/main" val="2376144582"/>
       </p:ext>
     </p:extLst>
   </p:cSld>
@@ -2235,7 +2285,7 @@
     </p:spTree>
     <p:extLst>
       <p:ext uri="{BB962C8B-B14F-4D97-AF65-F5344CB8AC3E}">
-        <p14:creationId xmlns:p14="http://schemas.microsoft.com/office/powerpoint/2010/main" val="3318129404"/>
+        <p14:creationId xmlns:p14="http://schemas.microsoft.com/office/powerpoint/2010/main" val="4009403003"/>
       </p:ext>
     </p:extLst>
   </p:cSld>
@@ -2301,6 +2351,138 @@
     </p:spTree>
     <p:extLst>
       <p:ext uri="{BB962C8B-B14F-4D97-AF65-F5344CB8AC3E}">
+        <p14:creationId xmlns:p14="http://schemas.microsoft.com/office/powerpoint/2010/main" val="1577439018"/>
+      </p:ext>
+    </p:extLst>
+  </p:cSld>
+  <p:clrMapOvr>
+    <a:masterClrMapping/>
+  </p:clrMapOvr>
+</p:notes>
+</file>
+
+<file path=ppt/notesSlides/notesSlide25.xml><?xml version="1.0" encoding="utf-8"?>
+<p:notes xmlns:a="http://schemas.openxmlformats.org/drawingml/2006/main" xmlns:r="http://schemas.openxmlformats.org/officeDocument/2006/relationships" xmlns:p="http://schemas.openxmlformats.org/presentationml/2006/main">
+  <p:cSld>
+    <p:spTree>
+      <p:nvGrpSpPr>
+        <p:cNvPr id="1" name=""/>
+        <p:cNvGrpSpPr/>
+        <p:nvPr/>
+      </p:nvGrpSpPr>
+      <p:grpSpPr>
+        <a:xfrm>
+          <a:off x="0" y="0"/>
+          <a:ext cx="0" cy="0"/>
+          <a:chOff x="0" y="0"/>
+          <a:chExt cx="0" cy="0"/>
+        </a:xfrm>
+      </p:grpSpPr>
+      <p:sp>
+        <p:nvSpPr>
+          <p:cNvPr id="2" name="Slide Image Placeholder 1"/>
+          <p:cNvSpPr>
+            <a:spLocks noGrp="1" noRot="1" noChangeAspect="1"/>
+          </p:cNvSpPr>
+          <p:nvPr>
+            <p:ph type="sldImg"/>
+          </p:nvPr>
+        </p:nvSpPr>
+        <p:spPr>
+          <a:xfrm>
+            <a:off x="1189038" y="701675"/>
+            <a:ext cx="4676775" cy="3508375"/>
+          </a:xfrm>
+        </p:spPr>
+      </p:sp>
+      <p:sp>
+        <p:nvSpPr>
+          <p:cNvPr id="3" name="Notes Placeholder 2"/>
+          <p:cNvSpPr>
+            <a:spLocks noGrp="1"/>
+          </p:cNvSpPr>
+          <p:nvPr>
+            <p:ph type="body" idx="1"/>
+          </p:nvPr>
+        </p:nvSpPr>
+        <p:spPr/>
+        <p:txBody>
+          <a:bodyPr/>
+          <a:lstStyle/>
+          <a:p>
+            <a:endParaRPr lang="en-US" dirty="0"/>
+          </a:p>
+        </p:txBody>
+      </p:sp>
+    </p:spTree>
+    <p:extLst>
+      <p:ext uri="{BB962C8B-B14F-4D97-AF65-F5344CB8AC3E}">
+        <p14:creationId xmlns:p14="http://schemas.microsoft.com/office/powerpoint/2010/main" val="3318129404"/>
+      </p:ext>
+    </p:extLst>
+  </p:cSld>
+  <p:clrMapOvr>
+    <a:masterClrMapping/>
+  </p:clrMapOvr>
+</p:notes>
+</file>
+
+<file path=ppt/notesSlides/notesSlide26.xml><?xml version="1.0" encoding="utf-8"?>
+<p:notes xmlns:a="http://schemas.openxmlformats.org/drawingml/2006/main" xmlns:r="http://schemas.openxmlformats.org/officeDocument/2006/relationships" xmlns:p="http://schemas.openxmlformats.org/presentationml/2006/main">
+  <p:cSld>
+    <p:spTree>
+      <p:nvGrpSpPr>
+        <p:cNvPr id="1" name=""/>
+        <p:cNvGrpSpPr/>
+        <p:nvPr/>
+      </p:nvGrpSpPr>
+      <p:grpSpPr>
+        <a:xfrm>
+          <a:off x="0" y="0"/>
+          <a:ext cx="0" cy="0"/>
+          <a:chOff x="0" y="0"/>
+          <a:chExt cx="0" cy="0"/>
+        </a:xfrm>
+      </p:grpSpPr>
+      <p:sp>
+        <p:nvSpPr>
+          <p:cNvPr id="2" name="Slide Image Placeholder 1"/>
+          <p:cNvSpPr>
+            <a:spLocks noGrp="1" noRot="1" noChangeAspect="1"/>
+          </p:cNvSpPr>
+          <p:nvPr>
+            <p:ph type="sldImg"/>
+          </p:nvPr>
+        </p:nvSpPr>
+        <p:spPr>
+          <a:xfrm>
+            <a:off x="1189038" y="701675"/>
+            <a:ext cx="4676775" cy="3508375"/>
+          </a:xfrm>
+        </p:spPr>
+      </p:sp>
+      <p:sp>
+        <p:nvSpPr>
+          <p:cNvPr id="3" name="Notes Placeholder 2"/>
+          <p:cNvSpPr>
+            <a:spLocks noGrp="1"/>
+          </p:cNvSpPr>
+          <p:nvPr>
+            <p:ph type="body" idx="1"/>
+          </p:nvPr>
+        </p:nvSpPr>
+        <p:spPr/>
+        <p:txBody>
+          <a:bodyPr/>
+          <a:lstStyle/>
+          <a:p>
+            <a:endParaRPr lang="en-US" dirty="0"/>
+          </a:p>
+        </p:txBody>
+      </p:sp>
+    </p:spTree>
+    <p:extLst>
+      <p:ext uri="{BB962C8B-B14F-4D97-AF65-F5344CB8AC3E}">
         <p14:creationId xmlns:p14="http://schemas.microsoft.com/office/powerpoint/2010/main" val="4211506990"/>
       </p:ext>
     </p:extLst>
@@ -2311,7 +2493,7 @@
 </p:notes>
 </file>
 
-<file path=ppt/notesSlides/notesSlide25.xml><?xml version="1.0" encoding="utf-8"?>
+<file path=ppt/notesSlides/notesSlide27.xml><?xml version="1.0" encoding="utf-8"?>
 <p:notes xmlns:a="http://schemas.openxmlformats.org/drawingml/2006/main" xmlns:r="http://schemas.openxmlformats.org/officeDocument/2006/relationships" xmlns:p="http://schemas.openxmlformats.org/presentationml/2006/main">
   <p:cSld>
     <p:spTree>
@@ -2377,7 +2559,7 @@
 </p:notes>
 </file>
 
-<file path=ppt/notesSlides/notesSlide26.xml><?xml version="1.0" encoding="utf-8"?>
+<file path=ppt/notesSlides/notesSlide28.xml><?xml version="1.0" encoding="utf-8"?>
 <p:notes xmlns:a="http://schemas.openxmlformats.org/drawingml/2006/main" xmlns:r="http://schemas.openxmlformats.org/officeDocument/2006/relationships" xmlns:p="http://schemas.openxmlformats.org/presentationml/2006/main">
   <p:cSld>
     <p:spTree>
@@ -12262,7 +12444,7 @@
         </p:nvSpPr>
         <p:spPr>
           <a:xfrm>
-            <a:off x="707040" y="2274048"/>
+            <a:off x="653700" y="2259864"/>
             <a:ext cx="7947375" cy="3189960"/>
           </a:xfrm>
           <a:prstGeom prst="rect">
@@ -12472,26 +12654,6 @@
                 <a:spcPct val="100000"/>
               </a:lnSpc>
             </a:pPr>
-            <a:endParaRPr lang="en-US" sz="1600" b="0" strike="noStrike" spc="-1" dirty="0">
-              <a:latin typeface="Arial"/>
-            </a:endParaRPr>
-          </a:p>
-          <a:p>
-            <a:pPr>
-              <a:lnSpc>
-                <a:spcPct val="100000"/>
-              </a:lnSpc>
-            </a:pPr>
-            <a:r>
-              <a:rPr lang="en-US" sz="1600" b="0" strike="noStrike" spc="-1" dirty="0">
-                <a:solidFill>
-                  <a:srgbClr val="000000"/>
-                </a:solidFill>
-                <a:latin typeface="Courier New"/>
-                <a:ea typeface="MS PGothic"/>
-              </a:rPr>
-              <a:t>Object.bsonsize(products)</a:t>
-            </a:r>
             <a:endParaRPr lang="en-US" sz="1600" b="0" strike="noStrike" spc="-1" dirty="0">
               <a:latin typeface="Arial"/>
             </a:endParaRPr>
@@ -12656,79 +12818,6 @@
       </p:sp>
       <p:sp>
         <p:nvSpPr>
-          <p:cNvPr id="200" name="CustomShape 6"/>
-          <p:cNvSpPr/>
-          <p:nvPr/>
-        </p:nvSpPr>
-        <p:spPr>
-          <a:xfrm>
-            <a:off x="5497920" y="4556808"/>
-            <a:ext cx="1794600" cy="489240"/>
-          </a:xfrm>
-          <a:prstGeom prst="wedgeRectCallout">
-            <a:avLst>
-              <a:gd name="adj1" fmla="val -136423"/>
-              <a:gd name="adj2" fmla="val 31082"/>
-            </a:avLst>
-          </a:prstGeom>
-          <a:solidFill>
-            <a:schemeClr val="accent2">
-              <a:lumMod val="20000"/>
-              <a:lumOff val="80000"/>
-            </a:schemeClr>
-          </a:solidFill>
-          <a:ln>
-            <a:solidFill>
-              <a:schemeClr val="accent2">
-                <a:lumMod val="20000"/>
-                <a:lumOff val="80000"/>
-              </a:schemeClr>
-            </a:solidFill>
-            <a:round/>
-          </a:ln>
-          <a:effectLst/>
-        </p:spPr>
-        <p:style>
-          <a:lnRef idx="1">
-            <a:schemeClr val="accent1"/>
-          </a:lnRef>
-          <a:fillRef idx="3">
-            <a:schemeClr val="accent1"/>
-          </a:fillRef>
-          <a:effectRef idx="2">
-            <a:schemeClr val="accent1"/>
-          </a:effectRef>
-          <a:fontRef idx="minor"/>
-        </p:style>
-        <p:txBody>
-          <a:bodyPr lIns="90000" tIns="45000" rIns="90000" bIns="45000" anchor="ctr">
-            <a:noAutofit/>
-          </a:bodyPr>
-          <a:lstStyle/>
-          <a:p>
-            <a:pPr algn="ctr">
-              <a:lnSpc>
-                <a:spcPct val="100000"/>
-              </a:lnSpc>
-            </a:pPr>
-            <a:r>
-              <a:rPr lang="en-US" sz="1600" b="0" strike="noStrike" spc="-1" dirty="0">
-                <a:solidFill>
-                  <a:srgbClr val="000000"/>
-                </a:solidFill>
-                <a:latin typeface="Tahoma"/>
-                <a:ea typeface="Tahoma"/>
-              </a:rPr>
-              <a:t>Storage size of document </a:t>
-            </a:r>
-            <a:endParaRPr lang="en-US" sz="1600" b="0" strike="noStrike" spc="-1" dirty="0">
-              <a:latin typeface="Arial"/>
-            </a:endParaRPr>
-          </a:p>
-        </p:txBody>
-      </p:sp>
-      <p:sp>
-        <p:nvSpPr>
           <p:cNvPr id="3" name="Content Placeholder 2">
             <a:extLst>
               <a:ext uri="{FF2B5EF4-FFF2-40B4-BE49-F238E27FC236}">
@@ -12852,6 +12941,2798 @@
 </file>
 
 <file path=ppt/slides/slide21.xml><?xml version="1.0" encoding="utf-8"?>
+<p:sld xmlns:a="http://schemas.openxmlformats.org/drawingml/2006/main" xmlns:r="http://schemas.openxmlformats.org/officeDocument/2006/relationships" xmlns:p="http://schemas.openxmlformats.org/presentationml/2006/main">
+  <p:cSld>
+    <p:spTree>
+      <p:nvGrpSpPr>
+        <p:cNvPr id="1" name=""/>
+        <p:cNvGrpSpPr/>
+        <p:nvPr/>
+      </p:nvGrpSpPr>
+      <p:grpSpPr>
+        <a:xfrm>
+          <a:off x="0" y="0"/>
+          <a:ext cx="0" cy="0"/>
+          <a:chOff x="0" y="0"/>
+          <a:chExt cx="0" cy="0"/>
+        </a:xfrm>
+      </p:grpSpPr>
+      <p:sp>
+        <p:nvSpPr>
+          <p:cNvPr id="323" name="TextShape 1"/>
+          <p:cNvSpPr txBox="1"/>
+          <p:nvPr/>
+        </p:nvSpPr>
+        <p:spPr>
+          <a:xfrm>
+            <a:off x="1050840" y="268200"/>
+            <a:ext cx="7002000" cy="626760"/>
+          </a:xfrm>
+          <a:prstGeom prst="rect">
+            <a:avLst/>
+          </a:prstGeom>
+          <a:noFill/>
+          <a:ln>
+            <a:noFill/>
+          </a:ln>
+        </p:spPr>
+        <p:txBody>
+          <a:bodyPr lIns="90000" tIns="46800" rIns="90000" bIns="46800" anchor="ctr">
+            <a:noAutofit/>
+          </a:bodyPr>
+          <a:lstStyle/>
+          <a:p>
+            <a:pPr algn="ctr">
+              <a:lnSpc>
+                <a:spcPct val="100000"/>
+              </a:lnSpc>
+            </a:pPr>
+            <a:r>
+              <a:rPr lang="en-US" sz="2800" b="1" strike="noStrike" spc="-1">
+                <a:solidFill>
+                  <a:srgbClr val="000000"/>
+                </a:solidFill>
+                <a:latin typeface="Tahoma"/>
+                <a:ea typeface="ＭＳ Ｐゴシック"/>
+              </a:rPr>
+              <a:t>Querying Data</a:t>
+            </a:r>
+            <a:endParaRPr lang="en-US" sz="2800" b="0" strike="noStrike" spc="-1">
+              <a:solidFill>
+                <a:srgbClr val="FFFFFF"/>
+              </a:solidFill>
+              <a:latin typeface="Arial"/>
+            </a:endParaRPr>
+          </a:p>
+        </p:txBody>
+      </p:sp>
+      <p:sp>
+        <p:nvSpPr>
+          <p:cNvPr id="324" name="TextShape 2"/>
+          <p:cNvSpPr txBox="1"/>
+          <p:nvPr/>
+        </p:nvSpPr>
+        <p:spPr>
+          <a:xfrm>
+            <a:off x="728640" y="1263960"/>
+            <a:ext cx="7772040" cy="4937400"/>
+          </a:xfrm>
+          <a:prstGeom prst="rect">
+            <a:avLst/>
+          </a:prstGeom>
+          <a:noFill/>
+          <a:ln>
+            <a:noFill/>
+          </a:ln>
+        </p:spPr>
+        <p:txBody>
+          <a:bodyPr lIns="90000" tIns="46800" rIns="90000" bIns="46800">
+            <a:noAutofit/>
+          </a:bodyPr>
+          <a:lstStyle/>
+          <a:p>
+            <a:pPr marL="228600" indent="-228240">
+              <a:lnSpc>
+                <a:spcPct val="110000"/>
+              </a:lnSpc>
+              <a:spcBef>
+                <a:spcPts val="1199"/>
+              </a:spcBef>
+              <a:buSzPct val="100045"/>
+              <a:buBlip>
+                <a:blip r:embed="rId3"/>
+              </a:buBlip>
+            </a:pPr>
+            <a:r>
+              <a:rPr lang="en-US" sz="1800" b="0" strike="noStrike" spc="-1">
+                <a:solidFill>
+                  <a:srgbClr val="000000"/>
+                </a:solidFill>
+                <a:latin typeface="Courier New"/>
+                <a:ea typeface="Tahoma"/>
+              </a:rPr>
+              <a:t>find() </a:t>
+            </a:r>
+            <a:r>
+              <a:rPr lang="en-US" sz="1800" b="0" strike="noStrike" spc="-1">
+                <a:solidFill>
+                  <a:srgbClr val="000000"/>
+                </a:solidFill>
+                <a:latin typeface="Tahoma"/>
+                <a:ea typeface="Tahoma"/>
+              </a:rPr>
+              <a:t>method is used to perform queries</a:t>
+            </a:r>
+            <a:endParaRPr lang="en-US" sz="1800" b="0" strike="noStrike" spc="-1">
+              <a:solidFill>
+                <a:srgbClr val="000000"/>
+              </a:solidFill>
+              <a:latin typeface="Tahoma"/>
+            </a:endParaRPr>
+          </a:p>
+          <a:p>
+            <a:pPr marL="457200" lvl="1" indent="-228240">
+              <a:lnSpc>
+                <a:spcPct val="100000"/>
+              </a:lnSpc>
+              <a:buClr>
+                <a:srgbClr val="000000"/>
+              </a:buClr>
+              <a:buFont typeface="Arial"/>
+              <a:buChar char="–"/>
+            </a:pPr>
+            <a:r>
+              <a:rPr lang="en-US" sz="1800" b="0" strike="noStrike" spc="-1">
+                <a:solidFill>
+                  <a:srgbClr val="000000"/>
+                </a:solidFill>
+                <a:latin typeface="Tahoma"/>
+                <a:ea typeface="Tahoma"/>
+              </a:rPr>
+              <a:t>Returns a subset of documents in a collection</a:t>
+            </a:r>
+            <a:endParaRPr lang="en-US" sz="1800" b="0" strike="noStrike" spc="-1">
+              <a:solidFill>
+                <a:srgbClr val="000000"/>
+              </a:solidFill>
+              <a:latin typeface="Tahoma"/>
+            </a:endParaRPr>
+          </a:p>
+          <a:p>
+            <a:pPr marL="685800" lvl="2" indent="-228240">
+              <a:lnSpc>
+                <a:spcPct val="100000"/>
+              </a:lnSpc>
+              <a:buSzPct val="100045"/>
+              <a:buBlip>
+                <a:blip r:embed="rId4"/>
+              </a:buBlip>
+            </a:pPr>
+            <a:r>
+              <a:rPr lang="en-US" sz="1800" b="0" strike="noStrike" spc="-1">
+                <a:solidFill>
+                  <a:srgbClr val="000000"/>
+                </a:solidFill>
+                <a:latin typeface="Tahoma"/>
+                <a:ea typeface="Tahoma"/>
+              </a:rPr>
+              <a:t>From no documents to the entire collection</a:t>
+            </a:r>
+            <a:endParaRPr lang="en-US" sz="1800" b="0" strike="noStrike" spc="-1">
+              <a:solidFill>
+                <a:srgbClr val="000000"/>
+              </a:solidFill>
+              <a:latin typeface="Tahoma"/>
+            </a:endParaRPr>
+          </a:p>
+          <a:p>
+            <a:endParaRPr lang="en-US" sz="1800" b="0" strike="noStrike" spc="-1">
+              <a:solidFill>
+                <a:srgbClr val="000000"/>
+              </a:solidFill>
+              <a:latin typeface="Tahoma"/>
+            </a:endParaRPr>
+          </a:p>
+          <a:p>
+            <a:endParaRPr lang="en-US" sz="1800" b="0" strike="noStrike" spc="-1">
+              <a:solidFill>
+                <a:srgbClr val="000000"/>
+              </a:solidFill>
+              <a:latin typeface="Tahoma"/>
+            </a:endParaRPr>
+          </a:p>
+          <a:p>
+            <a:endParaRPr lang="en-US" sz="1800" b="0" strike="noStrike" spc="-1">
+              <a:solidFill>
+                <a:srgbClr val="000000"/>
+              </a:solidFill>
+              <a:latin typeface="Tahoma"/>
+            </a:endParaRPr>
+          </a:p>
+          <a:p>
+            <a:endParaRPr lang="en-US" sz="1800" b="0" strike="noStrike" spc="-1">
+              <a:solidFill>
+                <a:srgbClr val="000000"/>
+              </a:solidFill>
+              <a:latin typeface="Tahoma"/>
+            </a:endParaRPr>
+          </a:p>
+          <a:p>
+            <a:endParaRPr lang="en-US" sz="1800" b="0" strike="noStrike" spc="-1">
+              <a:solidFill>
+                <a:srgbClr val="000000"/>
+              </a:solidFill>
+              <a:latin typeface="Tahoma"/>
+            </a:endParaRPr>
+          </a:p>
+          <a:p>
+            <a:endParaRPr lang="en-US" sz="1800" b="0" strike="noStrike" spc="-1">
+              <a:solidFill>
+                <a:srgbClr val="000000"/>
+              </a:solidFill>
+              <a:latin typeface="Tahoma"/>
+            </a:endParaRPr>
+          </a:p>
+          <a:p>
+            <a:pPr marL="228600" indent="-228240">
+              <a:lnSpc>
+                <a:spcPct val="110000"/>
+              </a:lnSpc>
+              <a:spcBef>
+                <a:spcPts val="1199"/>
+              </a:spcBef>
+              <a:buSzPct val="100045"/>
+              <a:buBlip>
+                <a:blip r:embed="rId3"/>
+              </a:buBlip>
+            </a:pPr>
+            <a:r>
+              <a:rPr lang="en-US" sz="1800" b="0" strike="noStrike" spc="-1">
+                <a:solidFill>
+                  <a:srgbClr val="000000"/>
+                </a:solidFill>
+                <a:latin typeface="Tahoma"/>
+                <a:ea typeface="Tahoma"/>
+              </a:rPr>
+              <a:t>The whole document does not need to be returned</a:t>
+            </a:r>
+            <a:endParaRPr lang="en-US" sz="1800" b="0" strike="noStrike" spc="-1">
+              <a:solidFill>
+                <a:srgbClr val="000000"/>
+              </a:solidFill>
+              <a:latin typeface="Tahoma"/>
+            </a:endParaRPr>
+          </a:p>
+          <a:p>
+            <a:pPr marL="457200" lvl="1" indent="-228240">
+              <a:lnSpc>
+                <a:spcPct val="100000"/>
+              </a:lnSpc>
+              <a:buClr>
+                <a:srgbClr val="000000"/>
+              </a:buClr>
+              <a:buFont typeface="Arial"/>
+              <a:buChar char="–"/>
+            </a:pPr>
+            <a:r>
+              <a:rPr lang="en-US" sz="1800" b="0" strike="noStrike" spc="-1">
+                <a:solidFill>
+                  <a:srgbClr val="000000"/>
+                </a:solidFill>
+                <a:latin typeface="Tahoma"/>
+                <a:ea typeface="Tahoma"/>
+              </a:rPr>
+              <a:t>Second parameter to find can be a document with fields to exclude from search results</a:t>
+            </a:r>
+            <a:endParaRPr lang="en-US" sz="1800" b="0" strike="noStrike" spc="-1">
+              <a:solidFill>
+                <a:srgbClr val="000000"/>
+              </a:solidFill>
+              <a:latin typeface="Tahoma"/>
+            </a:endParaRPr>
+          </a:p>
+          <a:p>
+            <a:endParaRPr lang="en-US" sz="1800" b="0" strike="noStrike" spc="-1">
+              <a:solidFill>
+                <a:srgbClr val="000000"/>
+              </a:solidFill>
+              <a:latin typeface="Tahoma"/>
+            </a:endParaRPr>
+          </a:p>
+          <a:p>
+            <a:endParaRPr lang="en-US" sz="1800" b="0" strike="noStrike" spc="-1">
+              <a:solidFill>
+                <a:srgbClr val="000000"/>
+              </a:solidFill>
+              <a:latin typeface="Tahoma"/>
+            </a:endParaRPr>
+          </a:p>
+        </p:txBody>
+      </p:sp>
+      <p:sp>
+        <p:nvSpPr>
+          <p:cNvPr id="325" name="CustomShape 3"/>
+          <p:cNvSpPr/>
+          <p:nvPr/>
+        </p:nvSpPr>
+        <p:spPr>
+          <a:xfrm>
+            <a:off x="1843200" y="2908800"/>
+            <a:ext cx="5663520" cy="796680"/>
+          </a:xfrm>
+          <a:prstGeom prst="rect">
+            <a:avLst/>
+          </a:prstGeom>
+          <a:noFill/>
+          <a:ln w="28440">
+            <a:solidFill>
+              <a:schemeClr val="accent2">
+                <a:lumMod val="20000"/>
+                <a:lumOff val="80000"/>
+              </a:schemeClr>
+            </a:solidFill>
+            <a:miter/>
+          </a:ln>
+        </p:spPr>
+        <p:style>
+          <a:lnRef idx="0">
+            <a:scrgbClr r="0" g="0" b="0"/>
+          </a:lnRef>
+          <a:fillRef idx="0">
+            <a:scrgbClr r="0" g="0" b="0"/>
+          </a:fillRef>
+          <a:effectRef idx="0">
+            <a:scrgbClr r="0" g="0" b="0"/>
+          </a:effectRef>
+          <a:fontRef idx="minor"/>
+        </p:style>
+        <p:txBody>
+          <a:bodyPr lIns="84960" tIns="42480" rIns="84960" bIns="42480" anchor="ctr">
+            <a:noAutofit/>
+          </a:bodyPr>
+          <a:lstStyle/>
+          <a:p>
+            <a:pPr>
+              <a:lnSpc>
+                <a:spcPct val="100000"/>
+              </a:lnSpc>
+            </a:pPr>
+            <a:endParaRPr lang="en-US" sz="1800" b="0" strike="noStrike" spc="-1">
+              <a:latin typeface="Arial"/>
+            </a:endParaRPr>
+          </a:p>
+          <a:p>
+            <a:pPr>
+              <a:lnSpc>
+                <a:spcPct val="100000"/>
+              </a:lnSpc>
+            </a:pPr>
+            <a:r>
+              <a:rPr lang="en-US" sz="1600" b="0" strike="noStrike" spc="-1">
+                <a:solidFill>
+                  <a:srgbClr val="000000"/>
+                </a:solidFill>
+                <a:latin typeface="Courier New"/>
+                <a:ea typeface="MS PGothic"/>
+              </a:rPr>
+              <a:t>db.networks.find({"address" : "node8"})</a:t>
+            </a:r>
+            <a:endParaRPr lang="en-US" sz="1600" b="0" strike="noStrike" spc="-1">
+              <a:latin typeface="Arial"/>
+            </a:endParaRPr>
+          </a:p>
+          <a:p>
+            <a:pPr>
+              <a:lnSpc>
+                <a:spcPct val="100000"/>
+              </a:lnSpc>
+            </a:pPr>
+            <a:endParaRPr lang="en-US" sz="1600" b="0" strike="noStrike" spc="-1">
+              <a:latin typeface="Arial"/>
+            </a:endParaRPr>
+          </a:p>
+        </p:txBody>
+      </p:sp>
+      <p:sp>
+        <p:nvSpPr>
+          <p:cNvPr id="326" name="CustomShape 4"/>
+          <p:cNvSpPr/>
+          <p:nvPr/>
+        </p:nvSpPr>
+        <p:spPr>
+          <a:xfrm>
+            <a:off x="5100840" y="2294640"/>
+            <a:ext cx="1994040" cy="547560"/>
+          </a:xfrm>
+          <a:prstGeom prst="wedgeRectCallout">
+            <a:avLst>
+              <a:gd name="adj1" fmla="val 1928"/>
+              <a:gd name="adj2" fmla="val 105508"/>
+            </a:avLst>
+          </a:prstGeom>
+          <a:solidFill>
+            <a:schemeClr val="accent2">
+              <a:lumMod val="20000"/>
+              <a:lumOff val="80000"/>
+            </a:schemeClr>
+          </a:solidFill>
+          <a:ln>
+            <a:solidFill>
+              <a:schemeClr val="accent2">
+                <a:lumMod val="20000"/>
+                <a:lumOff val="80000"/>
+              </a:schemeClr>
+            </a:solidFill>
+            <a:round/>
+          </a:ln>
+          <a:effectLst>
+            <a:outerShdw blurRad="40000" dist="23040" dir="5400000" rotWithShape="0">
+              <a:srgbClr val="000000">
+                <a:alpha val="35000"/>
+              </a:srgbClr>
+            </a:outerShdw>
+          </a:effectLst>
+        </p:spPr>
+        <p:style>
+          <a:lnRef idx="1">
+            <a:schemeClr val="accent1"/>
+          </a:lnRef>
+          <a:fillRef idx="3">
+            <a:schemeClr val="accent1"/>
+          </a:fillRef>
+          <a:effectRef idx="2">
+            <a:schemeClr val="accent1"/>
+          </a:effectRef>
+          <a:fontRef idx="minor"/>
+        </p:style>
+        <p:txBody>
+          <a:bodyPr lIns="90000" tIns="45000" rIns="90000" bIns="45000" anchor="ctr">
+            <a:noAutofit/>
+          </a:bodyPr>
+          <a:lstStyle/>
+          <a:p>
+            <a:pPr algn="ctr">
+              <a:lnSpc>
+                <a:spcPct val="100000"/>
+              </a:lnSpc>
+            </a:pPr>
+            <a:r>
+              <a:rPr lang="en-US" sz="1400" b="0" strike="noStrike" spc="-1">
+                <a:solidFill>
+                  <a:srgbClr val="000000"/>
+                </a:solidFill>
+                <a:latin typeface="Tahoma"/>
+                <a:ea typeface="Tahoma"/>
+              </a:rPr>
+              <a:t>Find documents with matching address </a:t>
+            </a:r>
+            <a:endParaRPr lang="en-US" sz="1400" b="0" strike="noStrike" spc="-1">
+              <a:latin typeface="Arial"/>
+            </a:endParaRPr>
+          </a:p>
+        </p:txBody>
+      </p:sp>
+      <p:sp>
+        <p:nvSpPr>
+          <p:cNvPr id="327" name="CustomShape 5"/>
+          <p:cNvSpPr/>
+          <p:nvPr/>
+        </p:nvSpPr>
+        <p:spPr>
+          <a:xfrm>
+            <a:off x="1409760" y="4974840"/>
+            <a:ext cx="6652440" cy="796680"/>
+          </a:xfrm>
+          <a:prstGeom prst="rect">
+            <a:avLst/>
+          </a:prstGeom>
+          <a:noFill/>
+          <a:ln w="28440">
+            <a:solidFill>
+              <a:schemeClr val="accent2">
+                <a:lumMod val="20000"/>
+                <a:lumOff val="80000"/>
+              </a:schemeClr>
+            </a:solidFill>
+            <a:miter/>
+          </a:ln>
+        </p:spPr>
+        <p:style>
+          <a:lnRef idx="0">
+            <a:scrgbClr r="0" g="0" b="0"/>
+          </a:lnRef>
+          <a:fillRef idx="0">
+            <a:scrgbClr r="0" g="0" b="0"/>
+          </a:fillRef>
+          <a:effectRef idx="0">
+            <a:scrgbClr r="0" g="0" b="0"/>
+          </a:effectRef>
+          <a:fontRef idx="minor"/>
+        </p:style>
+        <p:txBody>
+          <a:bodyPr lIns="84960" tIns="42480" rIns="84960" bIns="42480" anchor="ctr">
+            <a:noAutofit/>
+          </a:bodyPr>
+          <a:lstStyle/>
+          <a:p>
+            <a:pPr>
+              <a:lnSpc>
+                <a:spcPct val="100000"/>
+              </a:lnSpc>
+            </a:pPr>
+            <a:endParaRPr lang="en-US" sz="1800" b="0" strike="noStrike" spc="-1">
+              <a:latin typeface="Arial"/>
+            </a:endParaRPr>
+          </a:p>
+          <a:p>
+            <a:pPr>
+              <a:lnSpc>
+                <a:spcPct val="100000"/>
+              </a:lnSpc>
+            </a:pPr>
+            <a:r>
+              <a:rPr lang="en-US" sz="1600" b="0" strike="noStrike" spc="-1">
+                <a:solidFill>
+                  <a:srgbClr val="000000"/>
+                </a:solidFill>
+                <a:latin typeface="Courier New"/>
+                <a:ea typeface="MS PGothic"/>
+              </a:rPr>
+              <a:t>db.networks.find({"address" : "node8"}, {"_id" :0})</a:t>
+            </a:r>
+            <a:endParaRPr lang="en-US" sz="1600" b="0" strike="noStrike" spc="-1">
+              <a:latin typeface="Arial"/>
+            </a:endParaRPr>
+          </a:p>
+          <a:p>
+            <a:pPr>
+              <a:lnSpc>
+                <a:spcPct val="100000"/>
+              </a:lnSpc>
+            </a:pPr>
+            <a:endParaRPr lang="en-US" sz="1600" b="0" strike="noStrike" spc="-1">
+              <a:latin typeface="Arial"/>
+            </a:endParaRPr>
+          </a:p>
+        </p:txBody>
+      </p:sp>
+      <p:sp>
+        <p:nvSpPr>
+          <p:cNvPr id="328" name="CustomShape 6"/>
+          <p:cNvSpPr/>
+          <p:nvPr/>
+        </p:nvSpPr>
+        <p:spPr>
+          <a:xfrm>
+            <a:off x="5137560" y="5608080"/>
+            <a:ext cx="1609920" cy="464040"/>
+          </a:xfrm>
+          <a:prstGeom prst="wedgeRectCallout">
+            <a:avLst>
+              <a:gd name="adj1" fmla="val 89525"/>
+              <a:gd name="adj2" fmla="val -60783"/>
+            </a:avLst>
+          </a:prstGeom>
+          <a:solidFill>
+            <a:schemeClr val="accent2">
+              <a:lumMod val="20000"/>
+              <a:lumOff val="80000"/>
+            </a:schemeClr>
+          </a:solidFill>
+          <a:ln>
+            <a:solidFill>
+              <a:schemeClr val="accent2">
+                <a:lumMod val="20000"/>
+                <a:lumOff val="80000"/>
+              </a:schemeClr>
+            </a:solidFill>
+            <a:round/>
+          </a:ln>
+          <a:effectLst>
+            <a:outerShdw blurRad="40000" dist="23040" dir="5400000" rotWithShape="0">
+              <a:srgbClr val="000000">
+                <a:alpha val="35000"/>
+              </a:srgbClr>
+            </a:outerShdw>
+          </a:effectLst>
+        </p:spPr>
+        <p:style>
+          <a:lnRef idx="1">
+            <a:schemeClr val="accent1"/>
+          </a:lnRef>
+          <a:fillRef idx="3">
+            <a:schemeClr val="accent1"/>
+          </a:fillRef>
+          <a:effectRef idx="2">
+            <a:schemeClr val="accent1"/>
+          </a:effectRef>
+          <a:fontRef idx="minor"/>
+        </p:style>
+        <p:txBody>
+          <a:bodyPr lIns="90000" tIns="45000" rIns="90000" bIns="45000" anchor="ctr">
+            <a:noAutofit/>
+          </a:bodyPr>
+          <a:lstStyle/>
+          <a:p>
+            <a:pPr algn="ctr">
+              <a:lnSpc>
+                <a:spcPct val="100000"/>
+              </a:lnSpc>
+            </a:pPr>
+            <a:r>
+              <a:rPr lang="en-US" sz="1400" b="0" strike="noStrike" spc="-1">
+                <a:solidFill>
+                  <a:srgbClr val="000000"/>
+                </a:solidFill>
+                <a:latin typeface="Tahoma"/>
+                <a:ea typeface="Tahoma"/>
+              </a:rPr>
+              <a:t>Exclude </a:t>
+            </a:r>
+            <a:r>
+              <a:rPr lang="en-US" sz="1400" b="0" strike="noStrike" spc="-1">
+                <a:solidFill>
+                  <a:srgbClr val="000000"/>
+                </a:solidFill>
+                <a:latin typeface="Courier New"/>
+                <a:ea typeface="Tahoma"/>
+              </a:rPr>
+              <a:t>_id</a:t>
+            </a:r>
+            <a:r>
+              <a:rPr lang="en-US" sz="1400" b="0" strike="noStrike" spc="-1">
+                <a:solidFill>
+                  <a:srgbClr val="000000"/>
+                </a:solidFill>
+                <a:latin typeface="Tahoma"/>
+                <a:ea typeface="Tahoma"/>
+              </a:rPr>
+              <a:t> from results</a:t>
+            </a:r>
+            <a:endParaRPr lang="en-US" sz="1400" b="0" strike="noStrike" spc="-1">
+              <a:latin typeface="Arial"/>
+            </a:endParaRPr>
+          </a:p>
+        </p:txBody>
+      </p:sp>
+    </p:spTree>
+    <p:extLst>
+      <p:ext uri="{BB962C8B-B14F-4D97-AF65-F5344CB8AC3E}">
+        <p14:creationId xmlns:p14="http://schemas.microsoft.com/office/powerpoint/2010/main" val="643823339"/>
+      </p:ext>
+    </p:extLst>
+  </p:cSld>
+  <p:clrMapOvr>
+    <a:masterClrMapping/>
+  </p:clrMapOvr>
+</p:sld>
+</file>
+
+<file path=ppt/slides/slide22.xml><?xml version="1.0" encoding="utf-8"?>
+<p:sld xmlns:a="http://schemas.openxmlformats.org/drawingml/2006/main" xmlns:r="http://schemas.openxmlformats.org/officeDocument/2006/relationships" xmlns:p="http://schemas.openxmlformats.org/presentationml/2006/main">
+  <p:cSld>
+    <p:spTree>
+      <p:nvGrpSpPr>
+        <p:cNvPr id="1" name=""/>
+        <p:cNvGrpSpPr/>
+        <p:nvPr/>
+      </p:nvGrpSpPr>
+      <p:grpSpPr>
+        <a:xfrm>
+          <a:off x="0" y="0"/>
+          <a:ext cx="0" cy="0"/>
+          <a:chOff x="0" y="0"/>
+          <a:chExt cx="0" cy="0"/>
+        </a:xfrm>
+      </p:grpSpPr>
+      <p:sp>
+        <p:nvSpPr>
+          <p:cNvPr id="329" name="TextShape 1"/>
+          <p:cNvSpPr txBox="1"/>
+          <p:nvPr/>
+        </p:nvSpPr>
+        <p:spPr>
+          <a:xfrm>
+            <a:off x="1050840" y="268200"/>
+            <a:ext cx="7002000" cy="626760"/>
+          </a:xfrm>
+          <a:prstGeom prst="rect">
+            <a:avLst/>
+          </a:prstGeom>
+          <a:noFill/>
+          <a:ln>
+            <a:noFill/>
+          </a:ln>
+        </p:spPr>
+        <p:txBody>
+          <a:bodyPr lIns="90000" tIns="46800" rIns="90000" bIns="46800" anchor="ctr">
+            <a:noAutofit/>
+          </a:bodyPr>
+          <a:lstStyle/>
+          <a:p>
+            <a:pPr algn="ctr">
+              <a:lnSpc>
+                <a:spcPct val="100000"/>
+              </a:lnSpc>
+            </a:pPr>
+            <a:r>
+              <a:rPr lang="en-US" sz="2800" b="1" strike="noStrike" spc="-1">
+                <a:solidFill>
+                  <a:srgbClr val="000000"/>
+                </a:solidFill>
+                <a:latin typeface="Tahoma"/>
+                <a:ea typeface="ＭＳ Ｐゴシック"/>
+              </a:rPr>
+              <a:t>Query Conditionals</a:t>
+            </a:r>
+            <a:endParaRPr lang="en-US" sz="2800" b="0" strike="noStrike" spc="-1">
+              <a:solidFill>
+                <a:srgbClr val="FFFFFF"/>
+              </a:solidFill>
+              <a:latin typeface="Arial"/>
+            </a:endParaRPr>
+          </a:p>
+        </p:txBody>
+      </p:sp>
+      <p:sp>
+        <p:nvSpPr>
+          <p:cNvPr id="330" name="TextShape 2"/>
+          <p:cNvSpPr txBox="1"/>
+          <p:nvPr/>
+        </p:nvSpPr>
+        <p:spPr>
+          <a:xfrm>
+            <a:off x="728640" y="1263960"/>
+            <a:ext cx="7772040" cy="4937400"/>
+          </a:xfrm>
+          <a:prstGeom prst="rect">
+            <a:avLst/>
+          </a:prstGeom>
+          <a:noFill/>
+          <a:ln>
+            <a:noFill/>
+          </a:ln>
+        </p:spPr>
+        <p:txBody>
+          <a:bodyPr lIns="90000" tIns="46800" rIns="90000" bIns="46800">
+            <a:noAutofit/>
+          </a:bodyPr>
+          <a:lstStyle/>
+          <a:p>
+            <a:pPr marL="228600" indent="-228240">
+              <a:lnSpc>
+                <a:spcPct val="110000"/>
+              </a:lnSpc>
+              <a:spcBef>
+                <a:spcPts val="1199"/>
+              </a:spcBef>
+              <a:buSzPct val="100045"/>
+              <a:buBlip>
+                <a:blip r:embed="rId2"/>
+              </a:buBlip>
+            </a:pPr>
+            <a:r>
+              <a:rPr lang="en-US" sz="1800" b="0" strike="noStrike" spc="-1">
+                <a:solidFill>
+                  <a:srgbClr val="000000"/>
+                </a:solidFill>
+                <a:latin typeface="Tahoma"/>
+                <a:ea typeface="Tahoma"/>
+              </a:rPr>
+              <a:t>We can query ranges using comparisons </a:t>
+            </a:r>
+            <a:r>
+              <a:rPr lang="en-US" sz="1800" b="0" strike="noStrike" spc="-1">
+                <a:solidFill>
+                  <a:srgbClr val="000000"/>
+                </a:solidFill>
+                <a:latin typeface="Courier New"/>
+                <a:ea typeface="Tahoma"/>
+              </a:rPr>
+              <a:t>&lt; &lt;= &gt; &gt;=</a:t>
+            </a:r>
+            <a:endParaRPr lang="en-US" sz="1800" b="0" strike="noStrike" spc="-1">
+              <a:solidFill>
+                <a:srgbClr val="000000"/>
+              </a:solidFill>
+              <a:latin typeface="Tahoma"/>
+            </a:endParaRPr>
+          </a:p>
+          <a:p>
+            <a:pPr marL="228600" indent="-228240">
+              <a:lnSpc>
+                <a:spcPct val="110000"/>
+              </a:lnSpc>
+              <a:spcBef>
+                <a:spcPts val="1199"/>
+              </a:spcBef>
+              <a:buSzPct val="100045"/>
+              <a:buBlip>
+                <a:blip r:embed="rId2"/>
+              </a:buBlip>
+            </a:pPr>
+            <a:r>
+              <a:rPr lang="en-US" sz="1800" b="0" strike="noStrike" spc="-1">
+                <a:solidFill>
+                  <a:srgbClr val="000000"/>
+                </a:solidFill>
+                <a:latin typeface="Tahoma"/>
+                <a:ea typeface="Tahoma"/>
+              </a:rPr>
+              <a:t>The following example looks for documents whose count of state changes is between 10 and 30 </a:t>
+            </a:r>
+            <a:endParaRPr lang="en-US" sz="1800" b="0" strike="noStrike" spc="-1">
+              <a:solidFill>
+                <a:srgbClr val="000000"/>
+              </a:solidFill>
+              <a:latin typeface="Tahoma"/>
+            </a:endParaRPr>
+          </a:p>
+          <a:p>
+            <a:pPr>
+              <a:lnSpc>
+                <a:spcPct val="100000"/>
+              </a:lnSpc>
+              <a:spcBef>
+                <a:spcPts val="1199"/>
+              </a:spcBef>
+            </a:pPr>
+            <a:endParaRPr lang="en-US" sz="1800" b="0" strike="noStrike" spc="-1">
+              <a:solidFill>
+                <a:srgbClr val="000000"/>
+              </a:solidFill>
+              <a:latin typeface="Tahoma"/>
+            </a:endParaRPr>
+          </a:p>
+          <a:p>
+            <a:pPr>
+              <a:lnSpc>
+                <a:spcPct val="100000"/>
+              </a:lnSpc>
+              <a:spcBef>
+                <a:spcPts val="1199"/>
+              </a:spcBef>
+            </a:pPr>
+            <a:endParaRPr lang="en-US" sz="1800" b="0" strike="noStrike" spc="-1">
+              <a:solidFill>
+                <a:srgbClr val="000000"/>
+              </a:solidFill>
+              <a:latin typeface="Tahoma"/>
+            </a:endParaRPr>
+          </a:p>
+          <a:p>
+            <a:pPr>
+              <a:lnSpc>
+                <a:spcPct val="100000"/>
+              </a:lnSpc>
+              <a:spcBef>
+                <a:spcPts val="1199"/>
+              </a:spcBef>
+            </a:pPr>
+            <a:endParaRPr lang="en-US" sz="1800" b="0" strike="noStrike" spc="-1">
+              <a:solidFill>
+                <a:srgbClr val="000000"/>
+              </a:solidFill>
+              <a:latin typeface="Tahoma"/>
+            </a:endParaRPr>
+          </a:p>
+          <a:p>
+            <a:pPr>
+              <a:lnSpc>
+                <a:spcPct val="100000"/>
+              </a:lnSpc>
+              <a:spcBef>
+                <a:spcPts val="1199"/>
+              </a:spcBef>
+            </a:pPr>
+            <a:endParaRPr lang="en-US" sz="1800" b="0" strike="noStrike" spc="-1">
+              <a:solidFill>
+                <a:srgbClr val="000000"/>
+              </a:solidFill>
+              <a:latin typeface="Tahoma"/>
+            </a:endParaRPr>
+          </a:p>
+          <a:p>
+            <a:pPr>
+              <a:lnSpc>
+                <a:spcPct val="110000"/>
+              </a:lnSpc>
+              <a:spcBef>
+                <a:spcPts val="1199"/>
+              </a:spcBef>
+            </a:pPr>
+            <a:endParaRPr lang="en-US" sz="1800" b="0" strike="noStrike" spc="-1">
+              <a:solidFill>
+                <a:srgbClr val="000000"/>
+              </a:solidFill>
+              <a:latin typeface="Tahoma"/>
+            </a:endParaRPr>
+          </a:p>
+          <a:p>
+            <a:pPr marL="228600" indent="-228240">
+              <a:lnSpc>
+                <a:spcPct val="110000"/>
+              </a:lnSpc>
+              <a:spcBef>
+                <a:spcPts val="1199"/>
+              </a:spcBef>
+              <a:buSzPct val="100045"/>
+              <a:buBlip>
+                <a:blip r:embed="rId2"/>
+              </a:buBlip>
+            </a:pPr>
+            <a:r>
+              <a:rPr lang="en-US" sz="1800" b="0" strike="noStrike" spc="-1">
+                <a:solidFill>
+                  <a:srgbClr val="000000"/>
+                </a:solidFill>
+                <a:latin typeface="Tahoma"/>
+                <a:ea typeface="Tahoma"/>
+              </a:rPr>
+              <a:t>Operators are </a:t>
+            </a:r>
+            <a:r>
+              <a:rPr lang="en-US" sz="1800" b="0" strike="noStrike" spc="-1">
+                <a:solidFill>
+                  <a:srgbClr val="000000"/>
+                </a:solidFill>
+                <a:latin typeface="Courier New"/>
+                <a:ea typeface="Tahoma"/>
+              </a:rPr>
+              <a:t>$lt $gt $lte $gte</a:t>
+            </a:r>
+            <a:endParaRPr lang="en-US" sz="1800" b="0" strike="noStrike" spc="-1">
+              <a:solidFill>
+                <a:srgbClr val="000000"/>
+              </a:solidFill>
+              <a:latin typeface="Tahoma"/>
+            </a:endParaRPr>
+          </a:p>
+          <a:p>
+            <a:pPr marL="228600" indent="-228240">
+              <a:lnSpc>
+                <a:spcPct val="110000"/>
+              </a:lnSpc>
+              <a:spcBef>
+                <a:spcPts val="1199"/>
+              </a:spcBef>
+              <a:buSzPct val="100045"/>
+              <a:buBlip>
+                <a:blip r:embed="rId2"/>
+              </a:buBlip>
+            </a:pPr>
+            <a:r>
+              <a:rPr lang="en-US" sz="1800" b="0" strike="noStrike" spc="-1">
+                <a:solidFill>
+                  <a:srgbClr val="000000"/>
+                </a:solidFill>
+                <a:latin typeface="Tahoma"/>
+                <a:ea typeface="Tahoma"/>
+              </a:rPr>
+              <a:t>There is also a not equal operator </a:t>
+            </a:r>
+            <a:r>
+              <a:rPr lang="en-US" sz="1800" b="0" strike="noStrike" spc="-1">
+                <a:solidFill>
+                  <a:srgbClr val="000000"/>
+                </a:solidFill>
+                <a:latin typeface="Courier New"/>
+                <a:ea typeface="Tahoma"/>
+              </a:rPr>
+              <a:t>$ne</a:t>
+            </a:r>
+            <a:endParaRPr lang="en-US" sz="1800" b="0" strike="noStrike" spc="-1">
+              <a:solidFill>
+                <a:srgbClr val="000000"/>
+              </a:solidFill>
+              <a:latin typeface="Tahoma"/>
+            </a:endParaRPr>
+          </a:p>
+        </p:txBody>
+      </p:sp>
+      <p:sp>
+        <p:nvSpPr>
+          <p:cNvPr id="331" name="CustomShape 3"/>
+          <p:cNvSpPr/>
+          <p:nvPr/>
+        </p:nvSpPr>
+        <p:spPr>
+          <a:xfrm>
+            <a:off x="634680" y="3399480"/>
+            <a:ext cx="7758720" cy="796680"/>
+          </a:xfrm>
+          <a:prstGeom prst="rect">
+            <a:avLst/>
+          </a:prstGeom>
+          <a:noFill/>
+          <a:ln w="28440">
+            <a:solidFill>
+              <a:schemeClr val="accent2">
+                <a:lumMod val="20000"/>
+                <a:lumOff val="80000"/>
+              </a:schemeClr>
+            </a:solidFill>
+            <a:miter/>
+          </a:ln>
+        </p:spPr>
+        <p:style>
+          <a:lnRef idx="0">
+            <a:scrgbClr r="0" g="0" b="0"/>
+          </a:lnRef>
+          <a:fillRef idx="0">
+            <a:scrgbClr r="0" g="0" b="0"/>
+          </a:fillRef>
+          <a:effectRef idx="0">
+            <a:scrgbClr r="0" g="0" b="0"/>
+          </a:effectRef>
+          <a:fontRef idx="minor"/>
+        </p:style>
+        <p:txBody>
+          <a:bodyPr lIns="84960" tIns="42480" rIns="84960" bIns="42480" anchor="ctr">
+            <a:noAutofit/>
+          </a:bodyPr>
+          <a:lstStyle/>
+          <a:p>
+            <a:pPr>
+              <a:lnSpc>
+                <a:spcPct val="100000"/>
+              </a:lnSpc>
+            </a:pPr>
+            <a:r>
+              <a:rPr lang="en-US" sz="1600" b="0" strike="noStrike" spc="-1">
+                <a:solidFill>
+                  <a:srgbClr val="000000"/>
+                </a:solidFill>
+                <a:latin typeface="Courier New"/>
+                <a:ea typeface="MS PGothic"/>
+              </a:rPr>
+              <a:t>db.networks.find({"state_changes" : { </a:t>
+            </a:r>
+            <a:r>
+              <a:rPr lang="en-US" sz="1600" b="1" strike="noStrike" spc="-1">
+                <a:solidFill>
+                  <a:srgbClr val="000000"/>
+                </a:solidFill>
+                <a:latin typeface="Courier New"/>
+                <a:ea typeface="MS PGothic"/>
+              </a:rPr>
+              <a:t>$gte : 10, $lte : 30</a:t>
+            </a:r>
+            <a:r>
+              <a:rPr lang="en-US" sz="1600" b="0" strike="noStrike" spc="-1">
+                <a:solidFill>
+                  <a:srgbClr val="000000"/>
+                </a:solidFill>
+                <a:latin typeface="Courier New"/>
+                <a:ea typeface="MS PGothic"/>
+              </a:rPr>
+              <a:t>}})</a:t>
+            </a:r>
+            <a:endParaRPr lang="en-US" sz="1600" b="0" strike="noStrike" spc="-1">
+              <a:latin typeface="Arial"/>
+            </a:endParaRPr>
+          </a:p>
+        </p:txBody>
+      </p:sp>
+      <p:sp>
+        <p:nvSpPr>
+          <p:cNvPr id="332" name="CustomShape 4"/>
+          <p:cNvSpPr/>
+          <p:nvPr/>
+        </p:nvSpPr>
+        <p:spPr>
+          <a:xfrm>
+            <a:off x="6333480" y="2407680"/>
+            <a:ext cx="2059920" cy="832680"/>
+          </a:xfrm>
+          <a:prstGeom prst="wedgeRectCallout">
+            <a:avLst>
+              <a:gd name="adj1" fmla="val -43664"/>
+              <a:gd name="adj2" fmla="val 94650"/>
+            </a:avLst>
+          </a:prstGeom>
+          <a:solidFill>
+            <a:schemeClr val="accent2">
+              <a:lumMod val="20000"/>
+              <a:lumOff val="80000"/>
+            </a:schemeClr>
+          </a:solidFill>
+          <a:ln>
+            <a:solidFill>
+              <a:schemeClr val="accent2">
+                <a:lumMod val="20000"/>
+                <a:lumOff val="80000"/>
+              </a:schemeClr>
+            </a:solidFill>
+            <a:round/>
+          </a:ln>
+          <a:effectLst>
+            <a:outerShdw blurRad="40000" dist="23040" dir="5400000" rotWithShape="0">
+              <a:srgbClr val="000000">
+                <a:alpha val="35000"/>
+              </a:srgbClr>
+            </a:outerShdw>
+          </a:effectLst>
+        </p:spPr>
+        <p:style>
+          <a:lnRef idx="1">
+            <a:schemeClr val="accent1"/>
+          </a:lnRef>
+          <a:fillRef idx="3">
+            <a:schemeClr val="accent1"/>
+          </a:fillRef>
+          <a:effectRef idx="2">
+            <a:schemeClr val="accent1"/>
+          </a:effectRef>
+          <a:fontRef idx="minor"/>
+        </p:style>
+        <p:txBody>
+          <a:bodyPr lIns="90000" tIns="45000" rIns="90000" bIns="45000" anchor="ctr">
+            <a:noAutofit/>
+          </a:bodyPr>
+          <a:lstStyle/>
+          <a:p>
+            <a:pPr algn="ctr">
+              <a:lnSpc>
+                <a:spcPct val="100000"/>
+              </a:lnSpc>
+            </a:pPr>
+            <a:r>
+              <a:rPr lang="en-US" sz="1400" b="0" strike="noStrike" spc="-1">
+                <a:solidFill>
+                  <a:srgbClr val="000000"/>
+                </a:solidFill>
+                <a:latin typeface="Tahoma"/>
+                <a:ea typeface="Tahoma"/>
+              </a:rPr>
+              <a:t>Those whose value is between 10 and 30 inclusive</a:t>
+            </a:r>
+            <a:endParaRPr lang="en-US" sz="1400" b="0" strike="noStrike" spc="-1">
+              <a:latin typeface="Arial"/>
+            </a:endParaRPr>
+          </a:p>
+        </p:txBody>
+      </p:sp>
+    </p:spTree>
+    <p:extLst>
+      <p:ext uri="{BB962C8B-B14F-4D97-AF65-F5344CB8AC3E}">
+        <p14:creationId xmlns:p14="http://schemas.microsoft.com/office/powerpoint/2010/main" val="4053257176"/>
+      </p:ext>
+    </p:extLst>
+  </p:cSld>
+  <p:clrMapOvr>
+    <a:masterClrMapping/>
+  </p:clrMapOvr>
+</p:sld>
+</file>
+
+<file path=ppt/slides/slide23.xml><?xml version="1.0" encoding="utf-8"?>
+<p:sld xmlns:a="http://schemas.openxmlformats.org/drawingml/2006/main" xmlns:r="http://schemas.openxmlformats.org/officeDocument/2006/relationships" xmlns:p="http://schemas.openxmlformats.org/presentationml/2006/main">
+  <p:cSld>
+    <p:spTree>
+      <p:nvGrpSpPr>
+        <p:cNvPr id="1" name=""/>
+        <p:cNvGrpSpPr/>
+        <p:nvPr/>
+      </p:nvGrpSpPr>
+      <p:grpSpPr>
+        <a:xfrm>
+          <a:off x="0" y="0"/>
+          <a:ext cx="0" cy="0"/>
+          <a:chOff x="0" y="0"/>
+          <a:chExt cx="0" cy="0"/>
+        </a:xfrm>
+      </p:grpSpPr>
+      <p:sp>
+        <p:nvSpPr>
+          <p:cNvPr id="333" name="TextShape 1"/>
+          <p:cNvSpPr txBox="1"/>
+          <p:nvPr/>
+        </p:nvSpPr>
+        <p:spPr>
+          <a:xfrm>
+            <a:off x="1050840" y="268200"/>
+            <a:ext cx="7002000" cy="626760"/>
+          </a:xfrm>
+          <a:prstGeom prst="rect">
+            <a:avLst/>
+          </a:prstGeom>
+          <a:noFill/>
+          <a:ln>
+            <a:noFill/>
+          </a:ln>
+        </p:spPr>
+        <p:txBody>
+          <a:bodyPr lIns="90000" tIns="46800" rIns="90000" bIns="46800" anchor="ctr">
+            <a:noAutofit/>
+          </a:bodyPr>
+          <a:lstStyle/>
+          <a:p>
+            <a:pPr algn="ctr">
+              <a:lnSpc>
+                <a:spcPct val="100000"/>
+              </a:lnSpc>
+            </a:pPr>
+            <a:r>
+              <a:rPr lang="en-US" sz="2800" b="1" strike="noStrike" spc="-1">
+                <a:solidFill>
+                  <a:srgbClr val="000000"/>
+                </a:solidFill>
+                <a:latin typeface="Tahoma"/>
+                <a:ea typeface="ＭＳ Ｐゴシック"/>
+              </a:rPr>
+              <a:t>OR Queries</a:t>
+            </a:r>
+            <a:endParaRPr lang="en-US" sz="2800" b="0" strike="noStrike" spc="-1">
+              <a:solidFill>
+                <a:srgbClr val="FFFFFF"/>
+              </a:solidFill>
+              <a:latin typeface="Arial"/>
+            </a:endParaRPr>
+          </a:p>
+        </p:txBody>
+      </p:sp>
+      <p:sp>
+        <p:nvSpPr>
+          <p:cNvPr id="334" name="TextShape 2"/>
+          <p:cNvSpPr txBox="1"/>
+          <p:nvPr/>
+        </p:nvSpPr>
+        <p:spPr>
+          <a:xfrm>
+            <a:off x="728640" y="1263960"/>
+            <a:ext cx="7772040" cy="4937400"/>
+          </a:xfrm>
+          <a:prstGeom prst="rect">
+            <a:avLst/>
+          </a:prstGeom>
+          <a:noFill/>
+          <a:ln>
+            <a:noFill/>
+          </a:ln>
+        </p:spPr>
+        <p:txBody>
+          <a:bodyPr lIns="90000" tIns="46800" rIns="90000" bIns="46800">
+            <a:noAutofit/>
+          </a:bodyPr>
+          <a:lstStyle/>
+          <a:p>
+            <a:pPr marL="228600" indent="-228240">
+              <a:lnSpc>
+                <a:spcPct val="110000"/>
+              </a:lnSpc>
+              <a:spcBef>
+                <a:spcPts val="1199"/>
+              </a:spcBef>
+              <a:buSzPct val="100045"/>
+              <a:buBlip>
+                <a:blip r:embed="rId3"/>
+              </a:buBlip>
+            </a:pPr>
+            <a:r>
+              <a:rPr lang="en-US" sz="1800" b="0" strike="noStrike" spc="-1">
+                <a:solidFill>
+                  <a:srgbClr val="000000"/>
+                </a:solidFill>
+                <a:latin typeface="Tahoma"/>
+                <a:ea typeface="Tahoma"/>
+              </a:rPr>
+              <a:t>There are two ways to do an OR query</a:t>
+            </a:r>
+            <a:endParaRPr lang="en-US" sz="1800" b="0" strike="noStrike" spc="-1">
+              <a:solidFill>
+                <a:srgbClr val="000000"/>
+              </a:solidFill>
+              <a:latin typeface="Tahoma"/>
+            </a:endParaRPr>
+          </a:p>
+          <a:p>
+            <a:pPr marL="457200" lvl="1" indent="-228240">
+              <a:lnSpc>
+                <a:spcPct val="100000"/>
+              </a:lnSpc>
+              <a:buClr>
+                <a:srgbClr val="000000"/>
+              </a:buClr>
+              <a:buFont typeface="Arial"/>
+              <a:buChar char="–"/>
+            </a:pPr>
+            <a:r>
+              <a:rPr lang="en-US" sz="1800" b="0" strike="noStrike" spc="-1">
+                <a:solidFill>
+                  <a:srgbClr val="000000"/>
+                </a:solidFill>
+                <a:latin typeface="Courier New"/>
+                <a:ea typeface="Tahoma"/>
+              </a:rPr>
+              <a:t>$or </a:t>
+            </a:r>
+            <a:endParaRPr lang="en-US" sz="1800" b="0" strike="noStrike" spc="-1">
+              <a:solidFill>
+                <a:srgbClr val="000000"/>
+              </a:solidFill>
+              <a:latin typeface="Tahoma"/>
+            </a:endParaRPr>
+          </a:p>
+          <a:p>
+            <a:pPr marL="457200" lvl="1" indent="-228240">
+              <a:lnSpc>
+                <a:spcPct val="100000"/>
+              </a:lnSpc>
+              <a:buClr>
+                <a:srgbClr val="000000"/>
+              </a:buClr>
+              <a:buFont typeface="Arial"/>
+              <a:buChar char="–"/>
+            </a:pPr>
+            <a:r>
+              <a:rPr lang="en-US" sz="1800" b="0" strike="noStrike" spc="-1">
+                <a:solidFill>
+                  <a:srgbClr val="000000"/>
+                </a:solidFill>
+                <a:latin typeface="Courier New"/>
+                <a:ea typeface="Tahoma"/>
+              </a:rPr>
+              <a:t>$in</a:t>
+            </a:r>
+            <a:endParaRPr lang="en-US" sz="1800" b="0" strike="noStrike" spc="-1">
+              <a:solidFill>
+                <a:srgbClr val="000000"/>
+              </a:solidFill>
+              <a:latin typeface="Tahoma"/>
+            </a:endParaRPr>
+          </a:p>
+          <a:p>
+            <a:pPr marL="228600" indent="-228240">
+              <a:lnSpc>
+                <a:spcPct val="110000"/>
+              </a:lnSpc>
+              <a:spcBef>
+                <a:spcPts val="1199"/>
+              </a:spcBef>
+              <a:buSzPct val="100045"/>
+              <a:buBlip>
+                <a:blip r:embed="rId3"/>
+              </a:buBlip>
+            </a:pPr>
+            <a:r>
+              <a:rPr lang="en-US" sz="1800" b="0" strike="noStrike" spc="-1">
+                <a:solidFill>
+                  <a:srgbClr val="000000"/>
+                </a:solidFill>
+                <a:latin typeface="Courier New"/>
+                <a:ea typeface="Tahoma"/>
+              </a:rPr>
+              <a:t>$or</a:t>
+            </a:r>
+            <a:r>
+              <a:rPr lang="en-US" sz="1800" b="0" strike="noStrike" spc="-1">
+                <a:solidFill>
+                  <a:srgbClr val="000000"/>
+                </a:solidFill>
+                <a:latin typeface="Tahoma"/>
+                <a:ea typeface="Tahoma"/>
+              </a:rPr>
+              <a:t> is used to match more than one field in a query</a:t>
+            </a:r>
+            <a:endParaRPr lang="en-US" sz="1800" b="0" strike="noStrike" spc="-1">
+              <a:solidFill>
+                <a:srgbClr val="000000"/>
+              </a:solidFill>
+              <a:latin typeface="Tahoma"/>
+            </a:endParaRPr>
+          </a:p>
+          <a:p>
+            <a:pPr>
+              <a:lnSpc>
+                <a:spcPct val="100000"/>
+              </a:lnSpc>
+              <a:spcBef>
+                <a:spcPts val="1199"/>
+              </a:spcBef>
+            </a:pPr>
+            <a:endParaRPr lang="en-US" sz="1800" b="0" strike="noStrike" spc="-1">
+              <a:solidFill>
+                <a:srgbClr val="000000"/>
+              </a:solidFill>
+              <a:latin typeface="Tahoma"/>
+            </a:endParaRPr>
+          </a:p>
+          <a:p>
+            <a:pPr>
+              <a:lnSpc>
+                <a:spcPct val="100000"/>
+              </a:lnSpc>
+              <a:spcBef>
+                <a:spcPts val="1199"/>
+              </a:spcBef>
+            </a:pPr>
+            <a:endParaRPr lang="en-US" sz="1800" b="0" strike="noStrike" spc="-1">
+              <a:solidFill>
+                <a:srgbClr val="000000"/>
+              </a:solidFill>
+              <a:latin typeface="Tahoma"/>
+            </a:endParaRPr>
+          </a:p>
+          <a:p>
+            <a:pPr>
+              <a:lnSpc>
+                <a:spcPct val="100000"/>
+              </a:lnSpc>
+              <a:spcBef>
+                <a:spcPts val="1199"/>
+              </a:spcBef>
+            </a:pPr>
+            <a:endParaRPr lang="en-US" sz="1800" b="0" strike="noStrike" spc="-1">
+              <a:solidFill>
+                <a:srgbClr val="000000"/>
+              </a:solidFill>
+              <a:latin typeface="Tahoma"/>
+            </a:endParaRPr>
+          </a:p>
+          <a:p>
+            <a:pPr marL="228600" indent="-228240">
+              <a:lnSpc>
+                <a:spcPct val="100000"/>
+              </a:lnSpc>
+              <a:spcBef>
+                <a:spcPts val="1199"/>
+              </a:spcBef>
+              <a:buSzPct val="100045"/>
+              <a:buBlip>
+                <a:blip r:embed="rId3"/>
+              </a:buBlip>
+            </a:pPr>
+            <a:r>
+              <a:rPr lang="en-US" sz="1800" b="0" strike="noStrike" spc="-1">
+                <a:solidFill>
+                  <a:srgbClr val="000000"/>
+                </a:solidFill>
+                <a:latin typeface="Courier New"/>
+                <a:ea typeface="ＭＳ Ｐゴシック"/>
+              </a:rPr>
+              <a:t>$in </a:t>
+            </a:r>
+            <a:r>
+              <a:rPr lang="en-US" sz="1800" b="0" strike="noStrike" spc="-1">
+                <a:solidFill>
+                  <a:srgbClr val="000000"/>
+                </a:solidFill>
+                <a:latin typeface="Tahoma"/>
+                <a:ea typeface="ＭＳ Ｐゴシック"/>
+              </a:rPr>
+              <a:t>is used to match a single key to more than one possible value</a:t>
+            </a:r>
+            <a:endParaRPr lang="en-US" sz="1800" b="0" strike="noStrike" spc="-1">
+              <a:solidFill>
+                <a:srgbClr val="000000"/>
+              </a:solidFill>
+              <a:latin typeface="Tahoma"/>
+            </a:endParaRPr>
+          </a:p>
+          <a:p>
+            <a:pPr>
+              <a:lnSpc>
+                <a:spcPct val="100000"/>
+              </a:lnSpc>
+              <a:spcBef>
+                <a:spcPts val="1199"/>
+              </a:spcBef>
+            </a:pPr>
+            <a:r>
+              <a:rPr lang="en-US" sz="1800" b="0" strike="noStrike" spc="-1">
+                <a:solidFill>
+                  <a:srgbClr val="000000"/>
+                </a:solidFill>
+                <a:latin typeface="Tahoma"/>
+                <a:ea typeface="ＭＳ Ｐゴシック"/>
+              </a:rPr>
+              <a:t> </a:t>
+            </a:r>
+            <a:endParaRPr lang="en-US" sz="1800" b="0" strike="noStrike" spc="-1">
+              <a:solidFill>
+                <a:srgbClr val="000000"/>
+              </a:solidFill>
+              <a:latin typeface="Tahoma"/>
+            </a:endParaRPr>
+          </a:p>
+        </p:txBody>
+      </p:sp>
+      <p:sp>
+        <p:nvSpPr>
+          <p:cNvPr id="335" name="CustomShape 3"/>
+          <p:cNvSpPr/>
+          <p:nvPr/>
+        </p:nvSpPr>
+        <p:spPr>
+          <a:xfrm>
+            <a:off x="647280" y="3021840"/>
+            <a:ext cx="7643520" cy="796680"/>
+          </a:xfrm>
+          <a:prstGeom prst="rect">
+            <a:avLst/>
+          </a:prstGeom>
+          <a:noFill/>
+          <a:ln w="28440">
+            <a:solidFill>
+              <a:schemeClr val="accent2">
+                <a:lumMod val="20000"/>
+                <a:lumOff val="80000"/>
+              </a:schemeClr>
+            </a:solidFill>
+            <a:miter/>
+          </a:ln>
+        </p:spPr>
+        <p:style>
+          <a:lnRef idx="0">
+            <a:scrgbClr r="0" g="0" b="0"/>
+          </a:lnRef>
+          <a:fillRef idx="0">
+            <a:scrgbClr r="0" g="0" b="0"/>
+          </a:fillRef>
+          <a:effectRef idx="0">
+            <a:scrgbClr r="0" g="0" b="0"/>
+          </a:effectRef>
+          <a:fontRef idx="minor"/>
+        </p:style>
+        <p:txBody>
+          <a:bodyPr lIns="84960" tIns="42480" rIns="84960" bIns="42480" anchor="ctr">
+            <a:noAutofit/>
+          </a:bodyPr>
+          <a:lstStyle/>
+          <a:p>
+            <a:pPr>
+              <a:lnSpc>
+                <a:spcPct val="100000"/>
+              </a:lnSpc>
+            </a:pPr>
+            <a:r>
+              <a:rPr lang="en-US" sz="1600" b="0" strike="noStrike" spc="-1">
+                <a:solidFill>
+                  <a:srgbClr val="000000"/>
+                </a:solidFill>
+                <a:latin typeface="Courier New"/>
+                <a:ea typeface="MS PGothic"/>
+              </a:rPr>
+              <a:t>db.networks.find({"$or" : [{"address" : "node1"}, </a:t>
+            </a:r>
+            <a:r>
+              <a:rPr lang="en-US" sz="1600" b="1" strike="noStrike" spc="-1">
+                <a:solidFill>
+                  <a:srgbClr val="000000"/>
+                </a:solidFill>
+                <a:latin typeface="Courier New"/>
+                <a:ea typeface="MS PGothic"/>
+              </a:rPr>
+              <a:t>							</a:t>
+            </a:r>
+            <a:r>
+              <a:rPr lang="en-US" sz="1600" b="0" strike="noStrike" spc="-1">
+                <a:solidFill>
+                  <a:srgbClr val="000000"/>
+                </a:solidFill>
+                <a:latin typeface="Courier New"/>
+                <a:ea typeface="MS PGothic"/>
+              </a:rPr>
+              <a:t>{"status_changes" : 0}]})</a:t>
+            </a:r>
+            <a:endParaRPr lang="en-US" sz="1600" b="0" strike="noStrike" spc="-1">
+              <a:latin typeface="Arial"/>
+            </a:endParaRPr>
+          </a:p>
+        </p:txBody>
+      </p:sp>
+      <p:sp>
+        <p:nvSpPr>
+          <p:cNvPr id="336" name="CustomShape 4"/>
+          <p:cNvSpPr/>
+          <p:nvPr/>
+        </p:nvSpPr>
+        <p:spPr>
+          <a:xfrm>
+            <a:off x="6721560" y="1810080"/>
+            <a:ext cx="2041560" cy="731880"/>
+          </a:xfrm>
+          <a:prstGeom prst="wedgeRectCallout">
+            <a:avLst>
+              <a:gd name="adj1" fmla="val -86032"/>
+              <a:gd name="adj2" fmla="val 136107"/>
+            </a:avLst>
+          </a:prstGeom>
+          <a:solidFill>
+            <a:schemeClr val="accent2">
+              <a:lumMod val="20000"/>
+              <a:lumOff val="80000"/>
+            </a:schemeClr>
+          </a:solidFill>
+          <a:ln>
+            <a:solidFill>
+              <a:schemeClr val="accent2">
+                <a:lumMod val="20000"/>
+                <a:lumOff val="80000"/>
+              </a:schemeClr>
+            </a:solidFill>
+            <a:round/>
+          </a:ln>
+          <a:effectLst>
+            <a:outerShdw blurRad="40000" dist="23040" dir="5400000" rotWithShape="0">
+              <a:srgbClr val="000000">
+                <a:alpha val="35000"/>
+              </a:srgbClr>
+            </a:outerShdw>
+          </a:effectLst>
+        </p:spPr>
+        <p:style>
+          <a:lnRef idx="1">
+            <a:schemeClr val="accent1"/>
+          </a:lnRef>
+          <a:fillRef idx="3">
+            <a:schemeClr val="accent1"/>
+          </a:fillRef>
+          <a:effectRef idx="2">
+            <a:schemeClr val="accent1"/>
+          </a:effectRef>
+          <a:fontRef idx="minor"/>
+        </p:style>
+        <p:txBody>
+          <a:bodyPr lIns="90000" tIns="45000" rIns="90000" bIns="45000" anchor="ctr">
+            <a:noAutofit/>
+          </a:bodyPr>
+          <a:lstStyle/>
+          <a:p>
+            <a:pPr algn="ctr">
+              <a:lnSpc>
+                <a:spcPct val="100000"/>
+              </a:lnSpc>
+            </a:pPr>
+            <a:r>
+              <a:rPr lang="en-US" sz="1400" b="0" strike="noStrike" spc="-1">
+                <a:solidFill>
+                  <a:srgbClr val="000000"/>
+                </a:solidFill>
+                <a:latin typeface="Tahoma"/>
+                <a:ea typeface="Tahoma"/>
+              </a:rPr>
+              <a:t>Find </a:t>
+            </a:r>
+            <a:r>
+              <a:rPr lang="en-US" sz="1400" b="0" strike="noStrike" spc="-1">
+                <a:solidFill>
+                  <a:srgbClr val="000000"/>
+                </a:solidFill>
+                <a:latin typeface="Courier New"/>
+                <a:ea typeface="Tahoma"/>
+              </a:rPr>
+              <a:t>address node1</a:t>
+            </a:r>
+            <a:r>
+              <a:rPr lang="en-US" sz="1400" b="0" strike="noStrike" spc="-1">
+                <a:solidFill>
+                  <a:srgbClr val="000000"/>
+                </a:solidFill>
+                <a:latin typeface="Tahoma"/>
+                <a:ea typeface="Tahoma"/>
+              </a:rPr>
+              <a:t> or </a:t>
+            </a:r>
+            <a:r>
+              <a:rPr lang="en-US" sz="1400" b="0" strike="noStrike" spc="-1">
+                <a:solidFill>
+                  <a:srgbClr val="000000"/>
+                </a:solidFill>
+                <a:latin typeface="Courier New"/>
+                <a:ea typeface="Tahoma"/>
+              </a:rPr>
+              <a:t>status_changes </a:t>
+            </a:r>
+            <a:r>
+              <a:rPr lang="en-US" sz="1400" b="0" strike="noStrike" spc="-1">
+                <a:solidFill>
+                  <a:srgbClr val="000000"/>
+                </a:solidFill>
+                <a:latin typeface="Tahoma"/>
+                <a:ea typeface="Tahoma"/>
+              </a:rPr>
+              <a:t> equal to zero</a:t>
+            </a:r>
+            <a:endParaRPr lang="en-US" sz="1400" b="0" strike="noStrike" spc="-1">
+              <a:latin typeface="Arial"/>
+            </a:endParaRPr>
+          </a:p>
+        </p:txBody>
+      </p:sp>
+      <p:sp>
+        <p:nvSpPr>
+          <p:cNvPr id="337" name="CustomShape 5"/>
+          <p:cNvSpPr/>
+          <p:nvPr/>
+        </p:nvSpPr>
+        <p:spPr>
+          <a:xfrm>
+            <a:off x="411480" y="4558680"/>
+            <a:ext cx="8366400" cy="796680"/>
+          </a:xfrm>
+          <a:prstGeom prst="rect">
+            <a:avLst/>
+          </a:prstGeom>
+          <a:noFill/>
+          <a:ln w="28440">
+            <a:solidFill>
+              <a:schemeClr val="accent2">
+                <a:lumMod val="20000"/>
+                <a:lumOff val="80000"/>
+              </a:schemeClr>
+            </a:solidFill>
+            <a:miter/>
+          </a:ln>
+        </p:spPr>
+        <p:style>
+          <a:lnRef idx="0">
+            <a:scrgbClr r="0" g="0" b="0"/>
+          </a:lnRef>
+          <a:fillRef idx="0">
+            <a:scrgbClr r="0" g="0" b="0"/>
+          </a:fillRef>
+          <a:effectRef idx="0">
+            <a:scrgbClr r="0" g="0" b="0"/>
+          </a:effectRef>
+          <a:fontRef idx="minor"/>
+        </p:style>
+        <p:txBody>
+          <a:bodyPr lIns="84960" tIns="42480" rIns="84960" bIns="42480" anchor="ctr">
+            <a:noAutofit/>
+          </a:bodyPr>
+          <a:lstStyle/>
+          <a:p>
+            <a:pPr>
+              <a:lnSpc>
+                <a:spcPct val="100000"/>
+              </a:lnSpc>
+            </a:pPr>
+            <a:r>
+              <a:rPr lang="en-US" sz="1600" b="0" strike="noStrike" spc="-1">
+                <a:solidFill>
+                  <a:srgbClr val="000000"/>
+                </a:solidFill>
+                <a:latin typeface="Courier New"/>
+                <a:ea typeface="MS PGothic"/>
+              </a:rPr>
+              <a:t>db.networks.find({"address" : {"$in" : ["node1","node2","node3"]}})</a:t>
+            </a:r>
+            <a:endParaRPr lang="en-US" sz="1600" b="0" strike="noStrike" spc="-1">
+              <a:latin typeface="Arial"/>
+            </a:endParaRPr>
+          </a:p>
+        </p:txBody>
+      </p:sp>
+      <p:sp>
+        <p:nvSpPr>
+          <p:cNvPr id="338" name="CustomShape 6"/>
+          <p:cNvSpPr/>
+          <p:nvPr/>
+        </p:nvSpPr>
+        <p:spPr>
+          <a:xfrm>
+            <a:off x="4508640" y="5533200"/>
+            <a:ext cx="2501640" cy="597600"/>
+          </a:xfrm>
+          <a:prstGeom prst="wedgeRectCallout">
+            <a:avLst>
+              <a:gd name="adj1" fmla="val 43676"/>
+              <a:gd name="adj2" fmla="val -124168"/>
+            </a:avLst>
+          </a:prstGeom>
+          <a:solidFill>
+            <a:schemeClr val="accent2">
+              <a:lumMod val="20000"/>
+              <a:lumOff val="80000"/>
+            </a:schemeClr>
+          </a:solidFill>
+          <a:ln>
+            <a:solidFill>
+              <a:schemeClr val="accent2">
+                <a:lumMod val="20000"/>
+                <a:lumOff val="80000"/>
+              </a:schemeClr>
+            </a:solidFill>
+            <a:round/>
+          </a:ln>
+          <a:effectLst>
+            <a:outerShdw blurRad="40000" dist="23040" dir="5400000" rotWithShape="0">
+              <a:srgbClr val="000000">
+                <a:alpha val="35000"/>
+              </a:srgbClr>
+            </a:outerShdw>
+          </a:effectLst>
+        </p:spPr>
+        <p:style>
+          <a:lnRef idx="1">
+            <a:schemeClr val="accent1"/>
+          </a:lnRef>
+          <a:fillRef idx="3">
+            <a:schemeClr val="accent1"/>
+          </a:fillRef>
+          <a:effectRef idx="2">
+            <a:schemeClr val="accent1"/>
+          </a:effectRef>
+          <a:fontRef idx="minor"/>
+        </p:style>
+        <p:txBody>
+          <a:bodyPr lIns="90000" tIns="45000" rIns="90000" bIns="45000" anchor="ctr">
+            <a:noAutofit/>
+          </a:bodyPr>
+          <a:lstStyle/>
+          <a:p>
+            <a:pPr algn="ctr">
+              <a:lnSpc>
+                <a:spcPct val="100000"/>
+              </a:lnSpc>
+            </a:pPr>
+            <a:r>
+              <a:rPr lang="en-US" sz="1400" b="0" strike="noStrike" spc="-1">
+                <a:solidFill>
+                  <a:srgbClr val="000000"/>
+                </a:solidFill>
+                <a:latin typeface="Tahoma"/>
+                <a:ea typeface="Tahoma"/>
+              </a:rPr>
+              <a:t>Find address that matches one of these three values</a:t>
+            </a:r>
+            <a:endParaRPr lang="en-US" sz="1400" b="0" strike="noStrike" spc="-1">
+              <a:latin typeface="Arial"/>
+            </a:endParaRPr>
+          </a:p>
+        </p:txBody>
+      </p:sp>
+    </p:spTree>
+    <p:extLst>
+      <p:ext uri="{BB962C8B-B14F-4D97-AF65-F5344CB8AC3E}">
+        <p14:creationId xmlns:p14="http://schemas.microsoft.com/office/powerpoint/2010/main" val="2643972072"/>
+      </p:ext>
+    </p:extLst>
+  </p:cSld>
+  <p:clrMapOvr>
+    <a:masterClrMapping/>
+  </p:clrMapOvr>
+</p:sld>
+</file>
+
+<file path=ppt/slides/slide24.xml><?xml version="1.0" encoding="utf-8"?>
+<p:sld xmlns:a="http://schemas.openxmlformats.org/drawingml/2006/main" xmlns:r="http://schemas.openxmlformats.org/officeDocument/2006/relationships" xmlns:p="http://schemas.openxmlformats.org/presentationml/2006/main">
+  <p:cSld>
+    <p:spTree>
+      <p:nvGrpSpPr>
+        <p:cNvPr id="1" name=""/>
+        <p:cNvGrpSpPr/>
+        <p:nvPr/>
+      </p:nvGrpSpPr>
+      <p:grpSpPr>
+        <a:xfrm>
+          <a:off x="0" y="0"/>
+          <a:ext cx="0" cy="0"/>
+          <a:chOff x="0" y="0"/>
+          <a:chExt cx="0" cy="0"/>
+        </a:xfrm>
+      </p:grpSpPr>
+      <p:sp>
+        <p:nvSpPr>
+          <p:cNvPr id="339" name="TextShape 1"/>
+          <p:cNvSpPr txBox="1"/>
+          <p:nvPr/>
+        </p:nvSpPr>
+        <p:spPr>
+          <a:xfrm>
+            <a:off x="1050840" y="268200"/>
+            <a:ext cx="7002000" cy="626760"/>
+          </a:xfrm>
+          <a:prstGeom prst="rect">
+            <a:avLst/>
+          </a:prstGeom>
+          <a:noFill/>
+          <a:ln>
+            <a:noFill/>
+          </a:ln>
+        </p:spPr>
+        <p:txBody>
+          <a:bodyPr lIns="90000" tIns="46800" rIns="90000" bIns="46800" anchor="ctr">
+            <a:noAutofit/>
+          </a:bodyPr>
+          <a:lstStyle/>
+          <a:p>
+            <a:pPr algn="ctr">
+              <a:lnSpc>
+                <a:spcPct val="100000"/>
+              </a:lnSpc>
+            </a:pPr>
+            <a:r>
+              <a:rPr lang="en-US" sz="2800" b="1" strike="noStrike" spc="-1">
+                <a:solidFill>
+                  <a:srgbClr val="000000"/>
+                </a:solidFill>
+                <a:latin typeface="Tahoma"/>
+                <a:ea typeface="ＭＳ Ｐゴシック"/>
+              </a:rPr>
+              <a:t>Limits, Skips, and Sorts</a:t>
+            </a:r>
+            <a:endParaRPr lang="en-US" sz="2800" b="0" strike="noStrike" spc="-1">
+              <a:solidFill>
+                <a:srgbClr val="FFFFFF"/>
+              </a:solidFill>
+              <a:latin typeface="Arial"/>
+            </a:endParaRPr>
+          </a:p>
+        </p:txBody>
+      </p:sp>
+      <p:sp>
+        <p:nvSpPr>
+          <p:cNvPr id="340" name="TextShape 2"/>
+          <p:cNvSpPr txBox="1"/>
+          <p:nvPr/>
+        </p:nvSpPr>
+        <p:spPr>
+          <a:xfrm>
+            <a:off x="728640" y="1263960"/>
+            <a:ext cx="7772040" cy="4937400"/>
+          </a:xfrm>
+          <a:prstGeom prst="rect">
+            <a:avLst/>
+          </a:prstGeom>
+          <a:noFill/>
+          <a:ln>
+            <a:noFill/>
+          </a:ln>
+        </p:spPr>
+        <p:txBody>
+          <a:bodyPr lIns="90000" tIns="46800" rIns="90000" bIns="46800">
+            <a:noAutofit/>
+          </a:bodyPr>
+          <a:lstStyle/>
+          <a:p>
+            <a:pPr marL="228600" indent="-228240">
+              <a:lnSpc>
+                <a:spcPct val="110000"/>
+              </a:lnSpc>
+              <a:spcBef>
+                <a:spcPts val="1199"/>
+              </a:spcBef>
+              <a:buSzPct val="100045"/>
+              <a:buBlip>
+                <a:blip r:embed="rId2"/>
+              </a:buBlip>
+            </a:pPr>
+            <a:r>
+              <a:rPr lang="en-US" sz="1800" b="0" strike="noStrike" spc="-1">
+                <a:solidFill>
+                  <a:srgbClr val="000000"/>
+                </a:solidFill>
+                <a:latin typeface="Tahoma"/>
+                <a:ea typeface="Tahoma"/>
+              </a:rPr>
+              <a:t>The limit method can be used to limit the number of results returned</a:t>
+            </a:r>
+            <a:endParaRPr lang="en-US" sz="1800" b="0" strike="noStrike" spc="-1">
+              <a:solidFill>
+                <a:srgbClr val="000000"/>
+              </a:solidFill>
+              <a:latin typeface="Tahoma"/>
+            </a:endParaRPr>
+          </a:p>
+          <a:p>
+            <a:pPr>
+              <a:lnSpc>
+                <a:spcPct val="100000"/>
+              </a:lnSpc>
+              <a:spcBef>
+                <a:spcPts val="1199"/>
+              </a:spcBef>
+            </a:pPr>
+            <a:endParaRPr lang="en-US" sz="1800" b="0" strike="noStrike" spc="-1">
+              <a:solidFill>
+                <a:srgbClr val="000000"/>
+              </a:solidFill>
+              <a:latin typeface="Tahoma"/>
+            </a:endParaRPr>
+          </a:p>
+          <a:p>
+            <a:pPr>
+              <a:lnSpc>
+                <a:spcPct val="100000"/>
+              </a:lnSpc>
+              <a:spcBef>
+                <a:spcPts val="1199"/>
+              </a:spcBef>
+            </a:pPr>
+            <a:endParaRPr lang="en-US" sz="1800" b="0" strike="noStrike" spc="-1">
+              <a:solidFill>
+                <a:srgbClr val="000000"/>
+              </a:solidFill>
+              <a:latin typeface="Tahoma"/>
+            </a:endParaRPr>
+          </a:p>
+          <a:p>
+            <a:pPr marL="228600" indent="-228240">
+              <a:lnSpc>
+                <a:spcPct val="110000"/>
+              </a:lnSpc>
+              <a:spcBef>
+                <a:spcPts val="1199"/>
+              </a:spcBef>
+              <a:buSzPct val="100045"/>
+              <a:buBlip>
+                <a:blip r:embed="rId2"/>
+              </a:buBlip>
+            </a:pPr>
+            <a:r>
+              <a:rPr lang="en-US" sz="1800" b="0" strike="noStrike" spc="-1">
+                <a:solidFill>
+                  <a:srgbClr val="000000"/>
+                </a:solidFill>
+                <a:latin typeface="Tahoma"/>
+                <a:ea typeface="Tahoma"/>
+              </a:rPr>
+              <a:t>The </a:t>
+            </a:r>
+            <a:r>
+              <a:rPr lang="en-US" sz="1800" b="0" strike="noStrike" spc="-1">
+                <a:solidFill>
+                  <a:srgbClr val="000000"/>
+                </a:solidFill>
+                <a:latin typeface="Courier New"/>
+                <a:ea typeface="Tahoma"/>
+              </a:rPr>
+              <a:t>skip()</a:t>
+            </a:r>
+            <a:r>
+              <a:rPr lang="en-US" sz="1800" b="0" strike="noStrike" spc="-1">
+                <a:solidFill>
+                  <a:srgbClr val="000000"/>
+                </a:solidFill>
+                <a:latin typeface="Tahoma"/>
+                <a:ea typeface="Tahoma"/>
+              </a:rPr>
+              <a:t> method skips the first x items returned by a query</a:t>
+            </a:r>
+            <a:endParaRPr lang="en-US" sz="1800" b="0" strike="noStrike" spc="-1">
+              <a:solidFill>
+                <a:srgbClr val="000000"/>
+              </a:solidFill>
+              <a:latin typeface="Tahoma"/>
+            </a:endParaRPr>
+          </a:p>
+          <a:p>
+            <a:pPr marL="457200" lvl="1" indent="-228240">
+              <a:lnSpc>
+                <a:spcPct val="100000"/>
+              </a:lnSpc>
+              <a:buClr>
+                <a:srgbClr val="000000"/>
+              </a:buClr>
+              <a:buFont typeface="Arial"/>
+              <a:buChar char="–"/>
+            </a:pPr>
+            <a:r>
+              <a:rPr lang="en-US" sz="1800" b="0" strike="noStrike" spc="-1">
+                <a:solidFill>
+                  <a:srgbClr val="000000"/>
+                </a:solidFill>
+                <a:latin typeface="Tahoma"/>
+                <a:ea typeface="Tahoma"/>
+              </a:rPr>
+              <a:t>Bit will return the rest in the matching documents</a:t>
+            </a:r>
+            <a:endParaRPr lang="en-US" sz="1800" b="0" strike="noStrike" spc="-1">
+              <a:solidFill>
+                <a:srgbClr val="000000"/>
+              </a:solidFill>
+              <a:latin typeface="Tahoma"/>
+            </a:endParaRPr>
+          </a:p>
+          <a:p>
+            <a:pPr>
+              <a:lnSpc>
+                <a:spcPct val="100000"/>
+              </a:lnSpc>
+              <a:spcBef>
+                <a:spcPts val="1199"/>
+              </a:spcBef>
+            </a:pPr>
+            <a:endParaRPr lang="en-US" sz="1800" b="0" strike="noStrike" spc="-1">
+              <a:solidFill>
+                <a:srgbClr val="000000"/>
+              </a:solidFill>
+              <a:latin typeface="Tahoma"/>
+            </a:endParaRPr>
+          </a:p>
+          <a:p>
+            <a:pPr>
+              <a:lnSpc>
+                <a:spcPct val="100000"/>
+              </a:lnSpc>
+              <a:spcBef>
+                <a:spcPts val="1199"/>
+              </a:spcBef>
+            </a:pPr>
+            <a:endParaRPr lang="en-US" sz="1800" b="0" strike="noStrike" spc="-1">
+              <a:solidFill>
+                <a:srgbClr val="000000"/>
+              </a:solidFill>
+              <a:latin typeface="Tahoma"/>
+            </a:endParaRPr>
+          </a:p>
+          <a:p>
+            <a:pPr marL="228600" indent="-228240">
+              <a:lnSpc>
+                <a:spcPct val="110000"/>
+              </a:lnSpc>
+              <a:spcBef>
+                <a:spcPts val="1199"/>
+              </a:spcBef>
+              <a:buSzPct val="100045"/>
+              <a:buBlip>
+                <a:blip r:embed="rId2"/>
+              </a:buBlip>
+            </a:pPr>
+            <a:r>
+              <a:rPr lang="en-US" sz="1800" b="0" strike="noStrike" spc="-1">
+                <a:solidFill>
+                  <a:srgbClr val="000000"/>
+                </a:solidFill>
+                <a:latin typeface="Tahoma"/>
+                <a:ea typeface="Tahoma"/>
+              </a:rPr>
+              <a:t>The sort method will sort the documents based on fields provided</a:t>
+            </a:r>
+            <a:endParaRPr lang="en-US" sz="1800" b="0" strike="noStrike" spc="-1">
+              <a:solidFill>
+                <a:srgbClr val="000000"/>
+              </a:solidFill>
+              <a:latin typeface="Tahoma"/>
+            </a:endParaRPr>
+          </a:p>
+          <a:p>
+            <a:pPr>
+              <a:lnSpc>
+                <a:spcPct val="100000"/>
+              </a:lnSpc>
+              <a:spcBef>
+                <a:spcPts val="1199"/>
+              </a:spcBef>
+            </a:pPr>
+            <a:endParaRPr lang="en-US" sz="1800" b="0" strike="noStrike" spc="-1">
+              <a:solidFill>
+                <a:srgbClr val="000000"/>
+              </a:solidFill>
+              <a:latin typeface="Tahoma"/>
+            </a:endParaRPr>
+          </a:p>
+        </p:txBody>
+      </p:sp>
+      <p:sp>
+        <p:nvSpPr>
+          <p:cNvPr id="341" name="CustomShape 3"/>
+          <p:cNvSpPr/>
+          <p:nvPr/>
+        </p:nvSpPr>
+        <p:spPr>
+          <a:xfrm>
+            <a:off x="1105200" y="1776240"/>
+            <a:ext cx="3620520" cy="465480"/>
+          </a:xfrm>
+          <a:prstGeom prst="rect">
+            <a:avLst/>
+          </a:prstGeom>
+          <a:noFill/>
+          <a:ln w="28440">
+            <a:solidFill>
+              <a:schemeClr val="accent2">
+                <a:lumMod val="20000"/>
+                <a:lumOff val="80000"/>
+              </a:schemeClr>
+            </a:solidFill>
+            <a:miter/>
+          </a:ln>
+        </p:spPr>
+        <p:style>
+          <a:lnRef idx="0">
+            <a:scrgbClr r="0" g="0" b="0"/>
+          </a:lnRef>
+          <a:fillRef idx="0">
+            <a:scrgbClr r="0" g="0" b="0"/>
+          </a:fillRef>
+          <a:effectRef idx="0">
+            <a:scrgbClr r="0" g="0" b="0"/>
+          </a:effectRef>
+          <a:fontRef idx="minor"/>
+        </p:style>
+        <p:txBody>
+          <a:bodyPr lIns="84960" tIns="42480" rIns="84960" bIns="42480" anchor="ctr">
+            <a:noAutofit/>
+          </a:bodyPr>
+          <a:lstStyle/>
+          <a:p>
+            <a:pPr>
+              <a:lnSpc>
+                <a:spcPct val="100000"/>
+              </a:lnSpc>
+            </a:pPr>
+            <a:r>
+              <a:rPr lang="en-US" sz="1600" b="0" strike="noStrike" spc="-1">
+                <a:solidFill>
+                  <a:srgbClr val="000000"/>
+                </a:solidFill>
+                <a:latin typeface="Courier New"/>
+                <a:ea typeface="ＭＳ Ｐゴシック"/>
+              </a:rPr>
+              <a:t>db.networks.find().limit(10) </a:t>
+            </a:r>
+            <a:endParaRPr lang="en-US" sz="1600" b="0" strike="noStrike" spc="-1">
+              <a:latin typeface="Arial"/>
+            </a:endParaRPr>
+          </a:p>
+        </p:txBody>
+      </p:sp>
+      <p:sp>
+        <p:nvSpPr>
+          <p:cNvPr id="342" name="CustomShape 4"/>
+          <p:cNvSpPr/>
+          <p:nvPr/>
+        </p:nvSpPr>
+        <p:spPr>
+          <a:xfrm>
+            <a:off x="5850360" y="1789920"/>
+            <a:ext cx="2059920" cy="465480"/>
+          </a:xfrm>
+          <a:prstGeom prst="wedgeRectCallout">
+            <a:avLst>
+              <a:gd name="adj1" fmla="val -101196"/>
+              <a:gd name="adj2" fmla="val 4722"/>
+            </a:avLst>
+          </a:prstGeom>
+          <a:solidFill>
+            <a:schemeClr val="accent2">
+              <a:lumMod val="20000"/>
+              <a:lumOff val="80000"/>
+            </a:schemeClr>
+          </a:solidFill>
+          <a:ln>
+            <a:solidFill>
+              <a:schemeClr val="accent2">
+                <a:lumMod val="20000"/>
+                <a:lumOff val="80000"/>
+              </a:schemeClr>
+            </a:solidFill>
+            <a:round/>
+          </a:ln>
+          <a:effectLst>
+            <a:outerShdw blurRad="40000" dist="23040" dir="5400000" rotWithShape="0">
+              <a:srgbClr val="000000">
+                <a:alpha val="35000"/>
+              </a:srgbClr>
+            </a:outerShdw>
+          </a:effectLst>
+        </p:spPr>
+        <p:style>
+          <a:lnRef idx="1">
+            <a:schemeClr val="accent1"/>
+          </a:lnRef>
+          <a:fillRef idx="3">
+            <a:schemeClr val="accent1"/>
+          </a:fillRef>
+          <a:effectRef idx="2">
+            <a:schemeClr val="accent1"/>
+          </a:effectRef>
+          <a:fontRef idx="minor"/>
+        </p:style>
+        <p:txBody>
+          <a:bodyPr lIns="90000" tIns="45000" rIns="90000" bIns="45000" anchor="ctr">
+            <a:noAutofit/>
+          </a:bodyPr>
+          <a:lstStyle/>
+          <a:p>
+            <a:pPr algn="ctr">
+              <a:lnSpc>
+                <a:spcPct val="100000"/>
+              </a:lnSpc>
+            </a:pPr>
+            <a:r>
+              <a:rPr lang="en-US" sz="1400" b="0" strike="noStrike" spc="-1">
+                <a:solidFill>
+                  <a:srgbClr val="000000"/>
+                </a:solidFill>
+                <a:latin typeface="Tahoma"/>
+                <a:ea typeface="Tahoma"/>
+              </a:rPr>
+              <a:t>Return at most 10 documents</a:t>
+            </a:r>
+            <a:endParaRPr lang="en-US" sz="1400" b="0" strike="noStrike" spc="-1">
+              <a:latin typeface="Arial"/>
+            </a:endParaRPr>
+          </a:p>
+        </p:txBody>
+      </p:sp>
+      <p:sp>
+        <p:nvSpPr>
+          <p:cNvPr id="343" name="CustomShape 5"/>
+          <p:cNvSpPr/>
+          <p:nvPr/>
+        </p:nvSpPr>
+        <p:spPr>
+          <a:xfrm>
+            <a:off x="1130400" y="3372120"/>
+            <a:ext cx="3459600" cy="464040"/>
+          </a:xfrm>
+          <a:prstGeom prst="rect">
+            <a:avLst/>
+          </a:prstGeom>
+          <a:noFill/>
+          <a:ln w="28440">
+            <a:solidFill>
+              <a:schemeClr val="accent2">
+                <a:lumMod val="20000"/>
+                <a:lumOff val="80000"/>
+              </a:schemeClr>
+            </a:solidFill>
+            <a:miter/>
+          </a:ln>
+        </p:spPr>
+        <p:style>
+          <a:lnRef idx="0">
+            <a:scrgbClr r="0" g="0" b="0"/>
+          </a:lnRef>
+          <a:fillRef idx="0">
+            <a:scrgbClr r="0" g="0" b="0"/>
+          </a:fillRef>
+          <a:effectRef idx="0">
+            <a:scrgbClr r="0" g="0" b="0"/>
+          </a:effectRef>
+          <a:fontRef idx="minor"/>
+        </p:style>
+        <p:txBody>
+          <a:bodyPr lIns="84960" tIns="42480" rIns="84960" bIns="42480" anchor="ctr">
+            <a:noAutofit/>
+          </a:bodyPr>
+          <a:lstStyle/>
+          <a:p>
+            <a:pPr>
+              <a:lnSpc>
+                <a:spcPct val="100000"/>
+              </a:lnSpc>
+            </a:pPr>
+            <a:r>
+              <a:rPr lang="en-US" sz="1600" b="0" strike="noStrike" spc="-1">
+                <a:solidFill>
+                  <a:srgbClr val="000000"/>
+                </a:solidFill>
+                <a:latin typeface="Courier New"/>
+                <a:ea typeface="ＭＳ Ｐゴシック"/>
+              </a:rPr>
+              <a:t>db.networks.find().skip(5) </a:t>
+            </a:r>
+            <a:endParaRPr lang="en-US" sz="1600" b="0" strike="noStrike" spc="-1">
+              <a:latin typeface="Arial"/>
+            </a:endParaRPr>
+          </a:p>
+        </p:txBody>
+      </p:sp>
+      <p:sp>
+        <p:nvSpPr>
+          <p:cNvPr id="344" name="CustomShape 6"/>
+          <p:cNvSpPr/>
+          <p:nvPr/>
+        </p:nvSpPr>
+        <p:spPr>
+          <a:xfrm>
+            <a:off x="5850360" y="3238920"/>
+            <a:ext cx="2059920" cy="500760"/>
+          </a:xfrm>
+          <a:prstGeom prst="wedgeRectCallout">
+            <a:avLst>
+              <a:gd name="adj1" fmla="val -107408"/>
+              <a:gd name="adj2" fmla="val 29659"/>
+            </a:avLst>
+          </a:prstGeom>
+          <a:solidFill>
+            <a:schemeClr val="accent2">
+              <a:lumMod val="20000"/>
+              <a:lumOff val="80000"/>
+            </a:schemeClr>
+          </a:solidFill>
+          <a:ln>
+            <a:solidFill>
+              <a:schemeClr val="accent2">
+                <a:lumMod val="20000"/>
+                <a:lumOff val="80000"/>
+              </a:schemeClr>
+            </a:solidFill>
+            <a:round/>
+          </a:ln>
+          <a:effectLst>
+            <a:outerShdw blurRad="40000" dist="23040" dir="5400000" rotWithShape="0">
+              <a:srgbClr val="000000">
+                <a:alpha val="35000"/>
+              </a:srgbClr>
+            </a:outerShdw>
+          </a:effectLst>
+        </p:spPr>
+        <p:style>
+          <a:lnRef idx="1">
+            <a:schemeClr val="accent1"/>
+          </a:lnRef>
+          <a:fillRef idx="3">
+            <a:schemeClr val="accent1"/>
+          </a:fillRef>
+          <a:effectRef idx="2">
+            <a:schemeClr val="accent1"/>
+          </a:effectRef>
+          <a:fontRef idx="minor"/>
+        </p:style>
+        <p:txBody>
+          <a:bodyPr lIns="90000" tIns="45000" rIns="90000" bIns="45000" anchor="ctr">
+            <a:noAutofit/>
+          </a:bodyPr>
+          <a:lstStyle/>
+          <a:p>
+            <a:pPr algn="ctr">
+              <a:lnSpc>
+                <a:spcPct val="100000"/>
+              </a:lnSpc>
+            </a:pPr>
+            <a:r>
+              <a:rPr lang="en-US" sz="1400" b="0" strike="noStrike" spc="-1">
+                <a:solidFill>
+                  <a:srgbClr val="000000"/>
+                </a:solidFill>
+                <a:latin typeface="Tahoma"/>
+                <a:ea typeface="Tahoma"/>
+              </a:rPr>
+              <a:t>Skip the first five documents</a:t>
+            </a:r>
+            <a:endParaRPr lang="en-US" sz="1400" b="0" strike="noStrike" spc="-1">
+              <a:latin typeface="Arial"/>
+            </a:endParaRPr>
+          </a:p>
+        </p:txBody>
+      </p:sp>
+      <p:sp>
+        <p:nvSpPr>
+          <p:cNvPr id="345" name="CustomShape 7"/>
+          <p:cNvSpPr/>
+          <p:nvPr/>
+        </p:nvSpPr>
+        <p:spPr>
+          <a:xfrm>
+            <a:off x="1110600" y="4636800"/>
+            <a:ext cx="5214600" cy="465480"/>
+          </a:xfrm>
+          <a:prstGeom prst="rect">
+            <a:avLst/>
+          </a:prstGeom>
+          <a:noFill/>
+          <a:ln w="28440">
+            <a:solidFill>
+              <a:schemeClr val="accent2">
+                <a:lumMod val="20000"/>
+                <a:lumOff val="80000"/>
+              </a:schemeClr>
+            </a:solidFill>
+            <a:miter/>
+          </a:ln>
+        </p:spPr>
+        <p:style>
+          <a:lnRef idx="0">
+            <a:scrgbClr r="0" g="0" b="0"/>
+          </a:lnRef>
+          <a:fillRef idx="0">
+            <a:scrgbClr r="0" g="0" b="0"/>
+          </a:fillRef>
+          <a:effectRef idx="0">
+            <a:scrgbClr r="0" g="0" b="0"/>
+          </a:effectRef>
+          <a:fontRef idx="minor"/>
+        </p:style>
+        <p:txBody>
+          <a:bodyPr lIns="84960" tIns="42480" rIns="84960" bIns="42480" anchor="ctr">
+            <a:noAutofit/>
+          </a:bodyPr>
+          <a:lstStyle/>
+          <a:p>
+            <a:pPr>
+              <a:lnSpc>
+                <a:spcPct val="100000"/>
+              </a:lnSpc>
+            </a:pPr>
+            <a:r>
+              <a:rPr lang="en-US" sz="1600" b="0" strike="noStrike" spc="-1">
+                <a:solidFill>
+                  <a:srgbClr val="000000"/>
+                </a:solidFill>
+                <a:latin typeface="Courier New"/>
+                <a:ea typeface="MS PGothic"/>
+              </a:rPr>
+              <a:t>db.networks.find().sort({"address" : </a:t>
+            </a:r>
+            <a:r>
+              <a:rPr lang="en-US" sz="1600" b="1" strike="noStrike" spc="-1">
+                <a:solidFill>
+                  <a:srgbClr val="000000"/>
+                </a:solidFill>
+                <a:latin typeface="Courier New"/>
+                <a:ea typeface="MS PGothic"/>
+              </a:rPr>
+              <a:t>1</a:t>
+            </a:r>
+            <a:r>
+              <a:rPr lang="en-US" sz="1600" b="0" strike="noStrike" spc="-1">
+                <a:solidFill>
+                  <a:srgbClr val="000000"/>
+                </a:solidFill>
+                <a:latin typeface="Courier New"/>
+                <a:ea typeface="MS PGothic"/>
+              </a:rPr>
+              <a:t>}) </a:t>
+            </a:r>
+            <a:endParaRPr lang="en-US" sz="1600" b="0" strike="noStrike" spc="-1">
+              <a:latin typeface="Arial"/>
+            </a:endParaRPr>
+          </a:p>
+        </p:txBody>
+      </p:sp>
+      <p:sp>
+        <p:nvSpPr>
+          <p:cNvPr id="346" name="CustomShape 8"/>
+          <p:cNvSpPr/>
+          <p:nvPr/>
+        </p:nvSpPr>
+        <p:spPr>
+          <a:xfrm>
+            <a:off x="6695280" y="4539960"/>
+            <a:ext cx="2059920" cy="496440"/>
+          </a:xfrm>
+          <a:prstGeom prst="wedgeRectCallout">
+            <a:avLst>
+              <a:gd name="adj1" fmla="val -64169"/>
+              <a:gd name="adj2" fmla="val 17804"/>
+            </a:avLst>
+          </a:prstGeom>
+          <a:solidFill>
+            <a:schemeClr val="accent2">
+              <a:lumMod val="20000"/>
+              <a:lumOff val="80000"/>
+            </a:schemeClr>
+          </a:solidFill>
+          <a:ln>
+            <a:solidFill>
+              <a:schemeClr val="accent2">
+                <a:lumMod val="20000"/>
+                <a:lumOff val="80000"/>
+              </a:schemeClr>
+            </a:solidFill>
+            <a:round/>
+          </a:ln>
+          <a:effectLst>
+            <a:outerShdw blurRad="40000" dist="23040" dir="5400000" rotWithShape="0">
+              <a:srgbClr val="000000">
+                <a:alpha val="35000"/>
+              </a:srgbClr>
+            </a:outerShdw>
+          </a:effectLst>
+        </p:spPr>
+        <p:style>
+          <a:lnRef idx="1">
+            <a:schemeClr val="accent1"/>
+          </a:lnRef>
+          <a:fillRef idx="3">
+            <a:schemeClr val="accent1"/>
+          </a:fillRef>
+          <a:effectRef idx="2">
+            <a:schemeClr val="accent1"/>
+          </a:effectRef>
+          <a:fontRef idx="minor"/>
+        </p:style>
+        <p:txBody>
+          <a:bodyPr lIns="90000" tIns="45000" rIns="90000" bIns="45000" anchor="ctr">
+            <a:noAutofit/>
+          </a:bodyPr>
+          <a:lstStyle/>
+          <a:p>
+            <a:pPr algn="ctr">
+              <a:lnSpc>
+                <a:spcPct val="100000"/>
+              </a:lnSpc>
+            </a:pPr>
+            <a:r>
+              <a:rPr lang="en-US" sz="1400" b="0" strike="noStrike" spc="-1">
+                <a:solidFill>
+                  <a:srgbClr val="000000"/>
+                </a:solidFill>
+                <a:latin typeface="Tahoma"/>
+                <a:ea typeface="Tahoma"/>
+              </a:rPr>
+              <a:t>Sort on address ascending</a:t>
+            </a:r>
+            <a:endParaRPr lang="en-US" sz="1400" b="0" strike="noStrike" spc="-1">
+              <a:latin typeface="Arial"/>
+            </a:endParaRPr>
+          </a:p>
+        </p:txBody>
+      </p:sp>
+      <p:sp>
+        <p:nvSpPr>
+          <p:cNvPr id="347" name="CustomShape 9"/>
+          <p:cNvSpPr/>
+          <p:nvPr/>
+        </p:nvSpPr>
+        <p:spPr>
+          <a:xfrm>
+            <a:off x="1123920" y="5435280"/>
+            <a:ext cx="5213160" cy="464040"/>
+          </a:xfrm>
+          <a:prstGeom prst="rect">
+            <a:avLst/>
+          </a:prstGeom>
+          <a:noFill/>
+          <a:ln w="28440">
+            <a:solidFill>
+              <a:schemeClr val="accent2">
+                <a:lumMod val="20000"/>
+                <a:lumOff val="80000"/>
+              </a:schemeClr>
+            </a:solidFill>
+            <a:miter/>
+          </a:ln>
+        </p:spPr>
+        <p:style>
+          <a:lnRef idx="0">
+            <a:scrgbClr r="0" g="0" b="0"/>
+          </a:lnRef>
+          <a:fillRef idx="0">
+            <a:scrgbClr r="0" g="0" b="0"/>
+          </a:fillRef>
+          <a:effectRef idx="0">
+            <a:scrgbClr r="0" g="0" b="0"/>
+          </a:effectRef>
+          <a:fontRef idx="minor"/>
+        </p:style>
+        <p:txBody>
+          <a:bodyPr lIns="84960" tIns="42480" rIns="84960" bIns="42480" anchor="ctr">
+            <a:noAutofit/>
+          </a:bodyPr>
+          <a:lstStyle/>
+          <a:p>
+            <a:pPr>
+              <a:lnSpc>
+                <a:spcPct val="100000"/>
+              </a:lnSpc>
+            </a:pPr>
+            <a:r>
+              <a:rPr lang="en-US" sz="1600" b="0" strike="noStrike" spc="-1">
+                <a:solidFill>
+                  <a:srgbClr val="000000"/>
+                </a:solidFill>
+                <a:latin typeface="Courier New"/>
+                <a:ea typeface="MS PGothic"/>
+              </a:rPr>
+              <a:t>db.networks.find().sort({"address" : </a:t>
+            </a:r>
+            <a:r>
+              <a:rPr lang="en-US" sz="1600" b="1" strike="noStrike" spc="-1">
+                <a:solidFill>
+                  <a:srgbClr val="000000"/>
+                </a:solidFill>
+                <a:latin typeface="Courier New"/>
+                <a:ea typeface="MS PGothic"/>
+              </a:rPr>
+              <a:t>-1</a:t>
+            </a:r>
+            <a:r>
+              <a:rPr lang="en-US" sz="1600" b="0" strike="noStrike" spc="-1">
+                <a:solidFill>
+                  <a:srgbClr val="000000"/>
+                </a:solidFill>
+                <a:latin typeface="Courier New"/>
+                <a:ea typeface="MS PGothic"/>
+              </a:rPr>
+              <a:t>}) </a:t>
+            </a:r>
+            <a:endParaRPr lang="en-US" sz="1600" b="0" strike="noStrike" spc="-1">
+              <a:latin typeface="Arial"/>
+            </a:endParaRPr>
+          </a:p>
+        </p:txBody>
+      </p:sp>
+      <p:sp>
+        <p:nvSpPr>
+          <p:cNvPr id="348" name="CustomShape 10"/>
+          <p:cNvSpPr/>
+          <p:nvPr/>
+        </p:nvSpPr>
+        <p:spPr>
+          <a:xfrm>
+            <a:off x="6706800" y="5369400"/>
+            <a:ext cx="2059920" cy="464040"/>
+          </a:xfrm>
+          <a:prstGeom prst="wedgeRectCallout">
+            <a:avLst>
+              <a:gd name="adj1" fmla="val -64169"/>
+              <a:gd name="adj2" fmla="val 17804"/>
+            </a:avLst>
+          </a:prstGeom>
+          <a:solidFill>
+            <a:schemeClr val="accent2">
+              <a:lumMod val="20000"/>
+              <a:lumOff val="80000"/>
+            </a:schemeClr>
+          </a:solidFill>
+          <a:ln>
+            <a:solidFill>
+              <a:schemeClr val="accent2">
+                <a:lumMod val="20000"/>
+                <a:lumOff val="80000"/>
+              </a:schemeClr>
+            </a:solidFill>
+            <a:round/>
+          </a:ln>
+          <a:effectLst>
+            <a:outerShdw blurRad="40000" dist="23040" dir="5400000" rotWithShape="0">
+              <a:srgbClr val="000000">
+                <a:alpha val="35000"/>
+              </a:srgbClr>
+            </a:outerShdw>
+          </a:effectLst>
+        </p:spPr>
+        <p:style>
+          <a:lnRef idx="1">
+            <a:schemeClr val="accent1"/>
+          </a:lnRef>
+          <a:fillRef idx="3">
+            <a:schemeClr val="accent1"/>
+          </a:fillRef>
+          <a:effectRef idx="2">
+            <a:schemeClr val="accent1"/>
+          </a:effectRef>
+          <a:fontRef idx="minor"/>
+        </p:style>
+        <p:txBody>
+          <a:bodyPr lIns="90000" tIns="45000" rIns="90000" bIns="45000" anchor="ctr">
+            <a:noAutofit/>
+          </a:bodyPr>
+          <a:lstStyle/>
+          <a:p>
+            <a:pPr algn="ctr">
+              <a:lnSpc>
+                <a:spcPct val="100000"/>
+              </a:lnSpc>
+            </a:pPr>
+            <a:r>
+              <a:rPr lang="en-US" sz="1400" b="0" strike="noStrike" spc="-1">
+                <a:solidFill>
+                  <a:srgbClr val="000000"/>
+                </a:solidFill>
+                <a:latin typeface="Tahoma"/>
+                <a:ea typeface="Tahoma"/>
+              </a:rPr>
+              <a:t>Sort on address descending</a:t>
+            </a:r>
+            <a:endParaRPr lang="en-US" sz="1400" b="0" strike="noStrike" spc="-1">
+              <a:latin typeface="Arial"/>
+            </a:endParaRPr>
+          </a:p>
+        </p:txBody>
+      </p:sp>
+    </p:spTree>
+    <p:extLst>
+      <p:ext uri="{BB962C8B-B14F-4D97-AF65-F5344CB8AC3E}">
+        <p14:creationId xmlns:p14="http://schemas.microsoft.com/office/powerpoint/2010/main" val="3354011888"/>
+      </p:ext>
+    </p:extLst>
+  </p:cSld>
+  <p:clrMapOvr>
+    <a:masterClrMapping/>
+  </p:clrMapOvr>
+</p:sld>
+</file>
+
+<file path=ppt/slides/slide25.xml><?xml version="1.0" encoding="utf-8"?>
 <p:sld xmlns:a="http://schemas.openxmlformats.org/drawingml/2006/main" xmlns:r="http://schemas.openxmlformats.org/officeDocument/2006/relationships" xmlns:p="http://schemas.openxmlformats.org/presentationml/2006/main">
   <p:cSld>
     <p:spTree>
@@ -13294,7 +16175,7 @@
 </p:sld>
 </file>
 
-<file path=ppt/slides/slide22.xml><?xml version="1.0" encoding="utf-8"?>
+<file path=ppt/slides/slide26.xml><?xml version="1.0" encoding="utf-8"?>
 <p:sld xmlns:a="http://schemas.openxmlformats.org/drawingml/2006/main" xmlns:r="http://schemas.openxmlformats.org/officeDocument/2006/relationships" xmlns:p="http://schemas.openxmlformats.org/presentationml/2006/main">
   <p:cSld>
     <p:spTree>
@@ -13679,7 +16560,7 @@
 </p:sld>
 </file>
 
-<file path=ppt/slides/slide23.xml><?xml version="1.0" encoding="utf-8"?>
+<file path=ppt/slides/slide27.xml><?xml version="1.0" encoding="utf-8"?>
 <p:sld xmlns:a="http://schemas.openxmlformats.org/drawingml/2006/main" xmlns:r="http://schemas.openxmlformats.org/officeDocument/2006/relationships" xmlns:p="http://schemas.openxmlformats.org/presentationml/2006/main">
   <p:cSld>
     <p:spTree>
@@ -13935,7 +16816,7 @@
 </p:sld>
 </file>
 
-<file path=ppt/slides/slide24.xml><?xml version="1.0" encoding="utf-8"?>
+<file path=ppt/slides/slide28.xml><?xml version="1.0" encoding="utf-8"?>
 <p:sld xmlns:a="http://schemas.openxmlformats.org/drawingml/2006/main" xmlns:r="http://schemas.openxmlformats.org/officeDocument/2006/relationships" xmlns:p="http://schemas.openxmlformats.org/presentationml/2006/main">
   <p:cSld>
     <p:spTree>
@@ -14090,7 +16971,7 @@
 </p:sld>
 </file>
 
-<file path=ppt/slides/slide25.xml><?xml version="1.0" encoding="utf-8"?>
+<file path=ppt/slides/slide29.xml><?xml version="1.0" encoding="utf-8"?>
 <p:sld xmlns:a="http://schemas.openxmlformats.org/drawingml/2006/main" xmlns:r="http://schemas.openxmlformats.org/officeDocument/2006/relationships" xmlns:p="http://schemas.openxmlformats.org/presentationml/2006/main">
   <p:cSld>
     <p:spTree>
@@ -14407,212 +17288,6 @@
 </p:sld>
 </file>
 
-<file path=ppt/slides/slide26.xml><?xml version="1.0" encoding="utf-8"?>
-<p:sld xmlns:a="http://schemas.openxmlformats.org/drawingml/2006/main" xmlns:r="http://schemas.openxmlformats.org/officeDocument/2006/relationships" xmlns:p="http://schemas.openxmlformats.org/presentationml/2006/main">
-  <p:cSld>
-    <p:spTree>
-      <p:nvGrpSpPr>
-        <p:cNvPr id="1" name=""/>
-        <p:cNvGrpSpPr/>
-        <p:nvPr/>
-      </p:nvGrpSpPr>
-      <p:grpSpPr>
-        <a:xfrm>
-          <a:off x="0" y="0"/>
-          <a:ext cx="0" cy="0"/>
-          <a:chOff x="0" y="0"/>
-          <a:chExt cx="0" cy="0"/>
-        </a:xfrm>
-      </p:grpSpPr>
-      <p:sp>
-        <p:nvSpPr>
-          <p:cNvPr id="5" name="Content Placeholder 4">
-            <a:extLst>
-              <a:ext uri="{FF2B5EF4-FFF2-40B4-BE49-F238E27FC236}">
-                <a16:creationId xmlns:a16="http://schemas.microsoft.com/office/drawing/2014/main" id="{924D1F5C-6FD5-43A4-9681-DCCA7955B8EE}"/>
-              </a:ext>
-            </a:extLst>
-          </p:cNvPr>
-          <p:cNvSpPr>
-            <a:spLocks noGrp="1"/>
-          </p:cNvSpPr>
-          <p:nvPr>
-            <p:ph idx="1"/>
-          </p:nvPr>
-        </p:nvSpPr>
-        <p:spPr/>
-        <p:txBody>
-          <a:bodyPr/>
-          <a:lstStyle/>
-          <a:p>
-            <a:pPr marL="0" indent="0">
-              <a:lnSpc>
-                <a:spcPct val="100000"/>
-              </a:lnSpc>
-              <a:spcBef>
-                <a:spcPts val="1199"/>
-              </a:spcBef>
-              <a:buNone/>
-            </a:pPr>
-            <a:r>
-              <a:rPr lang="en-US" spc="-1" dirty="0">
-                <a:solidFill>
-                  <a:srgbClr val="000000"/>
-                </a:solidFill>
-                <a:latin typeface="Tahoma"/>
-                <a:ea typeface="Tahoma"/>
-              </a:rPr>
-              <a:t>In this chapter, we have:</a:t>
-            </a:r>
-            <a:endParaRPr lang="en-US" spc="-1" dirty="0">
-              <a:solidFill>
-                <a:srgbClr val="000000"/>
-              </a:solidFill>
-              <a:latin typeface="Tahoma"/>
-            </a:endParaRPr>
-          </a:p>
-          <a:p>
-            <a:pPr indent="-228240">
-              <a:spcBef>
-                <a:spcPts val="1199"/>
-              </a:spcBef>
-              <a:buSzPct val="100045"/>
-            </a:pPr>
-            <a:r>
-              <a:rPr lang="en-US" spc="-1" dirty="0">
-                <a:solidFill>
-                  <a:srgbClr val="000000"/>
-                </a:solidFill>
-                <a:latin typeface="Tahoma"/>
-                <a:ea typeface="Tahoma"/>
-              </a:rPr>
-              <a:t>Discussed NoSQL </a:t>
-            </a:r>
-            <a:endParaRPr lang="en-US" spc="-1" dirty="0">
-              <a:solidFill>
-                <a:srgbClr val="000000"/>
-              </a:solidFill>
-              <a:latin typeface="Tahoma"/>
-            </a:endParaRPr>
-          </a:p>
-          <a:p>
-            <a:pPr indent="-228240">
-              <a:spcBef>
-                <a:spcPts val="1199"/>
-              </a:spcBef>
-              <a:buSzPct val="100045"/>
-            </a:pPr>
-            <a:r>
-              <a:rPr lang="en-US" spc="-1" dirty="0">
-                <a:solidFill>
-                  <a:srgbClr val="000000"/>
-                </a:solidFill>
-                <a:latin typeface="Tahoma"/>
-                <a:ea typeface="Tahoma"/>
-              </a:rPr>
-              <a:t>Introduced Cassandra and Mongo</a:t>
-            </a:r>
-            <a:endParaRPr lang="en-US" spc="-1" dirty="0">
-              <a:solidFill>
-                <a:srgbClr val="000000"/>
-              </a:solidFill>
-              <a:latin typeface="Tahoma"/>
-            </a:endParaRPr>
-          </a:p>
-          <a:p>
-            <a:pPr indent="-228240">
-              <a:spcBef>
-                <a:spcPts val="1199"/>
-              </a:spcBef>
-              <a:buSzPct val="100045"/>
-            </a:pPr>
-            <a:r>
-              <a:rPr lang="en-US" spc="-1" dirty="0">
-                <a:solidFill>
-                  <a:srgbClr val="000000"/>
-                </a:solidFill>
-                <a:latin typeface="Tahoma"/>
-                <a:ea typeface="Tahoma"/>
-              </a:rPr>
-              <a:t>Used Python to access Cassandra and Mongo directly</a:t>
-            </a:r>
-            <a:endParaRPr lang="en-US" spc="-1" dirty="0">
-              <a:solidFill>
-                <a:srgbClr val="000000"/>
-              </a:solidFill>
-              <a:latin typeface="Tahoma"/>
-            </a:endParaRPr>
-          </a:p>
-          <a:p>
-            <a:pPr indent="-228240">
-              <a:spcBef>
-                <a:spcPts val="1199"/>
-              </a:spcBef>
-              <a:buSzPct val="100045"/>
-            </a:pPr>
-            <a:r>
-              <a:rPr lang="en-US" spc="-1" dirty="0">
-                <a:solidFill>
-                  <a:srgbClr val="000000"/>
-                </a:solidFill>
-                <a:latin typeface="Tahoma"/>
-                <a:ea typeface="Tahoma"/>
-              </a:rPr>
-              <a:t>Used Spark to read and write to Cassandra and Mongo</a:t>
-            </a:r>
-            <a:endParaRPr lang="en-US" spc="-1" dirty="0">
-              <a:solidFill>
-                <a:srgbClr val="000000"/>
-              </a:solidFill>
-              <a:latin typeface="Tahoma"/>
-            </a:endParaRPr>
-          </a:p>
-          <a:p>
-            <a:endParaRPr lang="en-US" dirty="0"/>
-          </a:p>
-        </p:txBody>
-      </p:sp>
-      <p:sp>
-        <p:nvSpPr>
-          <p:cNvPr id="4" name="Title 3">
-            <a:extLst>
-              <a:ext uri="{FF2B5EF4-FFF2-40B4-BE49-F238E27FC236}">
-                <a16:creationId xmlns:a16="http://schemas.microsoft.com/office/drawing/2014/main" id="{A2378452-EB14-4B88-ABDD-B02518DA6530}"/>
-              </a:ext>
-            </a:extLst>
-          </p:cNvPr>
-          <p:cNvSpPr>
-            <a:spLocks noGrp="1"/>
-          </p:cNvSpPr>
-          <p:nvPr>
-            <p:ph type="title"/>
-          </p:nvPr>
-        </p:nvSpPr>
-        <p:spPr/>
-        <p:txBody>
-          <a:bodyPr/>
-          <a:lstStyle/>
-          <a:p>
-            <a:r>
-              <a:rPr lang="en-US" dirty="0"/>
-              <a:t>Chapter Summary</a:t>
-            </a:r>
-          </a:p>
-        </p:txBody>
-      </p:sp>
-    </p:spTree>
-    <p:extLst>
-      <p:ext uri="{BB962C8B-B14F-4D97-AF65-F5344CB8AC3E}">
-        <p14:creationId xmlns:p14="http://schemas.microsoft.com/office/powerpoint/2010/main" val="354597309"/>
-      </p:ext>
-    </p:extLst>
-  </p:cSld>
-  <p:clrMapOvr>
-    <a:masterClrMapping/>
-  </p:clrMapOvr>
-</p:sld>
-</file>
-
 <file path=ppt/slides/slide3.xml><?xml version="1.0" encoding="utf-8"?>
 <p:sld xmlns:a="http://schemas.openxmlformats.org/drawingml/2006/main" xmlns:r="http://schemas.openxmlformats.org/officeDocument/2006/relationships" xmlns:p="http://schemas.openxmlformats.org/presentationml/2006/main">
   <p:cSld>
@@ -14918,6 +17593,212 @@
     <p:extLst>
       <p:ext uri="{BB962C8B-B14F-4D97-AF65-F5344CB8AC3E}">
         <p14:creationId xmlns:p14="http://schemas.microsoft.com/office/powerpoint/2010/main" val="1397886944"/>
+      </p:ext>
+    </p:extLst>
+  </p:cSld>
+  <p:clrMapOvr>
+    <a:masterClrMapping/>
+  </p:clrMapOvr>
+</p:sld>
+</file>
+
+<file path=ppt/slides/slide30.xml><?xml version="1.0" encoding="utf-8"?>
+<p:sld xmlns:a="http://schemas.openxmlformats.org/drawingml/2006/main" xmlns:r="http://schemas.openxmlformats.org/officeDocument/2006/relationships" xmlns:p="http://schemas.openxmlformats.org/presentationml/2006/main">
+  <p:cSld>
+    <p:spTree>
+      <p:nvGrpSpPr>
+        <p:cNvPr id="1" name=""/>
+        <p:cNvGrpSpPr/>
+        <p:nvPr/>
+      </p:nvGrpSpPr>
+      <p:grpSpPr>
+        <a:xfrm>
+          <a:off x="0" y="0"/>
+          <a:ext cx="0" cy="0"/>
+          <a:chOff x="0" y="0"/>
+          <a:chExt cx="0" cy="0"/>
+        </a:xfrm>
+      </p:grpSpPr>
+      <p:sp>
+        <p:nvSpPr>
+          <p:cNvPr id="5" name="Content Placeholder 4">
+            <a:extLst>
+              <a:ext uri="{FF2B5EF4-FFF2-40B4-BE49-F238E27FC236}">
+                <a16:creationId xmlns:a16="http://schemas.microsoft.com/office/drawing/2014/main" id="{924D1F5C-6FD5-43A4-9681-DCCA7955B8EE}"/>
+              </a:ext>
+            </a:extLst>
+          </p:cNvPr>
+          <p:cNvSpPr>
+            <a:spLocks noGrp="1"/>
+          </p:cNvSpPr>
+          <p:nvPr>
+            <p:ph idx="1"/>
+          </p:nvPr>
+        </p:nvSpPr>
+        <p:spPr/>
+        <p:txBody>
+          <a:bodyPr/>
+          <a:lstStyle/>
+          <a:p>
+            <a:pPr marL="0" indent="0">
+              <a:lnSpc>
+                <a:spcPct val="100000"/>
+              </a:lnSpc>
+              <a:spcBef>
+                <a:spcPts val="1199"/>
+              </a:spcBef>
+              <a:buNone/>
+            </a:pPr>
+            <a:r>
+              <a:rPr lang="en-US" spc="-1" dirty="0">
+                <a:solidFill>
+                  <a:srgbClr val="000000"/>
+                </a:solidFill>
+                <a:latin typeface="Tahoma"/>
+                <a:ea typeface="Tahoma"/>
+              </a:rPr>
+              <a:t>In this chapter, we have:</a:t>
+            </a:r>
+            <a:endParaRPr lang="en-US" spc="-1" dirty="0">
+              <a:solidFill>
+                <a:srgbClr val="000000"/>
+              </a:solidFill>
+              <a:latin typeface="Tahoma"/>
+            </a:endParaRPr>
+          </a:p>
+          <a:p>
+            <a:pPr indent="-228240">
+              <a:spcBef>
+                <a:spcPts val="1199"/>
+              </a:spcBef>
+              <a:buSzPct val="100045"/>
+            </a:pPr>
+            <a:r>
+              <a:rPr lang="en-US" spc="-1" dirty="0">
+                <a:solidFill>
+                  <a:srgbClr val="000000"/>
+                </a:solidFill>
+                <a:latin typeface="Tahoma"/>
+                <a:ea typeface="Tahoma"/>
+              </a:rPr>
+              <a:t>Discussed NoSQL </a:t>
+            </a:r>
+            <a:endParaRPr lang="en-US" spc="-1" dirty="0">
+              <a:solidFill>
+                <a:srgbClr val="000000"/>
+              </a:solidFill>
+              <a:latin typeface="Tahoma"/>
+            </a:endParaRPr>
+          </a:p>
+          <a:p>
+            <a:pPr indent="-228240">
+              <a:spcBef>
+                <a:spcPts val="1199"/>
+              </a:spcBef>
+              <a:buSzPct val="100045"/>
+            </a:pPr>
+            <a:r>
+              <a:rPr lang="en-US" spc="-1" dirty="0">
+                <a:solidFill>
+                  <a:srgbClr val="000000"/>
+                </a:solidFill>
+                <a:latin typeface="Tahoma"/>
+                <a:ea typeface="Tahoma"/>
+              </a:rPr>
+              <a:t>Introduced Cassandra and Mongo</a:t>
+            </a:r>
+            <a:endParaRPr lang="en-US" spc="-1" dirty="0">
+              <a:solidFill>
+                <a:srgbClr val="000000"/>
+              </a:solidFill>
+              <a:latin typeface="Tahoma"/>
+            </a:endParaRPr>
+          </a:p>
+          <a:p>
+            <a:pPr indent="-228240">
+              <a:spcBef>
+                <a:spcPts val="1199"/>
+              </a:spcBef>
+              <a:buSzPct val="100045"/>
+            </a:pPr>
+            <a:r>
+              <a:rPr lang="en-US" spc="-1" dirty="0">
+                <a:solidFill>
+                  <a:srgbClr val="000000"/>
+                </a:solidFill>
+                <a:latin typeface="Tahoma"/>
+                <a:ea typeface="Tahoma"/>
+              </a:rPr>
+              <a:t>Used Python to access Cassandra and Mongo directly</a:t>
+            </a:r>
+            <a:endParaRPr lang="en-US" spc="-1" dirty="0">
+              <a:solidFill>
+                <a:srgbClr val="000000"/>
+              </a:solidFill>
+              <a:latin typeface="Tahoma"/>
+            </a:endParaRPr>
+          </a:p>
+          <a:p>
+            <a:pPr indent="-228240">
+              <a:spcBef>
+                <a:spcPts val="1199"/>
+              </a:spcBef>
+              <a:buSzPct val="100045"/>
+            </a:pPr>
+            <a:r>
+              <a:rPr lang="en-US" spc="-1" dirty="0">
+                <a:solidFill>
+                  <a:srgbClr val="000000"/>
+                </a:solidFill>
+                <a:latin typeface="Tahoma"/>
+                <a:ea typeface="Tahoma"/>
+              </a:rPr>
+              <a:t>Used Spark to read and write to Cassandra and Mongo</a:t>
+            </a:r>
+            <a:endParaRPr lang="en-US" spc="-1" dirty="0">
+              <a:solidFill>
+                <a:srgbClr val="000000"/>
+              </a:solidFill>
+              <a:latin typeface="Tahoma"/>
+            </a:endParaRPr>
+          </a:p>
+          <a:p>
+            <a:endParaRPr lang="en-US" dirty="0"/>
+          </a:p>
+        </p:txBody>
+      </p:sp>
+      <p:sp>
+        <p:nvSpPr>
+          <p:cNvPr id="4" name="Title 3">
+            <a:extLst>
+              <a:ext uri="{FF2B5EF4-FFF2-40B4-BE49-F238E27FC236}">
+                <a16:creationId xmlns:a16="http://schemas.microsoft.com/office/drawing/2014/main" id="{A2378452-EB14-4B88-ABDD-B02518DA6530}"/>
+              </a:ext>
+            </a:extLst>
+          </p:cNvPr>
+          <p:cNvSpPr>
+            <a:spLocks noGrp="1"/>
+          </p:cNvSpPr>
+          <p:nvPr>
+            <p:ph type="title"/>
+          </p:nvPr>
+        </p:nvSpPr>
+        <p:spPr/>
+        <p:txBody>
+          <a:bodyPr/>
+          <a:lstStyle/>
+          <a:p>
+            <a:r>
+              <a:rPr lang="en-US" dirty="0"/>
+              <a:t>Chapter Summary</a:t>
+            </a:r>
+          </a:p>
+        </p:txBody>
+      </p:sp>
+    </p:spTree>
+    <p:extLst>
+      <p:ext uri="{BB962C8B-B14F-4D97-AF65-F5344CB8AC3E}">
+        <p14:creationId xmlns:p14="http://schemas.microsoft.com/office/powerpoint/2010/main" val="354597309"/>
       </p:ext>
     </p:extLst>
   </p:cSld>
@@ -18062,6 +20943,20 @@
 </file>
 
 <file path=customXml/item1.xml><?xml version="1.0" encoding="utf-8"?>
+<p:properties xmlns:p="http://schemas.microsoft.com/office/2006/metadata/properties" xmlns:xsi="http://www.w3.org/2001/XMLSchema-instance" xmlns:pc="http://schemas.microsoft.com/office/infopath/2007/PartnerControls">
+  <documentManagement>
+    <_dlc_DocId xmlns="037063e9-a85e-4c78-8627-f1a9315663e5">EVEA5JW6U4JV-6-9119</_dlc_DocId>
+    <_dlc_DocIdUrl xmlns="037063e9-a85e-4c78-8627-f1a9315663e5">
+      <Url>https://portal.roitraining.com/Courses/_layouts/DocIdRedir.aspx?ID=EVEA5JW6U4JV-6-9119</Url>
+      <Description>EVEA5JW6U4JV-6-9119</Description>
+    </_dlc_DocIdUrl>
+    <Date_x0020_last_x0020_used xmlns="027ed24f-5970-4294-be5c-0919c5aaa214" xsi:nil="true"/>
+    <Customization_x0020_Information xmlns="027ed24f-5970-4294-be5c-0919c5aaa214" xsi:nil="true"/>
+  </documentManagement>
+</p:properties>
+</file>
+
+<file path=customXml/item2.xml><?xml version="1.0" encoding="utf-8"?>
 <ct:contentTypeSchema xmlns:ct="http://schemas.microsoft.com/office/2006/metadata/contentType" xmlns:ma="http://schemas.microsoft.com/office/2006/metadata/properties/metaAttributes" ct:_="" ma:_="" ma:contentTypeName="Document" ma:contentTypeID="0x0101006B08A054FD435346B287BB258D6D8C2A" ma:contentTypeVersion="2" ma:contentTypeDescription="Create a new document." ma:contentTypeScope="" ma:versionID="6146b90b4382322d8952632f355192b7">
   <xsd:schema xmlns:xsd="http://www.w3.org/2001/XMLSchema" xmlns:xs="http://www.w3.org/2001/XMLSchema" xmlns:p="http://schemas.microsoft.com/office/2006/metadata/properties" xmlns:ns2="027ed24f-5970-4294-be5c-0919c5aaa214" xmlns:ns3="037063e9-a85e-4c78-8627-f1a9315663e5" targetNamespace="http://schemas.microsoft.com/office/2006/metadata/properties" ma:root="true" ma:fieldsID="b5d91f802dafd2e22aeea528efbe2d3e" ns2:_="" ns3:_="">
     <xsd:import namespace="027ed24f-5970-4294-be5c-0919c5aaa214"/>
@@ -18227,21 +21122,16 @@
 </ct:contentTypeSchema>
 </file>
 
-<file path=customXml/item2.xml><?xml version="1.0" encoding="utf-8"?>
-<p:properties xmlns:p="http://schemas.microsoft.com/office/2006/metadata/properties" xmlns:xsi="http://www.w3.org/2001/XMLSchema-instance" xmlns:pc="http://schemas.microsoft.com/office/infopath/2007/PartnerControls">
-  <documentManagement>
-    <_dlc_DocId xmlns="037063e9-a85e-4c78-8627-f1a9315663e5">EVEA5JW6U4JV-6-9119</_dlc_DocId>
-    <_dlc_DocIdUrl xmlns="037063e9-a85e-4c78-8627-f1a9315663e5">
-      <Url>https://portal.roitraining.com/Courses/_layouts/DocIdRedir.aspx?ID=EVEA5JW6U4JV-6-9119</Url>
-      <Description>EVEA5JW6U4JV-6-9119</Description>
-    </_dlc_DocIdUrl>
-    <Date_x0020_last_x0020_used xmlns="027ed24f-5970-4294-be5c-0919c5aaa214" xsi:nil="true"/>
-    <Customization_x0020_Information xmlns="027ed24f-5970-4294-be5c-0919c5aaa214" xsi:nil="true"/>
-  </documentManagement>
-</p:properties>
+<file path=customXml/item3.xml><?xml version="1.0" encoding="utf-8"?>
+<?mso-contentType ?>
+<FormTemplates xmlns="http://schemas.microsoft.com/sharepoint/v3/contenttype/forms">
+  <Display>DocumentLibraryForm</Display>
+  <Edit>DocumentLibraryForm</Edit>
+  <New>DocumentLibraryForm</New>
+</FormTemplates>
 </file>
 
-<file path=customXml/item3.xml><?xml version="1.0" encoding="utf-8"?>
+<file path=customXml/item4.xml><?xml version="1.0" encoding="utf-8"?>
 <?mso-contentType ?>
 <spe:Receivers xmlns:spe="http://schemas.microsoft.com/sharepoint/events">
   <Receiver>
@@ -18287,16 +21177,24 @@
 </spe:Receivers>
 </file>
 
-<file path=customXml/item4.xml><?xml version="1.0" encoding="utf-8"?>
-<?mso-contentType ?>
-<FormTemplates xmlns="http://schemas.microsoft.com/sharepoint/v3/contenttype/forms">
-  <Display>DocumentLibraryForm</Display>
-  <Edit>DocumentLibraryForm</Edit>
-  <New>DocumentLibraryForm</New>
-</FormTemplates>
+<file path=customXml/itemProps1.xml><?xml version="1.0" encoding="utf-8"?>
+<ds:datastoreItem xmlns:ds="http://schemas.openxmlformats.org/officeDocument/2006/customXml" ds:itemID="{F47B9207-CE5C-49AD-B414-15CBFA246D65}">
+  <ds:schemaRefs>
+    <ds:schemaRef ds:uri="http://schemas.microsoft.com/office/2006/metadata/properties"/>
+    <ds:schemaRef ds:uri="http://purl.org/dc/terms/"/>
+    <ds:schemaRef ds:uri="http://schemas.microsoft.com/office/2006/documentManagement/types"/>
+    <ds:schemaRef ds:uri="037063e9-a85e-4c78-8627-f1a9315663e5"/>
+    <ds:schemaRef ds:uri="http://www.w3.org/XML/1998/namespace"/>
+    <ds:schemaRef ds:uri="http://purl.org/dc/elements/1.1/"/>
+    <ds:schemaRef ds:uri="http://schemas.microsoft.com/office/infopath/2007/PartnerControls"/>
+    <ds:schemaRef ds:uri="http://schemas.openxmlformats.org/package/2006/metadata/core-properties"/>
+    <ds:schemaRef ds:uri="027ed24f-5970-4294-be5c-0919c5aaa214"/>
+    <ds:schemaRef ds:uri="http://purl.org/dc/dcmitype/"/>
+  </ds:schemaRefs>
+</ds:datastoreItem>
 </file>
 
-<file path=customXml/itemProps1.xml><?xml version="1.0" encoding="utf-8"?>
+<file path=customXml/itemProps2.xml><?xml version="1.0" encoding="utf-8"?>
 <ds:datastoreItem xmlns:ds="http://schemas.openxmlformats.org/officeDocument/2006/customXml" ds:itemID="{99B74BF2-C9AE-43F2-9033-BC16AD17E561}">
   <ds:schemaRefs>
     <ds:schemaRef ds:uri="http://schemas.microsoft.com/office/2006/metadata/contentType"/>
@@ -18315,35 +21213,18 @@
 </ds:datastoreItem>
 </file>
 
-<file path=customXml/itemProps2.xml><?xml version="1.0" encoding="utf-8"?>
-<ds:datastoreItem xmlns:ds="http://schemas.openxmlformats.org/officeDocument/2006/customXml" ds:itemID="{F47B9207-CE5C-49AD-B414-15CBFA246D65}">
+<file path=customXml/itemProps3.xml><?xml version="1.0" encoding="utf-8"?>
+<ds:datastoreItem xmlns:ds="http://schemas.openxmlformats.org/officeDocument/2006/customXml" ds:itemID="{2DA015F3-603C-4688-A5F3-81D587DAB8C9}">
   <ds:schemaRefs>
-    <ds:schemaRef ds:uri="http://schemas.microsoft.com/office/2006/metadata/properties"/>
-    <ds:schemaRef ds:uri="http://purl.org/dc/terms/"/>
-    <ds:schemaRef ds:uri="http://schemas.microsoft.com/office/2006/documentManagement/types"/>
-    <ds:schemaRef ds:uri="037063e9-a85e-4c78-8627-f1a9315663e5"/>
-    <ds:schemaRef ds:uri="http://www.w3.org/XML/1998/namespace"/>
-    <ds:schemaRef ds:uri="http://purl.org/dc/elements/1.1/"/>
-    <ds:schemaRef ds:uri="http://schemas.microsoft.com/office/infopath/2007/PartnerControls"/>
-    <ds:schemaRef ds:uri="http://schemas.openxmlformats.org/package/2006/metadata/core-properties"/>
-    <ds:schemaRef ds:uri="027ed24f-5970-4294-be5c-0919c5aaa214"/>
-    <ds:schemaRef ds:uri="http://purl.org/dc/dcmitype/"/>
+    <ds:schemaRef ds:uri="http://schemas.microsoft.com/sharepoint/v3/contenttype/forms"/>
   </ds:schemaRefs>
 </ds:datastoreItem>
 </file>
 
-<file path=customXml/itemProps3.xml><?xml version="1.0" encoding="utf-8"?>
+<file path=customXml/itemProps4.xml><?xml version="1.0" encoding="utf-8"?>
 <ds:datastoreItem xmlns:ds="http://schemas.openxmlformats.org/officeDocument/2006/customXml" ds:itemID="{B9043294-8302-4947-B882-02D6486F929C}">
   <ds:schemaRefs>
     <ds:schemaRef ds:uri="http://schemas.microsoft.com/sharepoint/events"/>
   </ds:schemaRefs>
 </ds:datastoreItem>
-</file>
-
-<file path=customXml/itemProps4.xml><?xml version="1.0" encoding="utf-8"?>
-<ds:datastoreItem xmlns:ds="http://schemas.openxmlformats.org/officeDocument/2006/customXml" ds:itemID="{2DA015F3-603C-4688-A5F3-81D587DAB8C9}">
-  <ds:schemaRefs>
-    <ds:schemaRef ds:uri="http://schemas.microsoft.com/sharepoint/v3/contenttype/forms"/>
-  </ds:schemaRefs>
-</ds:datastoreItem>
 </file>
--- a/Day4/Day4-NoSQL.pptx
+++ b/Day4/Day4-NoSQL.pptx
@@ -358,7 +358,7 @@
                 <a:ea typeface="Tahoma" pitchFamily="34" charset="0"/>
                 <a:cs typeface="Tahoma" pitchFamily="34" charset="0"/>
               </a:rPr>
-              <a:t>Chapter 5</a:t>
+              <a:t>Chapter 4</a:t>
             </a:r>
           </a:p>
         </p:txBody>
@@ -748,7 +748,7 @@
                 </a:solidFill>
                 <a:latin typeface="Tahoma" pitchFamily="34" charset="0"/>
               </a:rPr>
-              <a:t>Chapter 5-</a:t>
+              <a:t>Chapter 4-</a:t>
             </a:r>
             <a:fld id="{9C58707A-6F60-4D20-8A8B-4F90B88EA4F7}" type="slidenum">
               <a:rPr lang="en-US" sz="1200" smtClean="0">
@@ -2099,7 +2099,7 @@
               </a:lnSpc>
             </a:pPr>
             <a:r>
-              <a:rPr lang="en-US" sz="2000" b="0" strike="noStrike" spc="-1">
+              <a:rPr lang="en-US" sz="2000" b="0" strike="noStrike" spc="-1" dirty="0">
                 <a:latin typeface="Arial"/>
               </a:rPr>
               <a:t>Value for _id in the exclusion list does not matter. It can be any value, but we need to pass a JSON document here.</a:t>
@@ -2119,8 +2119,8 @@
         </p:nvSpPr>
         <p:spPr>
           <a:xfrm>
-            <a:off x="1189080" y="701640"/>
-            <a:ext cx="4676400" cy="3507840"/>
+            <a:off x="1189038" y="701675"/>
+            <a:ext cx="4676775" cy="3508375"/>
           </a:xfrm>
           <a:prstGeom prst="rect">
             <a:avLst/>
@@ -2188,7 +2188,7 @@
               </a:lnSpc>
             </a:pPr>
             <a:r>
-              <a:rPr lang="en-US" sz="2000" b="0" strike="noStrike" spc="-1">
+              <a:rPr lang="en-US" sz="2000" b="0" strike="noStrike" spc="-1" dirty="0">
                 <a:latin typeface="Arial"/>
               </a:rPr>
               <a:t>There is also a $nin operator which returns documents that do not match the values supplied.</a:t>
@@ -2208,8 +2208,8 @@
         </p:nvSpPr>
         <p:spPr>
           <a:xfrm>
-            <a:off x="1189080" y="701640"/>
-            <a:ext cx="4676400" cy="3507840"/>
+            <a:off x="1189038" y="701675"/>
+            <a:ext cx="4676775" cy="3508375"/>
           </a:xfrm>
           <a:prstGeom prst="rect">
             <a:avLst/>
@@ -7301,7 +7301,7 @@
                 </a:solidFill>
                 <a:latin typeface="Tahoma" charset="0"/>
               </a:rPr>
-              <a:t>© 2019</a:t>
+              <a:t>© 2020</a:t>
             </a:r>
             <a:r>
               <a:rPr lang="en-US" sz="700" b="0" baseline="0" dirty="0">
@@ -8311,27 +8311,7 @@
                 <a:latin typeface="Courier New"/>
                 <a:ea typeface="MS PGothic"/>
               </a:rPr>
-              <a:t> describe </a:t>
-            </a:r>
-            <a:r>
-              <a:rPr lang="en-US" sz="1600" b="1" strike="noStrike" spc="-1" dirty="0" err="1">
-                <a:solidFill>
-                  <a:srgbClr val="000000"/>
-                </a:solidFill>
-                <a:latin typeface="Courier New"/>
-                <a:ea typeface="MS PGothic"/>
-              </a:rPr>
-              <a:t>keyspaces</a:t>
-            </a:r>
-            <a:r>
-              <a:rPr lang="en-US" sz="1600" b="1" strike="noStrike" spc="-1" dirty="0">
-                <a:solidFill>
-                  <a:srgbClr val="000000"/>
-                </a:solidFill>
-                <a:latin typeface="Courier New"/>
-                <a:ea typeface="MS PGothic"/>
-              </a:rPr>
-              <a:t>;</a:t>
+              <a:t> describe keyspaces;</a:t>
             </a:r>
             <a:endParaRPr lang="en-US" sz="1600" b="0" strike="noStrike" spc="-1" dirty="0">
               <a:latin typeface="Arial"/>
@@ -8371,27 +8351,7 @@
                 <a:latin typeface="Courier New"/>
                 <a:ea typeface="MS PGothic"/>
               </a:rPr>
-              <a:t> describe </a:t>
-            </a:r>
-            <a:r>
-              <a:rPr lang="en-US" sz="1600" b="1" strike="noStrike" spc="-1" dirty="0" err="1">
-                <a:solidFill>
-                  <a:srgbClr val="000000"/>
-                </a:solidFill>
-                <a:latin typeface="Courier New"/>
-                <a:ea typeface="MS PGothic"/>
-              </a:rPr>
-              <a:t>keyspace</a:t>
-            </a:r>
-            <a:r>
-              <a:rPr lang="en-US" sz="1600" b="1" strike="noStrike" spc="-1" dirty="0">
-                <a:solidFill>
-                  <a:srgbClr val="000000"/>
-                </a:solidFill>
-                <a:latin typeface="Courier New"/>
-                <a:ea typeface="MS PGothic"/>
-              </a:rPr>
-              <a:t> classroom;</a:t>
+              <a:t> describe keyspace classroom;</a:t>
             </a:r>
             <a:endParaRPr lang="en-US" sz="1600" b="0" strike="noStrike" spc="-1" dirty="0">
               <a:latin typeface="Arial"/>
@@ -12988,7 +12948,7 @@
               </a:lnSpc>
             </a:pPr>
             <a:r>
-              <a:rPr lang="en-US" sz="2800" b="1" strike="noStrike" spc="-1">
+              <a:rPr lang="en-US" sz="2800" b="1" strike="noStrike" spc="-1" dirty="0">
                 <a:solidFill>
                   <a:srgbClr val="000000"/>
                 </a:solidFill>
@@ -12997,7 +12957,7 @@
               </a:rPr>
               <a:t>Querying Data</a:t>
             </a:r>
-            <a:endParaRPr lang="en-US" sz="2800" b="0" strike="noStrike" spc="-1">
+            <a:endParaRPr lang="en-US" sz="2800" b="0" strike="noStrike" spc="-1" dirty="0">
               <a:solidFill>
                 <a:srgbClr val="FFFFFF"/>
               </a:solidFill>
@@ -13014,8 +12974,8 @@
         </p:nvSpPr>
         <p:spPr>
           <a:xfrm>
-            <a:off x="728640" y="1263960"/>
-            <a:ext cx="7772040" cy="4937400"/>
+            <a:off x="606175" y="1171254"/>
+            <a:ext cx="7894505" cy="5030106"/>
           </a:xfrm>
           <a:prstGeom prst="rect">
             <a:avLst/>
@@ -13044,7 +13004,7 @@
               </a:buBlip>
             </a:pPr>
             <a:r>
-              <a:rPr lang="en-US" sz="1800" b="0" strike="noStrike" spc="-1">
+              <a:rPr lang="en-US" sz="1800" b="0" strike="noStrike" spc="-1" dirty="0">
                 <a:solidFill>
                   <a:srgbClr val="000000"/>
                 </a:solidFill>
@@ -13054,7 +13014,7 @@
               <a:t>find() </a:t>
             </a:r>
             <a:r>
-              <a:rPr lang="en-US" sz="1800" b="0" strike="noStrike" spc="-1">
+              <a:rPr lang="en-US" sz="1800" b="0" strike="noStrike" spc="-1" dirty="0">
                 <a:solidFill>
                   <a:srgbClr val="000000"/>
                 </a:solidFill>
@@ -13063,7 +13023,7 @@
               </a:rPr>
               <a:t>method is used to perform queries</a:t>
             </a:r>
-            <a:endParaRPr lang="en-US" sz="1800" b="0" strike="noStrike" spc="-1">
+            <a:endParaRPr lang="en-US" sz="1800" b="0" strike="noStrike" spc="-1" dirty="0">
               <a:solidFill>
                 <a:srgbClr val="000000"/>
               </a:solidFill>
@@ -13082,7 +13042,7 @@
               <a:buChar char="–"/>
             </a:pPr>
             <a:r>
-              <a:rPr lang="en-US" sz="1800" b="0" strike="noStrike" spc="-1">
+              <a:rPr lang="en-US" sz="1800" b="0" strike="noStrike" spc="-1" dirty="0">
                 <a:solidFill>
                   <a:srgbClr val="000000"/>
                 </a:solidFill>
@@ -13091,7 +13051,7 @@
               </a:rPr>
               <a:t>Returns a subset of documents in a collection</a:t>
             </a:r>
-            <a:endParaRPr lang="en-US" sz="1800" b="0" strike="noStrike" spc="-1">
+            <a:endParaRPr lang="en-US" sz="1800" b="0" strike="noStrike" spc="-1" dirty="0">
               <a:solidFill>
                 <a:srgbClr val="000000"/>
               </a:solidFill>
@@ -13109,7 +13069,7 @@
               </a:buBlip>
             </a:pPr>
             <a:r>
-              <a:rPr lang="en-US" sz="1800" b="0" strike="noStrike" spc="-1">
+              <a:rPr lang="en-US" sz="1800" b="0" strike="noStrike" spc="-1" dirty="0">
                 <a:solidFill>
                   <a:srgbClr val="000000"/>
                 </a:solidFill>
@@ -13118,7 +13078,7 @@
               </a:rPr>
               <a:t>From no documents to the entire collection</a:t>
             </a:r>
-            <a:endParaRPr lang="en-US" sz="1800" b="0" strike="noStrike" spc="-1">
+            <a:endParaRPr lang="en-US" sz="1800" b="0" strike="noStrike" spc="-1" dirty="0">
               <a:solidFill>
                 <a:srgbClr val="000000"/>
               </a:solidFill>
@@ -13126,7 +13086,7 @@
             </a:endParaRPr>
           </a:p>
           <a:p>
-            <a:endParaRPr lang="en-US" sz="1800" b="0" strike="noStrike" spc="-1">
+            <a:endParaRPr lang="en-US" sz="1800" b="0" strike="noStrike" spc="-1" dirty="0">
               <a:solidFill>
                 <a:srgbClr val="000000"/>
               </a:solidFill>
@@ -13134,7 +13094,7 @@
             </a:endParaRPr>
           </a:p>
           <a:p>
-            <a:endParaRPr lang="en-US" sz="1800" b="0" strike="noStrike" spc="-1">
+            <a:endParaRPr lang="en-US" sz="1800" b="0" strike="noStrike" spc="-1" dirty="0">
               <a:solidFill>
                 <a:srgbClr val="000000"/>
               </a:solidFill>
@@ -13142,7 +13102,7 @@
             </a:endParaRPr>
           </a:p>
           <a:p>
-            <a:endParaRPr lang="en-US" sz="1800" b="0" strike="noStrike" spc="-1">
+            <a:endParaRPr lang="en-US" sz="1800" b="0" strike="noStrike" spc="-1" dirty="0">
               <a:solidFill>
                 <a:srgbClr val="000000"/>
               </a:solidFill>
@@ -13150,7 +13110,7 @@
             </a:endParaRPr>
           </a:p>
           <a:p>
-            <a:endParaRPr lang="en-US" sz="1800" b="0" strike="noStrike" spc="-1">
+            <a:endParaRPr lang="en-US" sz="1800" b="0" strike="noStrike" spc="-1" dirty="0">
               <a:solidFill>
                 <a:srgbClr val="000000"/>
               </a:solidFill>
@@ -13158,7 +13118,7 @@
             </a:endParaRPr>
           </a:p>
           <a:p>
-            <a:endParaRPr lang="en-US" sz="1800" b="0" strike="noStrike" spc="-1">
+            <a:endParaRPr lang="en-US" sz="1800" b="0" strike="noStrike" spc="-1" dirty="0">
               <a:solidFill>
                 <a:srgbClr val="000000"/>
               </a:solidFill>
@@ -13166,7 +13126,7 @@
             </a:endParaRPr>
           </a:p>
           <a:p>
-            <a:endParaRPr lang="en-US" sz="1800" b="0" strike="noStrike" spc="-1">
+            <a:endParaRPr lang="en-US" sz="1800" b="0" strike="noStrike" spc="-1" dirty="0">
               <a:solidFill>
                 <a:srgbClr val="000000"/>
               </a:solidFill>
@@ -13187,7 +13147,7 @@
               </a:buBlip>
             </a:pPr>
             <a:r>
-              <a:rPr lang="en-US" sz="1800" b="0" strike="noStrike" spc="-1">
+              <a:rPr lang="en-US" sz="1800" b="0" strike="noStrike" spc="-1" dirty="0">
                 <a:solidFill>
                   <a:srgbClr val="000000"/>
                 </a:solidFill>
@@ -13196,7 +13156,7 @@
               </a:rPr>
               <a:t>The whole document does not need to be returned</a:t>
             </a:r>
-            <a:endParaRPr lang="en-US" sz="1800" b="0" strike="noStrike" spc="-1">
+            <a:endParaRPr lang="en-US" sz="1800" b="0" strike="noStrike" spc="-1" dirty="0">
               <a:solidFill>
                 <a:srgbClr val="000000"/>
               </a:solidFill>
@@ -13215,7 +13175,7 @@
               <a:buChar char="–"/>
             </a:pPr>
             <a:r>
-              <a:rPr lang="en-US" sz="1800" b="0" strike="noStrike" spc="-1">
+              <a:rPr lang="en-US" sz="1800" b="0" strike="noStrike" spc="-1" dirty="0">
                 <a:solidFill>
                   <a:srgbClr val="000000"/>
                 </a:solidFill>
@@ -13224,7 +13184,7 @@
               </a:rPr>
               <a:t>Second parameter to find can be a document with fields to exclude from search results</a:t>
             </a:r>
-            <a:endParaRPr lang="en-US" sz="1800" b="0" strike="noStrike" spc="-1">
+            <a:endParaRPr lang="en-US" sz="1800" b="0" strike="noStrike" spc="-1" dirty="0">
               <a:solidFill>
                 <a:srgbClr val="000000"/>
               </a:solidFill>
@@ -13232,7 +13192,7 @@
             </a:endParaRPr>
           </a:p>
           <a:p>
-            <a:endParaRPr lang="en-US" sz="1800" b="0" strike="noStrike" spc="-1">
+            <a:endParaRPr lang="en-US" sz="1800" b="0" strike="noStrike" spc="-1" dirty="0">
               <a:solidFill>
                 <a:srgbClr val="000000"/>
               </a:solidFill>
@@ -13240,7 +13200,7 @@
             </a:endParaRPr>
           </a:p>
           <a:p>
-            <a:endParaRPr lang="en-US" sz="1800" b="0" strike="noStrike" spc="-1">
+            <a:endParaRPr lang="en-US" sz="1800" b="0" strike="noStrike" spc="-1" dirty="0">
               <a:solidFill>
                 <a:srgbClr val="000000"/>
               </a:solidFill>
@@ -13297,7 +13257,7 @@
                 <a:spcPct val="100000"/>
               </a:lnSpc>
             </a:pPr>
-            <a:endParaRPr lang="en-US" sz="1800" b="0" strike="noStrike" spc="-1">
+            <a:endParaRPr lang="en-US" sz="1800" b="0" strike="noStrike" spc="-1" dirty="0">
               <a:latin typeface="Arial"/>
             </a:endParaRPr>
           </a:p>
@@ -13308,7 +13268,7 @@
               </a:lnSpc>
             </a:pPr>
             <a:r>
-              <a:rPr lang="en-US" sz="1600" b="0" strike="noStrike" spc="-1">
+              <a:rPr lang="en-US" sz="1600" b="0" strike="noStrike" spc="-1" dirty="0">
                 <a:solidFill>
                   <a:srgbClr val="000000"/>
                 </a:solidFill>
@@ -13317,7 +13277,7 @@
               </a:rPr>
               <a:t>db.networks.find({"address" : "node8"})</a:t>
             </a:r>
-            <a:endParaRPr lang="en-US" sz="1600" b="0" strike="noStrike" spc="-1">
+            <a:endParaRPr lang="en-US" sz="1600" b="0" strike="noStrike" spc="-1" dirty="0">
               <a:latin typeface="Arial"/>
             </a:endParaRPr>
           </a:p>
@@ -13327,7 +13287,7 @@
                 <a:spcPct val="100000"/>
               </a:lnSpc>
             </a:pPr>
-            <a:endParaRPr lang="en-US" sz="1600" b="0" strike="noStrike" spc="-1">
+            <a:endParaRPr lang="en-US" sz="1600" b="0" strike="noStrike" spc="-1" dirty="0">
               <a:latin typeface="Arial"/>
             </a:endParaRPr>
           </a:p>
@@ -13397,7 +13357,7 @@
               </a:lnSpc>
             </a:pPr>
             <a:r>
-              <a:rPr lang="en-US" sz="1400" b="0" strike="noStrike" spc="-1">
+              <a:rPr lang="en-US" sz="1400" b="0" strike="noStrike" spc="-1" dirty="0">
                 <a:solidFill>
                   <a:srgbClr val="000000"/>
                 </a:solidFill>
@@ -13406,7 +13366,7 @@
               </a:rPr>
               <a:t>Find documents with matching address </a:t>
             </a:r>
-            <a:endParaRPr lang="en-US" sz="1400" b="0" strike="noStrike" spc="-1">
+            <a:endParaRPr lang="en-US" sz="1400" b="0" strike="noStrike" spc="-1" dirty="0">
               <a:latin typeface="Arial"/>
             </a:endParaRPr>
           </a:p>
@@ -13460,7 +13420,7 @@
                 <a:spcPct val="100000"/>
               </a:lnSpc>
             </a:pPr>
-            <a:endParaRPr lang="en-US" sz="1800" b="0" strike="noStrike" spc="-1">
+            <a:endParaRPr lang="en-US" sz="1800" b="0" strike="noStrike" spc="-1" dirty="0">
               <a:latin typeface="Arial"/>
             </a:endParaRPr>
           </a:p>
@@ -13471,7 +13431,7 @@
               </a:lnSpc>
             </a:pPr>
             <a:r>
-              <a:rPr lang="en-US" sz="1600" b="0" strike="noStrike" spc="-1">
+              <a:rPr lang="en-US" sz="1600" b="0" strike="noStrike" spc="-1" dirty="0">
                 <a:solidFill>
                   <a:srgbClr val="000000"/>
                 </a:solidFill>
@@ -13480,7 +13440,7 @@
               </a:rPr>
               <a:t>db.networks.find({"address" : "node8"}, {"_id" :0})</a:t>
             </a:r>
-            <a:endParaRPr lang="en-US" sz="1600" b="0" strike="noStrike" spc="-1">
+            <a:endParaRPr lang="en-US" sz="1600" b="0" strike="noStrike" spc="-1" dirty="0">
               <a:latin typeface="Arial"/>
             </a:endParaRPr>
           </a:p>
@@ -13490,7 +13450,7 @@
                 <a:spcPct val="100000"/>
               </a:lnSpc>
             </a:pPr>
-            <a:endParaRPr lang="en-US" sz="1600" b="0" strike="noStrike" spc="-1">
+            <a:endParaRPr lang="en-US" sz="1600" b="0" strike="noStrike" spc="-1" dirty="0">
               <a:latin typeface="Arial"/>
             </a:endParaRPr>
           </a:p>
@@ -13560,7 +13520,7 @@
               </a:lnSpc>
             </a:pPr>
             <a:r>
-              <a:rPr lang="en-US" sz="1400" b="0" strike="noStrike" spc="-1">
+              <a:rPr lang="en-US" sz="1400" b="0" strike="noStrike" spc="-1" dirty="0">
                 <a:solidFill>
                   <a:srgbClr val="000000"/>
                 </a:solidFill>
@@ -13570,7 +13530,7 @@
               <a:t>Exclude </a:t>
             </a:r>
             <a:r>
-              <a:rPr lang="en-US" sz="1400" b="0" strike="noStrike" spc="-1">
+              <a:rPr lang="en-US" sz="1400" b="0" strike="noStrike" spc="-1" dirty="0">
                 <a:solidFill>
                   <a:srgbClr val="000000"/>
                 </a:solidFill>
@@ -13580,7 +13540,7 @@
               <a:t>_id</a:t>
             </a:r>
             <a:r>
-              <a:rPr lang="en-US" sz="1400" b="0" strike="noStrike" spc="-1">
+              <a:rPr lang="en-US" sz="1400" b="0" strike="noStrike" spc="-1" dirty="0">
                 <a:solidFill>
                   <a:srgbClr val="000000"/>
                 </a:solidFill>
@@ -13589,7 +13549,7 @@
               </a:rPr>
               <a:t> from results</a:t>
             </a:r>
-            <a:endParaRPr lang="en-US" sz="1400" b="0" strike="noStrike" spc="-1">
+            <a:endParaRPr lang="en-US" sz="1400" b="0" strike="noStrike" spc="-1" dirty="0">
               <a:latin typeface="Arial"/>
             </a:endParaRPr>
           </a:p>
@@ -13656,7 +13616,7 @@
               </a:lnSpc>
             </a:pPr>
             <a:r>
-              <a:rPr lang="en-US" sz="2800" b="1" strike="noStrike" spc="-1">
+              <a:rPr lang="en-US" sz="2800" b="1" strike="noStrike" spc="-1" dirty="0">
                 <a:solidFill>
                   <a:srgbClr val="000000"/>
                 </a:solidFill>
@@ -13665,7 +13625,7 @@
               </a:rPr>
               <a:t>Query Conditionals</a:t>
             </a:r>
-            <a:endParaRPr lang="en-US" sz="2800" b="0" strike="noStrike" spc="-1">
+            <a:endParaRPr lang="en-US" sz="2800" b="0" strike="noStrike" spc="-1" dirty="0">
               <a:solidFill>
                 <a:srgbClr val="FFFFFF"/>
               </a:solidFill>
@@ -13682,8 +13642,8 @@
         </p:nvSpPr>
         <p:spPr>
           <a:xfrm>
-            <a:off x="728640" y="1263960"/>
-            <a:ext cx="7772040" cy="4937400"/>
+            <a:off x="585627" y="1181528"/>
+            <a:ext cx="7915053" cy="5019832"/>
           </a:xfrm>
           <a:prstGeom prst="rect">
             <a:avLst/>
@@ -13712,7 +13672,7 @@
               </a:buBlip>
             </a:pPr>
             <a:r>
-              <a:rPr lang="en-US" sz="1800" b="0" strike="noStrike" spc="-1">
+              <a:rPr lang="en-US" sz="1800" b="0" strike="noStrike" spc="-1" dirty="0">
                 <a:solidFill>
                   <a:srgbClr val="000000"/>
                 </a:solidFill>
@@ -13722,7 +13682,7 @@
               <a:t>We can query ranges using comparisons </a:t>
             </a:r>
             <a:r>
-              <a:rPr lang="en-US" sz="1800" b="0" strike="noStrike" spc="-1">
+              <a:rPr lang="en-US" sz="1800" b="0" strike="noStrike" spc="-1" dirty="0">
                 <a:solidFill>
                   <a:srgbClr val="000000"/>
                 </a:solidFill>
@@ -13731,7 +13691,7 @@
               </a:rPr>
               <a:t>&lt; &lt;= &gt; &gt;=</a:t>
             </a:r>
-            <a:endParaRPr lang="en-US" sz="1800" b="0" strike="noStrike" spc="-1">
+            <a:endParaRPr lang="en-US" sz="1800" b="0" strike="noStrike" spc="-1" dirty="0">
               <a:solidFill>
                 <a:srgbClr val="000000"/>
               </a:solidFill>
@@ -13752,7 +13712,7 @@
               </a:buBlip>
             </a:pPr>
             <a:r>
-              <a:rPr lang="en-US" sz="1800" b="0" strike="noStrike" spc="-1">
+              <a:rPr lang="en-US" sz="1800" b="0" strike="noStrike" spc="-1" dirty="0">
                 <a:solidFill>
                   <a:srgbClr val="000000"/>
                 </a:solidFill>
@@ -13761,7 +13721,7 @@
               </a:rPr>
               <a:t>The following example looks for documents whose count of state changes is between 10 and 30 </a:t>
             </a:r>
-            <a:endParaRPr lang="en-US" sz="1800" b="0" strike="noStrike" spc="-1">
+            <a:endParaRPr lang="en-US" sz="1800" b="0" strike="noStrike" spc="-1" dirty="0">
               <a:solidFill>
                 <a:srgbClr val="000000"/>
               </a:solidFill>
@@ -13777,7 +13737,7 @@
                 <a:spcPts val="1199"/>
               </a:spcBef>
             </a:pPr>
-            <a:endParaRPr lang="en-US" sz="1800" b="0" strike="noStrike" spc="-1">
+            <a:endParaRPr lang="en-US" sz="1800" b="0" strike="noStrike" spc="-1" dirty="0">
               <a:solidFill>
                 <a:srgbClr val="000000"/>
               </a:solidFill>
@@ -13793,7 +13753,7 @@
                 <a:spcPts val="1199"/>
               </a:spcBef>
             </a:pPr>
-            <a:endParaRPr lang="en-US" sz="1800" b="0" strike="noStrike" spc="-1">
+            <a:endParaRPr lang="en-US" sz="1800" b="0" strike="noStrike" spc="-1" dirty="0">
               <a:solidFill>
                 <a:srgbClr val="000000"/>
               </a:solidFill>
@@ -13809,7 +13769,7 @@
                 <a:spcPts val="1199"/>
               </a:spcBef>
             </a:pPr>
-            <a:endParaRPr lang="en-US" sz="1800" b="0" strike="noStrike" spc="-1">
+            <a:endParaRPr lang="en-US" sz="1800" b="0" strike="noStrike" spc="-1" dirty="0">
               <a:solidFill>
                 <a:srgbClr val="000000"/>
               </a:solidFill>
@@ -13825,7 +13785,7 @@
                 <a:spcPts val="1199"/>
               </a:spcBef>
             </a:pPr>
-            <a:endParaRPr lang="en-US" sz="1800" b="0" strike="noStrike" spc="-1">
+            <a:endParaRPr lang="en-US" sz="1800" b="0" strike="noStrike" spc="-1" dirty="0">
               <a:solidFill>
                 <a:srgbClr val="000000"/>
               </a:solidFill>
@@ -13841,7 +13801,7 @@
                 <a:spcPts val="1199"/>
               </a:spcBef>
             </a:pPr>
-            <a:endParaRPr lang="en-US" sz="1800" b="0" strike="noStrike" spc="-1">
+            <a:endParaRPr lang="en-US" sz="1800" b="0" strike="noStrike" spc="-1" dirty="0">
               <a:solidFill>
                 <a:srgbClr val="000000"/>
               </a:solidFill>
@@ -13862,7 +13822,7 @@
               </a:buBlip>
             </a:pPr>
             <a:r>
-              <a:rPr lang="en-US" sz="1800" b="0" strike="noStrike" spc="-1">
+              <a:rPr lang="en-US" sz="1800" b="0" strike="noStrike" spc="-1" dirty="0">
                 <a:solidFill>
                   <a:srgbClr val="000000"/>
                 </a:solidFill>
@@ -13872,7 +13832,7 @@
               <a:t>Operators are </a:t>
             </a:r>
             <a:r>
-              <a:rPr lang="en-US" sz="1800" b="0" strike="noStrike" spc="-1">
+              <a:rPr lang="en-US" sz="1800" b="0" strike="noStrike" spc="-1" dirty="0">
                 <a:solidFill>
                   <a:srgbClr val="000000"/>
                 </a:solidFill>
@@ -13881,7 +13841,7 @@
               </a:rPr>
               <a:t>$lt $gt $lte $gte</a:t>
             </a:r>
-            <a:endParaRPr lang="en-US" sz="1800" b="0" strike="noStrike" spc="-1">
+            <a:endParaRPr lang="en-US" sz="1800" b="0" strike="noStrike" spc="-1" dirty="0">
               <a:solidFill>
                 <a:srgbClr val="000000"/>
               </a:solidFill>
@@ -13902,7 +13862,7 @@
               </a:buBlip>
             </a:pPr>
             <a:r>
-              <a:rPr lang="en-US" sz="1800" b="0" strike="noStrike" spc="-1">
+              <a:rPr lang="en-US" sz="1800" b="0" strike="noStrike" spc="-1" dirty="0">
                 <a:solidFill>
                   <a:srgbClr val="000000"/>
                 </a:solidFill>
@@ -13912,7 +13872,7 @@
               <a:t>There is also a not equal operator </a:t>
             </a:r>
             <a:r>
-              <a:rPr lang="en-US" sz="1800" b="0" strike="noStrike" spc="-1">
+              <a:rPr lang="en-US" sz="1800" b="0" strike="noStrike" spc="-1" dirty="0">
                 <a:solidFill>
                   <a:srgbClr val="000000"/>
                 </a:solidFill>
@@ -13921,7 +13881,7 @@
               </a:rPr>
               <a:t>$ne</a:t>
             </a:r>
-            <a:endParaRPr lang="en-US" sz="1800" b="0" strike="noStrike" spc="-1">
+            <a:endParaRPr lang="en-US" sz="1800" b="0" strike="noStrike" spc="-1" dirty="0">
               <a:solidFill>
                 <a:srgbClr val="000000"/>
               </a:solidFill>
@@ -13979,7 +13939,7 @@
               </a:lnSpc>
             </a:pPr>
             <a:r>
-              <a:rPr lang="en-US" sz="1600" b="0" strike="noStrike" spc="-1">
+              <a:rPr lang="en-US" sz="1600" b="0" strike="noStrike" spc="-1" dirty="0">
                 <a:solidFill>
                   <a:srgbClr val="000000"/>
                 </a:solidFill>
@@ -13989,7 +13949,7 @@
               <a:t>db.networks.find({"state_changes" : { </a:t>
             </a:r>
             <a:r>
-              <a:rPr lang="en-US" sz="1600" b="1" strike="noStrike" spc="-1">
+              <a:rPr lang="en-US" sz="1600" b="1" strike="noStrike" spc="-1" dirty="0">
                 <a:solidFill>
                   <a:srgbClr val="000000"/>
                 </a:solidFill>
@@ -13999,7 +13959,7 @@
               <a:t>$gte : 10, $lte : 30</a:t>
             </a:r>
             <a:r>
-              <a:rPr lang="en-US" sz="1600" b="0" strike="noStrike" spc="-1">
+              <a:rPr lang="en-US" sz="1600" b="0" strike="noStrike" spc="-1" dirty="0">
                 <a:solidFill>
                   <a:srgbClr val="000000"/>
                 </a:solidFill>
@@ -14008,7 +13968,7 @@
               </a:rPr>
               <a:t>}})</a:t>
             </a:r>
-            <a:endParaRPr lang="en-US" sz="1600" b="0" strike="noStrike" spc="-1">
+            <a:endParaRPr lang="en-US" sz="1600" b="0" strike="noStrike" spc="-1" dirty="0">
               <a:latin typeface="Arial"/>
             </a:endParaRPr>
           </a:p>
@@ -14078,7 +14038,7 @@
               </a:lnSpc>
             </a:pPr>
             <a:r>
-              <a:rPr lang="en-US" sz="1400" b="0" strike="noStrike" spc="-1">
+              <a:rPr lang="en-US" sz="1400" b="0" strike="noStrike" spc="-1" dirty="0">
                 <a:solidFill>
                   <a:srgbClr val="000000"/>
                 </a:solidFill>
@@ -14087,7 +14047,7 @@
               </a:rPr>
               <a:t>Those whose value is between 10 and 30 inclusive</a:t>
             </a:r>
-            <a:endParaRPr lang="en-US" sz="1400" b="0" strike="noStrike" spc="-1">
+            <a:endParaRPr lang="en-US" sz="1400" b="0" strike="noStrike" spc="-1" dirty="0">
               <a:latin typeface="Arial"/>
             </a:endParaRPr>
           </a:p>
@@ -14154,7 +14114,7 @@
               </a:lnSpc>
             </a:pPr>
             <a:r>
-              <a:rPr lang="en-US" sz="2800" b="1" strike="noStrike" spc="-1">
+              <a:rPr lang="en-US" sz="2800" b="1" strike="noStrike" spc="-1" dirty="0">
                 <a:solidFill>
                   <a:srgbClr val="000000"/>
                 </a:solidFill>
@@ -14163,7 +14123,7 @@
               </a:rPr>
               <a:t>OR Queries</a:t>
             </a:r>
-            <a:endParaRPr lang="en-US" sz="2800" b="0" strike="noStrike" spc="-1">
+            <a:endParaRPr lang="en-US" sz="2800" b="0" strike="noStrike" spc="-1" dirty="0">
               <a:solidFill>
                 <a:srgbClr val="FFFFFF"/>
               </a:solidFill>
@@ -14180,8 +14140,8 @@
         </p:nvSpPr>
         <p:spPr>
           <a:xfrm>
-            <a:off x="728640" y="1263960"/>
-            <a:ext cx="7772040" cy="4937400"/>
+            <a:off x="606175" y="1202076"/>
+            <a:ext cx="7894505" cy="4999284"/>
           </a:xfrm>
           <a:prstGeom prst="rect">
             <a:avLst/>
@@ -14210,7 +14170,7 @@
               </a:buBlip>
             </a:pPr>
             <a:r>
-              <a:rPr lang="en-US" sz="1800" b="0" strike="noStrike" spc="-1">
+              <a:rPr lang="en-US" sz="1800" b="0" strike="noStrike" spc="-1" dirty="0">
                 <a:solidFill>
                   <a:srgbClr val="000000"/>
                 </a:solidFill>
@@ -14219,7 +14179,7 @@
               </a:rPr>
               <a:t>There are two ways to do an OR query</a:t>
             </a:r>
-            <a:endParaRPr lang="en-US" sz="1800" b="0" strike="noStrike" spc="-1">
+            <a:endParaRPr lang="en-US" sz="1800" b="0" strike="noStrike" spc="-1" dirty="0">
               <a:solidFill>
                 <a:srgbClr val="000000"/>
               </a:solidFill>
@@ -14238,7 +14198,7 @@
               <a:buChar char="–"/>
             </a:pPr>
             <a:r>
-              <a:rPr lang="en-US" sz="1800" b="0" strike="noStrike" spc="-1">
+              <a:rPr lang="en-US" sz="1800" b="0" strike="noStrike" spc="-1" dirty="0">
                 <a:solidFill>
                   <a:srgbClr val="000000"/>
                 </a:solidFill>
@@ -14247,7 +14207,7 @@
               </a:rPr>
               <a:t>$or </a:t>
             </a:r>
-            <a:endParaRPr lang="en-US" sz="1800" b="0" strike="noStrike" spc="-1">
+            <a:endParaRPr lang="en-US" sz="1800" b="0" strike="noStrike" spc="-1" dirty="0">
               <a:solidFill>
                 <a:srgbClr val="000000"/>
               </a:solidFill>
@@ -14266,7 +14226,7 @@
               <a:buChar char="–"/>
             </a:pPr>
             <a:r>
-              <a:rPr lang="en-US" sz="1800" b="0" strike="noStrike" spc="-1">
+              <a:rPr lang="en-US" sz="1800" b="0" strike="noStrike" spc="-1" dirty="0">
                 <a:solidFill>
                   <a:srgbClr val="000000"/>
                 </a:solidFill>
@@ -14275,7 +14235,7 @@
               </a:rPr>
               <a:t>$in</a:t>
             </a:r>
-            <a:endParaRPr lang="en-US" sz="1800" b="0" strike="noStrike" spc="-1">
+            <a:endParaRPr lang="en-US" sz="1800" b="0" strike="noStrike" spc="-1" dirty="0">
               <a:solidFill>
                 <a:srgbClr val="000000"/>
               </a:solidFill>
@@ -14296,7 +14256,7 @@
               </a:buBlip>
             </a:pPr>
             <a:r>
-              <a:rPr lang="en-US" sz="1800" b="0" strike="noStrike" spc="-1">
+              <a:rPr lang="en-US" sz="1800" b="0" strike="noStrike" spc="-1" dirty="0">
                 <a:solidFill>
                   <a:srgbClr val="000000"/>
                 </a:solidFill>
@@ -14306,7 +14266,7 @@
               <a:t>$or</a:t>
             </a:r>
             <a:r>
-              <a:rPr lang="en-US" sz="1800" b="0" strike="noStrike" spc="-1">
+              <a:rPr lang="en-US" sz="1800" b="0" strike="noStrike" spc="-1" dirty="0">
                 <a:solidFill>
                   <a:srgbClr val="000000"/>
                 </a:solidFill>
@@ -14315,7 +14275,7 @@
               </a:rPr>
               <a:t> is used to match more than one field in a query</a:t>
             </a:r>
-            <a:endParaRPr lang="en-US" sz="1800" b="0" strike="noStrike" spc="-1">
+            <a:endParaRPr lang="en-US" sz="1800" b="0" strike="noStrike" spc="-1" dirty="0">
               <a:solidFill>
                 <a:srgbClr val="000000"/>
               </a:solidFill>
@@ -14331,7 +14291,7 @@
                 <a:spcPts val="1199"/>
               </a:spcBef>
             </a:pPr>
-            <a:endParaRPr lang="en-US" sz="1800" b="0" strike="noStrike" spc="-1">
+            <a:endParaRPr lang="en-US" sz="1800" b="0" strike="noStrike" spc="-1" dirty="0">
               <a:solidFill>
                 <a:srgbClr val="000000"/>
               </a:solidFill>
@@ -14347,7 +14307,7 @@
                 <a:spcPts val="1199"/>
               </a:spcBef>
             </a:pPr>
-            <a:endParaRPr lang="en-US" sz="1800" b="0" strike="noStrike" spc="-1">
+            <a:endParaRPr lang="en-US" sz="1800" b="0" strike="noStrike" spc="-1" dirty="0">
               <a:solidFill>
                 <a:srgbClr val="000000"/>
               </a:solidFill>
@@ -14363,7 +14323,7 @@
                 <a:spcPts val="1199"/>
               </a:spcBef>
             </a:pPr>
-            <a:endParaRPr lang="en-US" sz="1800" b="0" strike="noStrike" spc="-1">
+            <a:endParaRPr lang="en-US" sz="1800" b="0" strike="noStrike" spc="-1" dirty="0">
               <a:solidFill>
                 <a:srgbClr val="000000"/>
               </a:solidFill>
@@ -14384,7 +14344,7 @@
               </a:buBlip>
             </a:pPr>
             <a:r>
-              <a:rPr lang="en-US" sz="1800" b="0" strike="noStrike" spc="-1">
+              <a:rPr lang="en-US" sz="1800" b="0" strike="noStrike" spc="-1" dirty="0">
                 <a:solidFill>
                   <a:srgbClr val="000000"/>
                 </a:solidFill>
@@ -14394,7 +14354,7 @@
               <a:t>$in </a:t>
             </a:r>
             <a:r>
-              <a:rPr lang="en-US" sz="1800" b="0" strike="noStrike" spc="-1">
+              <a:rPr lang="en-US" sz="1800" b="0" strike="noStrike" spc="-1" dirty="0">
                 <a:solidFill>
                   <a:srgbClr val="000000"/>
                 </a:solidFill>
@@ -14403,7 +14363,7 @@
               </a:rPr>
               <a:t>is used to match a single key to more than one possible value</a:t>
             </a:r>
-            <a:endParaRPr lang="en-US" sz="1800" b="0" strike="noStrike" spc="-1">
+            <a:endParaRPr lang="en-US" sz="1800" b="0" strike="noStrike" spc="-1" dirty="0">
               <a:solidFill>
                 <a:srgbClr val="000000"/>
               </a:solidFill>
@@ -14420,7 +14380,7 @@
               </a:spcBef>
             </a:pPr>
             <a:r>
-              <a:rPr lang="en-US" sz="1800" b="0" strike="noStrike" spc="-1">
+              <a:rPr lang="en-US" sz="1800" b="0" strike="noStrike" spc="-1" dirty="0">
                 <a:solidFill>
                   <a:srgbClr val="000000"/>
                 </a:solidFill>
@@ -14429,7 +14389,7 @@
               </a:rPr>
               <a:t> </a:t>
             </a:r>
-            <a:endParaRPr lang="en-US" sz="1800" b="0" strike="noStrike" spc="-1">
+            <a:endParaRPr lang="en-US" sz="1800" b="0" strike="noStrike" spc="-1" dirty="0">
               <a:solidFill>
                 <a:srgbClr val="000000"/>
               </a:solidFill>
@@ -14487,7 +14447,7 @@
               </a:lnSpc>
             </a:pPr>
             <a:r>
-              <a:rPr lang="en-US" sz="1600" b="0" strike="noStrike" spc="-1">
+              <a:rPr lang="en-US" sz="1600" b="0" strike="noStrike" spc="-1" dirty="0">
                 <a:solidFill>
                   <a:srgbClr val="000000"/>
                 </a:solidFill>
@@ -14497,7 +14457,7 @@
               <a:t>db.networks.find({"$or" : [{"address" : "node1"}, </a:t>
             </a:r>
             <a:r>
-              <a:rPr lang="en-US" sz="1600" b="1" strike="noStrike" spc="-1">
+              <a:rPr lang="en-US" sz="1600" b="1" strike="noStrike" spc="-1" dirty="0">
                 <a:solidFill>
                   <a:srgbClr val="000000"/>
                 </a:solidFill>
@@ -14507,7 +14467,7 @@
               <a:t>							</a:t>
             </a:r>
             <a:r>
-              <a:rPr lang="en-US" sz="1600" b="0" strike="noStrike" spc="-1">
+              <a:rPr lang="en-US" sz="1600" b="0" strike="noStrike" spc="-1" dirty="0">
                 <a:solidFill>
                   <a:srgbClr val="000000"/>
                 </a:solidFill>
@@ -14516,7 +14476,7 @@
               </a:rPr>
               <a:t>{"status_changes" : 0}]})</a:t>
             </a:r>
-            <a:endParaRPr lang="en-US" sz="1600" b="0" strike="noStrike" spc="-1">
+            <a:endParaRPr lang="en-US" sz="1600" b="0" strike="noStrike" spc="-1" dirty="0">
               <a:latin typeface="Arial"/>
             </a:endParaRPr>
           </a:p>
@@ -14530,7 +14490,7 @@
         </p:nvSpPr>
         <p:spPr>
           <a:xfrm>
-            <a:off x="6721560" y="1810080"/>
+            <a:off x="6772931" y="1655967"/>
             <a:ext cx="2041560" cy="731880"/>
           </a:xfrm>
           <a:prstGeom prst="wedgeRectCallout">
@@ -14586,7 +14546,7 @@
               </a:lnSpc>
             </a:pPr>
             <a:r>
-              <a:rPr lang="en-US" sz="1400" b="0" strike="noStrike" spc="-1">
+              <a:rPr lang="en-US" sz="1400" b="0" strike="noStrike" spc="-1" dirty="0">
                 <a:solidFill>
                   <a:srgbClr val="000000"/>
                 </a:solidFill>
@@ -14596,7 +14556,7 @@
               <a:t>Find </a:t>
             </a:r>
             <a:r>
-              <a:rPr lang="en-US" sz="1400" b="0" strike="noStrike" spc="-1">
+              <a:rPr lang="en-US" sz="1400" b="0" strike="noStrike" spc="-1" dirty="0">
                 <a:solidFill>
                   <a:srgbClr val="000000"/>
                 </a:solidFill>
@@ -14606,7 +14566,7 @@
               <a:t>address node1</a:t>
             </a:r>
             <a:r>
-              <a:rPr lang="en-US" sz="1400" b="0" strike="noStrike" spc="-1">
+              <a:rPr lang="en-US" sz="1400" b="0" strike="noStrike" spc="-1" dirty="0">
                 <a:solidFill>
                   <a:srgbClr val="000000"/>
                 </a:solidFill>
@@ -14616,7 +14576,7 @@
               <a:t> or </a:t>
             </a:r>
             <a:r>
-              <a:rPr lang="en-US" sz="1400" b="0" strike="noStrike" spc="-1">
+              <a:rPr lang="en-US" sz="1400" b="0" strike="noStrike" spc="-1" dirty="0">
                 <a:solidFill>
                   <a:srgbClr val="000000"/>
                 </a:solidFill>
@@ -14626,7 +14586,7 @@
               <a:t>status_changes </a:t>
             </a:r>
             <a:r>
-              <a:rPr lang="en-US" sz="1400" b="0" strike="noStrike" spc="-1">
+              <a:rPr lang="en-US" sz="1400" b="0" strike="noStrike" spc="-1" dirty="0">
                 <a:solidFill>
                   <a:srgbClr val="000000"/>
                 </a:solidFill>
@@ -14635,7 +14595,7 @@
               </a:rPr>
               <a:t> equal to zero</a:t>
             </a:r>
-            <a:endParaRPr lang="en-US" sz="1400" b="0" strike="noStrike" spc="-1">
+            <a:endParaRPr lang="en-US" sz="1400" b="0" strike="noStrike" spc="-1" dirty="0">
               <a:latin typeface="Arial"/>
             </a:endParaRPr>
           </a:p>
@@ -14690,7 +14650,7 @@
               </a:lnSpc>
             </a:pPr>
             <a:r>
-              <a:rPr lang="en-US" sz="1600" b="0" strike="noStrike" spc="-1">
+              <a:rPr lang="en-US" sz="1600" b="0" strike="noStrike" spc="-1" dirty="0">
                 <a:solidFill>
                   <a:srgbClr val="000000"/>
                 </a:solidFill>
@@ -14699,7 +14659,7 @@
               </a:rPr>
               <a:t>db.networks.find({"address" : {"$in" : ["node1","node2","node3"]}})</a:t>
             </a:r>
-            <a:endParaRPr lang="en-US" sz="1600" b="0" strike="noStrike" spc="-1">
+            <a:endParaRPr lang="en-US" sz="1600" b="0" strike="noStrike" spc="-1" dirty="0">
               <a:latin typeface="Arial"/>
             </a:endParaRPr>
           </a:p>
@@ -14769,7 +14729,7 @@
               </a:lnSpc>
             </a:pPr>
             <a:r>
-              <a:rPr lang="en-US" sz="1400" b="0" strike="noStrike" spc="-1">
+              <a:rPr lang="en-US" sz="1400" b="0" strike="noStrike" spc="-1" dirty="0">
                 <a:solidFill>
                   <a:srgbClr val="000000"/>
                 </a:solidFill>
@@ -14778,7 +14738,7 @@
               </a:rPr>
               <a:t>Find address that matches one of these three values</a:t>
             </a:r>
-            <a:endParaRPr lang="en-US" sz="1400" b="0" strike="noStrike" spc="-1">
+            <a:endParaRPr lang="en-US" sz="1400" b="0" strike="noStrike" spc="-1" dirty="0">
               <a:latin typeface="Arial"/>
             </a:endParaRPr>
           </a:p>
@@ -14845,7 +14805,7 @@
               </a:lnSpc>
             </a:pPr>
             <a:r>
-              <a:rPr lang="en-US" sz="2800" b="1" strike="noStrike" spc="-1">
+              <a:rPr lang="en-US" sz="2800" b="1" strike="noStrike" spc="-1" dirty="0">
                 <a:solidFill>
                   <a:srgbClr val="000000"/>
                 </a:solidFill>
@@ -14854,7 +14814,7 @@
               </a:rPr>
               <a:t>Limits, Skips, and Sorts</a:t>
             </a:r>
-            <a:endParaRPr lang="en-US" sz="2800" b="0" strike="noStrike" spc="-1">
+            <a:endParaRPr lang="en-US" sz="2800" b="0" strike="noStrike" spc="-1" dirty="0">
               <a:solidFill>
                 <a:srgbClr val="FFFFFF"/>
               </a:solidFill>
@@ -14871,8 +14831,8 @@
         </p:nvSpPr>
         <p:spPr>
           <a:xfrm>
-            <a:off x="728640" y="1263960"/>
-            <a:ext cx="7772040" cy="4937400"/>
+            <a:off x="595901" y="1201783"/>
+            <a:ext cx="7904779" cy="4999577"/>
           </a:xfrm>
           <a:prstGeom prst="rect">
             <a:avLst/>
@@ -14901,7 +14861,7 @@
               </a:buBlip>
             </a:pPr>
             <a:r>
-              <a:rPr lang="en-US" sz="1800" b="0" strike="noStrike" spc="-1">
+              <a:rPr lang="en-US" sz="1800" b="0" strike="noStrike" spc="-1" dirty="0">
                 <a:solidFill>
                   <a:srgbClr val="000000"/>
                 </a:solidFill>
@@ -14910,7 +14870,7 @@
               </a:rPr>
               <a:t>The limit method can be used to limit the number of results returned</a:t>
             </a:r>
-            <a:endParaRPr lang="en-US" sz="1800" b="0" strike="noStrike" spc="-1">
+            <a:endParaRPr lang="en-US" sz="1800" b="0" strike="noStrike" spc="-1" dirty="0">
               <a:solidFill>
                 <a:srgbClr val="000000"/>
               </a:solidFill>
@@ -14926,7 +14886,7 @@
                 <a:spcPts val="1199"/>
               </a:spcBef>
             </a:pPr>
-            <a:endParaRPr lang="en-US" sz="1800" b="0" strike="noStrike" spc="-1">
+            <a:endParaRPr lang="en-US" sz="1800" b="0" strike="noStrike" spc="-1" dirty="0">
               <a:solidFill>
                 <a:srgbClr val="000000"/>
               </a:solidFill>
@@ -14942,7 +14902,7 @@
                 <a:spcPts val="1199"/>
               </a:spcBef>
             </a:pPr>
-            <a:endParaRPr lang="en-US" sz="1800" b="0" strike="noStrike" spc="-1">
+            <a:endParaRPr lang="en-US" sz="1800" b="0" strike="noStrike" spc="-1" dirty="0">
               <a:solidFill>
                 <a:srgbClr val="000000"/>
               </a:solidFill>
@@ -14963,7 +14923,7 @@
               </a:buBlip>
             </a:pPr>
             <a:r>
-              <a:rPr lang="en-US" sz="1800" b="0" strike="noStrike" spc="-1">
+              <a:rPr lang="en-US" sz="1800" b="0" strike="noStrike" spc="-1" dirty="0">
                 <a:solidFill>
                   <a:srgbClr val="000000"/>
                 </a:solidFill>
@@ -14973,7 +14933,7 @@
               <a:t>The </a:t>
             </a:r>
             <a:r>
-              <a:rPr lang="en-US" sz="1800" b="0" strike="noStrike" spc="-1">
+              <a:rPr lang="en-US" sz="1800" b="0" strike="noStrike" spc="-1" dirty="0">
                 <a:solidFill>
                   <a:srgbClr val="000000"/>
                 </a:solidFill>
@@ -14983,7 +14943,7 @@
               <a:t>skip()</a:t>
             </a:r>
             <a:r>
-              <a:rPr lang="en-US" sz="1800" b="0" strike="noStrike" spc="-1">
+              <a:rPr lang="en-US" sz="1800" b="0" strike="noStrike" spc="-1" dirty="0">
                 <a:solidFill>
                   <a:srgbClr val="000000"/>
                 </a:solidFill>
@@ -14992,7 +14952,7 @@
               </a:rPr>
               <a:t> method skips the first x items returned by a query</a:t>
             </a:r>
-            <a:endParaRPr lang="en-US" sz="1800" b="0" strike="noStrike" spc="-1">
+            <a:endParaRPr lang="en-US" sz="1800" b="0" strike="noStrike" spc="-1" dirty="0">
               <a:solidFill>
                 <a:srgbClr val="000000"/>
               </a:solidFill>
@@ -15011,7 +14971,7 @@
               <a:buChar char="–"/>
             </a:pPr>
             <a:r>
-              <a:rPr lang="en-US" sz="1800" b="0" strike="noStrike" spc="-1">
+              <a:rPr lang="en-US" sz="1800" b="0" strike="noStrike" spc="-1" dirty="0">
                 <a:solidFill>
                   <a:srgbClr val="000000"/>
                 </a:solidFill>
@@ -15020,7 +14980,7 @@
               </a:rPr>
               <a:t>Bit will return the rest in the matching documents</a:t>
             </a:r>
-            <a:endParaRPr lang="en-US" sz="1800" b="0" strike="noStrike" spc="-1">
+            <a:endParaRPr lang="en-US" sz="1800" b="0" strike="noStrike" spc="-1" dirty="0">
               <a:solidFill>
                 <a:srgbClr val="000000"/>
               </a:solidFill>
@@ -15036,7 +14996,7 @@
                 <a:spcPts val="1199"/>
               </a:spcBef>
             </a:pPr>
-            <a:endParaRPr lang="en-US" sz="1800" b="0" strike="noStrike" spc="-1">
+            <a:endParaRPr lang="en-US" sz="1800" b="0" strike="noStrike" spc="-1" dirty="0">
               <a:solidFill>
                 <a:srgbClr val="000000"/>
               </a:solidFill>
@@ -15052,7 +15012,7 @@
                 <a:spcPts val="1199"/>
               </a:spcBef>
             </a:pPr>
-            <a:endParaRPr lang="en-US" sz="1800" b="0" strike="noStrike" spc="-1">
+            <a:endParaRPr lang="en-US" sz="1800" b="0" strike="noStrike" spc="-1" dirty="0">
               <a:solidFill>
                 <a:srgbClr val="000000"/>
               </a:solidFill>
@@ -15073,7 +15033,7 @@
               </a:buBlip>
             </a:pPr>
             <a:r>
-              <a:rPr lang="en-US" sz="1800" b="0" strike="noStrike" spc="-1">
+              <a:rPr lang="en-US" sz="1800" b="0" strike="noStrike" spc="-1" dirty="0">
                 <a:solidFill>
                   <a:srgbClr val="000000"/>
                 </a:solidFill>
@@ -15082,7 +15042,7 @@
               </a:rPr>
               <a:t>The sort method will sort the documents based on fields provided</a:t>
             </a:r>
-            <a:endParaRPr lang="en-US" sz="1800" b="0" strike="noStrike" spc="-1">
+            <a:endParaRPr lang="en-US" sz="1800" b="0" strike="noStrike" spc="-1" dirty="0">
               <a:solidFill>
                 <a:srgbClr val="000000"/>
               </a:solidFill>
@@ -15098,7 +15058,7 @@
                 <a:spcPts val="1199"/>
               </a:spcBef>
             </a:pPr>
-            <a:endParaRPr lang="en-US" sz="1800" b="0" strike="noStrike" spc="-1">
+            <a:endParaRPr lang="en-US" sz="1800" b="0" strike="noStrike" spc="-1" dirty="0">
               <a:solidFill>
                 <a:srgbClr val="000000"/>
               </a:solidFill>
@@ -15156,7 +15116,7 @@
               </a:lnSpc>
             </a:pPr>
             <a:r>
-              <a:rPr lang="en-US" sz="1600" b="0" strike="noStrike" spc="-1">
+              <a:rPr lang="en-US" sz="1600" b="0" strike="noStrike" spc="-1" dirty="0">
                 <a:solidFill>
                   <a:srgbClr val="000000"/>
                 </a:solidFill>
@@ -15165,7 +15125,7 @@
               </a:rPr>
               <a:t>db.networks.find().limit(10) </a:t>
             </a:r>
-            <a:endParaRPr lang="en-US" sz="1600" b="0" strike="noStrike" spc="-1">
+            <a:endParaRPr lang="en-US" sz="1600" b="0" strike="noStrike" spc="-1" dirty="0">
               <a:latin typeface="Arial"/>
             </a:endParaRPr>
           </a:p>
@@ -15235,7 +15195,7 @@
               </a:lnSpc>
             </a:pPr>
             <a:r>
-              <a:rPr lang="en-US" sz="1400" b="0" strike="noStrike" spc="-1">
+              <a:rPr lang="en-US" sz="1400" b="0" strike="noStrike" spc="-1" dirty="0">
                 <a:solidFill>
                   <a:srgbClr val="000000"/>
                 </a:solidFill>
@@ -15244,7 +15204,7 @@
               </a:rPr>
               <a:t>Return at most 10 documents</a:t>
             </a:r>
-            <a:endParaRPr lang="en-US" sz="1400" b="0" strike="noStrike" spc="-1">
+            <a:endParaRPr lang="en-US" sz="1400" b="0" strike="noStrike" spc="-1" dirty="0">
               <a:latin typeface="Arial"/>
             </a:endParaRPr>
           </a:p>
@@ -15299,7 +15259,7 @@
               </a:lnSpc>
             </a:pPr>
             <a:r>
-              <a:rPr lang="en-US" sz="1600" b="0" strike="noStrike" spc="-1">
+              <a:rPr lang="en-US" sz="1600" b="0" strike="noStrike" spc="-1" dirty="0">
                 <a:solidFill>
                   <a:srgbClr val="000000"/>
                 </a:solidFill>
@@ -15308,7 +15268,7 @@
               </a:rPr>
               <a:t>db.networks.find().skip(5) </a:t>
             </a:r>
-            <a:endParaRPr lang="en-US" sz="1600" b="0" strike="noStrike" spc="-1">
+            <a:endParaRPr lang="en-US" sz="1600" b="0" strike="noStrike" spc="-1" dirty="0">
               <a:latin typeface="Arial"/>
             </a:endParaRPr>
           </a:p>
@@ -15378,7 +15338,7 @@
               </a:lnSpc>
             </a:pPr>
             <a:r>
-              <a:rPr lang="en-US" sz="1400" b="0" strike="noStrike" spc="-1">
+              <a:rPr lang="en-US" sz="1400" b="0" strike="noStrike" spc="-1" dirty="0">
                 <a:solidFill>
                   <a:srgbClr val="000000"/>
                 </a:solidFill>
@@ -15387,7 +15347,7 @@
               </a:rPr>
               <a:t>Skip the first five documents</a:t>
             </a:r>
-            <a:endParaRPr lang="en-US" sz="1400" b="0" strike="noStrike" spc="-1">
+            <a:endParaRPr lang="en-US" sz="1400" b="0" strike="noStrike" spc="-1" dirty="0">
               <a:latin typeface="Arial"/>
             </a:endParaRPr>
           </a:p>
@@ -15442,7 +15402,7 @@
               </a:lnSpc>
             </a:pPr>
             <a:r>
-              <a:rPr lang="en-US" sz="1600" b="0" strike="noStrike" spc="-1">
+              <a:rPr lang="en-US" sz="1600" b="0" strike="noStrike" spc="-1" dirty="0">
                 <a:solidFill>
                   <a:srgbClr val="000000"/>
                 </a:solidFill>
@@ -15452,7 +15412,7 @@
               <a:t>db.networks.find().sort({"address" : </a:t>
             </a:r>
             <a:r>
-              <a:rPr lang="en-US" sz="1600" b="1" strike="noStrike" spc="-1">
+              <a:rPr lang="en-US" sz="1600" b="1" strike="noStrike" spc="-1" dirty="0">
                 <a:solidFill>
                   <a:srgbClr val="000000"/>
                 </a:solidFill>
@@ -15462,7 +15422,7 @@
               <a:t>1</a:t>
             </a:r>
             <a:r>
-              <a:rPr lang="en-US" sz="1600" b="0" strike="noStrike" spc="-1">
+              <a:rPr lang="en-US" sz="1600" b="0" strike="noStrike" spc="-1" dirty="0">
                 <a:solidFill>
                   <a:srgbClr val="000000"/>
                 </a:solidFill>
@@ -15471,7 +15431,7 @@
               </a:rPr>
               <a:t>}) </a:t>
             </a:r>
-            <a:endParaRPr lang="en-US" sz="1600" b="0" strike="noStrike" spc="-1">
+            <a:endParaRPr lang="en-US" sz="1600" b="0" strike="noStrike" spc="-1" dirty="0">
               <a:latin typeface="Arial"/>
             </a:endParaRPr>
           </a:p>
@@ -15541,7 +15501,7 @@
               </a:lnSpc>
             </a:pPr>
             <a:r>
-              <a:rPr lang="en-US" sz="1400" b="0" strike="noStrike" spc="-1">
+              <a:rPr lang="en-US" sz="1400" b="0" strike="noStrike" spc="-1" dirty="0">
                 <a:solidFill>
                   <a:srgbClr val="000000"/>
                 </a:solidFill>
@@ -15550,7 +15510,7 @@
               </a:rPr>
               <a:t>Sort on address ascending</a:t>
             </a:r>
-            <a:endParaRPr lang="en-US" sz="1400" b="0" strike="noStrike" spc="-1">
+            <a:endParaRPr lang="en-US" sz="1400" b="0" strike="noStrike" spc="-1" dirty="0">
               <a:latin typeface="Arial"/>
             </a:endParaRPr>
           </a:p>
@@ -15605,7 +15565,7 @@
               </a:lnSpc>
             </a:pPr>
             <a:r>
-              <a:rPr lang="en-US" sz="1600" b="0" strike="noStrike" spc="-1">
+              <a:rPr lang="en-US" sz="1600" b="0" strike="noStrike" spc="-1" dirty="0">
                 <a:solidFill>
                   <a:srgbClr val="000000"/>
                 </a:solidFill>
@@ -15615,7 +15575,7 @@
               <a:t>db.networks.find().sort({"address" : </a:t>
             </a:r>
             <a:r>
-              <a:rPr lang="en-US" sz="1600" b="1" strike="noStrike" spc="-1">
+              <a:rPr lang="en-US" sz="1600" b="1" strike="noStrike" spc="-1" dirty="0">
                 <a:solidFill>
                   <a:srgbClr val="000000"/>
                 </a:solidFill>
@@ -15625,7 +15585,7 @@
               <a:t>-1</a:t>
             </a:r>
             <a:r>
-              <a:rPr lang="en-US" sz="1600" b="0" strike="noStrike" spc="-1">
+              <a:rPr lang="en-US" sz="1600" b="0" strike="noStrike" spc="-1" dirty="0">
                 <a:solidFill>
                   <a:srgbClr val="000000"/>
                 </a:solidFill>
@@ -15634,7 +15594,7 @@
               </a:rPr>
               <a:t>}) </a:t>
             </a:r>
-            <a:endParaRPr lang="en-US" sz="1600" b="0" strike="noStrike" spc="-1">
+            <a:endParaRPr lang="en-US" sz="1600" b="0" strike="noStrike" spc="-1" dirty="0">
               <a:latin typeface="Arial"/>
             </a:endParaRPr>
           </a:p>
@@ -15704,7 +15664,7 @@
               </a:lnSpc>
             </a:pPr>
             <a:r>
-              <a:rPr lang="en-US" sz="1400" b="0" strike="noStrike" spc="-1">
+              <a:rPr lang="en-US" sz="1400" b="0" strike="noStrike" spc="-1" dirty="0">
                 <a:solidFill>
                   <a:srgbClr val="000000"/>
                 </a:solidFill>
@@ -15713,7 +15673,7 @@
               </a:rPr>
               <a:t>Sort on address descending</a:t>
             </a:r>
-            <a:endParaRPr lang="en-US" sz="1400" b="0" strike="noStrike" spc="-1">
+            <a:endParaRPr lang="en-US" sz="1400" b="0" strike="noStrike" spc="-1" dirty="0">
               <a:latin typeface="Arial"/>
             </a:endParaRPr>
           </a:p>
@@ -16053,7 +16013,12 @@
             <p:ph idx="1"/>
           </p:nvPr>
         </p:nvSpPr>
-        <p:spPr/>
+        <p:spPr>
+          <a:xfrm>
+            <a:off x="581025" y="1201782"/>
+            <a:ext cx="8020050" cy="5026447"/>
+          </a:xfrm>
+        </p:spPr>
         <p:txBody>
           <a:bodyPr/>
           <a:lstStyle/>
@@ -20943,20 +20908,6 @@
 </file>
 
 <file path=customXml/item1.xml><?xml version="1.0" encoding="utf-8"?>
-<p:properties xmlns:p="http://schemas.microsoft.com/office/2006/metadata/properties" xmlns:xsi="http://www.w3.org/2001/XMLSchema-instance" xmlns:pc="http://schemas.microsoft.com/office/infopath/2007/PartnerControls">
-  <documentManagement>
-    <_dlc_DocId xmlns="037063e9-a85e-4c78-8627-f1a9315663e5">EVEA5JW6U4JV-6-9119</_dlc_DocId>
-    <_dlc_DocIdUrl xmlns="037063e9-a85e-4c78-8627-f1a9315663e5">
-      <Url>https://portal.roitraining.com/Courses/_layouts/DocIdRedir.aspx?ID=EVEA5JW6U4JV-6-9119</Url>
-      <Description>EVEA5JW6U4JV-6-9119</Description>
-    </_dlc_DocIdUrl>
-    <Date_x0020_last_x0020_used xmlns="027ed24f-5970-4294-be5c-0919c5aaa214" xsi:nil="true"/>
-    <Customization_x0020_Information xmlns="027ed24f-5970-4294-be5c-0919c5aaa214" xsi:nil="true"/>
-  </documentManagement>
-</p:properties>
-</file>
-
-<file path=customXml/item2.xml><?xml version="1.0" encoding="utf-8"?>
 <ct:contentTypeSchema xmlns:ct="http://schemas.microsoft.com/office/2006/metadata/contentType" xmlns:ma="http://schemas.microsoft.com/office/2006/metadata/properties/metaAttributes" ct:_="" ma:_="" ma:contentTypeName="Document" ma:contentTypeID="0x0101006B08A054FD435346B287BB258D6D8C2A" ma:contentTypeVersion="2" ma:contentTypeDescription="Create a new document." ma:contentTypeScope="" ma:versionID="6146b90b4382322d8952632f355192b7">
   <xsd:schema xmlns:xsd="http://www.w3.org/2001/XMLSchema" xmlns:xs="http://www.w3.org/2001/XMLSchema" xmlns:p="http://schemas.microsoft.com/office/2006/metadata/properties" xmlns:ns2="027ed24f-5970-4294-be5c-0919c5aaa214" xmlns:ns3="037063e9-a85e-4c78-8627-f1a9315663e5" targetNamespace="http://schemas.microsoft.com/office/2006/metadata/properties" ma:root="true" ma:fieldsID="b5d91f802dafd2e22aeea528efbe2d3e" ns2:_="" ns3:_="">
     <xsd:import namespace="027ed24f-5970-4294-be5c-0919c5aaa214"/>
@@ -21122,16 +21073,21 @@
 </ct:contentTypeSchema>
 </file>
 
-<file path=customXml/item3.xml><?xml version="1.0" encoding="utf-8"?>
-<?mso-contentType ?>
-<FormTemplates xmlns="http://schemas.microsoft.com/sharepoint/v3/contenttype/forms">
-  <Display>DocumentLibraryForm</Display>
-  <Edit>DocumentLibraryForm</Edit>
-  <New>DocumentLibraryForm</New>
-</FormTemplates>
+<file path=customXml/item2.xml><?xml version="1.0" encoding="utf-8"?>
+<p:properties xmlns:p="http://schemas.microsoft.com/office/2006/metadata/properties" xmlns:xsi="http://www.w3.org/2001/XMLSchema-instance" xmlns:pc="http://schemas.microsoft.com/office/infopath/2007/PartnerControls">
+  <documentManagement>
+    <_dlc_DocId xmlns="037063e9-a85e-4c78-8627-f1a9315663e5">EVEA5JW6U4JV-6-9119</_dlc_DocId>
+    <_dlc_DocIdUrl xmlns="037063e9-a85e-4c78-8627-f1a9315663e5">
+      <Url>https://portal.roitraining.com/Courses/_layouts/DocIdRedir.aspx?ID=EVEA5JW6U4JV-6-9119</Url>
+      <Description>EVEA5JW6U4JV-6-9119</Description>
+    </_dlc_DocIdUrl>
+    <Date_x0020_last_x0020_used xmlns="027ed24f-5970-4294-be5c-0919c5aaa214" xsi:nil="true"/>
+    <Customization_x0020_Information xmlns="027ed24f-5970-4294-be5c-0919c5aaa214" xsi:nil="true"/>
+  </documentManagement>
+</p:properties>
 </file>
 
-<file path=customXml/item4.xml><?xml version="1.0" encoding="utf-8"?>
+<file path=customXml/item3.xml><?xml version="1.0" encoding="utf-8"?>
 <?mso-contentType ?>
 <spe:Receivers xmlns:spe="http://schemas.microsoft.com/sharepoint/events">
   <Receiver>
@@ -21177,24 +21133,16 @@
 </spe:Receivers>
 </file>
 
-<file path=customXml/itemProps1.xml><?xml version="1.0" encoding="utf-8"?>
-<ds:datastoreItem xmlns:ds="http://schemas.openxmlformats.org/officeDocument/2006/customXml" ds:itemID="{F47B9207-CE5C-49AD-B414-15CBFA246D65}">
-  <ds:schemaRefs>
-    <ds:schemaRef ds:uri="http://schemas.microsoft.com/office/2006/metadata/properties"/>
-    <ds:schemaRef ds:uri="http://purl.org/dc/terms/"/>
-    <ds:schemaRef ds:uri="http://schemas.microsoft.com/office/2006/documentManagement/types"/>
-    <ds:schemaRef ds:uri="037063e9-a85e-4c78-8627-f1a9315663e5"/>
-    <ds:schemaRef ds:uri="http://www.w3.org/XML/1998/namespace"/>
-    <ds:schemaRef ds:uri="http://purl.org/dc/elements/1.1/"/>
-    <ds:schemaRef ds:uri="http://schemas.microsoft.com/office/infopath/2007/PartnerControls"/>
-    <ds:schemaRef ds:uri="http://schemas.openxmlformats.org/package/2006/metadata/core-properties"/>
-    <ds:schemaRef ds:uri="027ed24f-5970-4294-be5c-0919c5aaa214"/>
-    <ds:schemaRef ds:uri="http://purl.org/dc/dcmitype/"/>
-  </ds:schemaRefs>
-</ds:datastoreItem>
+<file path=customXml/item4.xml><?xml version="1.0" encoding="utf-8"?>
+<?mso-contentType ?>
+<FormTemplates xmlns="http://schemas.microsoft.com/sharepoint/v3/contenttype/forms">
+  <Display>DocumentLibraryForm</Display>
+  <Edit>DocumentLibraryForm</Edit>
+  <New>DocumentLibraryForm</New>
+</FormTemplates>
 </file>
 
-<file path=customXml/itemProps2.xml><?xml version="1.0" encoding="utf-8"?>
+<file path=customXml/itemProps1.xml><?xml version="1.0" encoding="utf-8"?>
 <ds:datastoreItem xmlns:ds="http://schemas.openxmlformats.org/officeDocument/2006/customXml" ds:itemID="{99B74BF2-C9AE-43F2-9033-BC16AD17E561}">
   <ds:schemaRefs>
     <ds:schemaRef ds:uri="http://schemas.microsoft.com/office/2006/metadata/contentType"/>
@@ -21213,18 +21161,35 @@
 </ds:datastoreItem>
 </file>
 
+<file path=customXml/itemProps2.xml><?xml version="1.0" encoding="utf-8"?>
+<ds:datastoreItem xmlns:ds="http://schemas.openxmlformats.org/officeDocument/2006/customXml" ds:itemID="{F47B9207-CE5C-49AD-B414-15CBFA246D65}">
+  <ds:schemaRefs>
+    <ds:schemaRef ds:uri="http://schemas.microsoft.com/office/2006/metadata/properties"/>
+    <ds:schemaRef ds:uri="http://purl.org/dc/terms/"/>
+    <ds:schemaRef ds:uri="http://schemas.microsoft.com/office/2006/documentManagement/types"/>
+    <ds:schemaRef ds:uri="037063e9-a85e-4c78-8627-f1a9315663e5"/>
+    <ds:schemaRef ds:uri="http://www.w3.org/XML/1998/namespace"/>
+    <ds:schemaRef ds:uri="http://purl.org/dc/elements/1.1/"/>
+    <ds:schemaRef ds:uri="http://schemas.microsoft.com/office/infopath/2007/PartnerControls"/>
+    <ds:schemaRef ds:uri="http://schemas.openxmlformats.org/package/2006/metadata/core-properties"/>
+    <ds:schemaRef ds:uri="027ed24f-5970-4294-be5c-0919c5aaa214"/>
+    <ds:schemaRef ds:uri="http://purl.org/dc/dcmitype/"/>
+  </ds:schemaRefs>
+</ds:datastoreItem>
+</file>
+
 <file path=customXml/itemProps3.xml><?xml version="1.0" encoding="utf-8"?>
+<ds:datastoreItem xmlns:ds="http://schemas.openxmlformats.org/officeDocument/2006/customXml" ds:itemID="{B9043294-8302-4947-B882-02D6486F929C}">
+  <ds:schemaRefs>
+    <ds:schemaRef ds:uri="http://schemas.microsoft.com/sharepoint/events"/>
+  </ds:schemaRefs>
+</ds:datastoreItem>
+</file>
+
+<file path=customXml/itemProps4.xml><?xml version="1.0" encoding="utf-8"?>
 <ds:datastoreItem xmlns:ds="http://schemas.openxmlformats.org/officeDocument/2006/customXml" ds:itemID="{2DA015F3-603C-4688-A5F3-81D587DAB8C9}">
   <ds:schemaRefs>
     <ds:schemaRef ds:uri="http://schemas.microsoft.com/sharepoint/v3/contenttype/forms"/>
   </ds:schemaRefs>
 </ds:datastoreItem>
-</file>
-
-<file path=customXml/itemProps4.xml><?xml version="1.0" encoding="utf-8"?>
-<ds:datastoreItem xmlns:ds="http://schemas.openxmlformats.org/officeDocument/2006/customXml" ds:itemID="{B9043294-8302-4947-B882-02D6486F929C}">
-  <ds:schemaRefs>
-    <ds:schemaRef ds:uri="http://schemas.microsoft.com/sharepoint/events"/>
-  </ds:schemaRefs>
-</ds:datastoreItem>
 </file>